--- a/presentation.pptx
+++ b/presentation.pptx
@@ -8,40 +8,39 @@
     <p:sldMasterId id="2147483687" r:id="rId5"/>
     <p:sldMasterId id="2147483700" r:id="rId6"/>
     <p:sldMasterId id="2147483713" r:id="rId7"/>
-    <p:sldMasterId id="2147483726" r:id="rId8"/>
   </p:sldMasterIdLst>
   <p:sldIdLst>
-    <p:sldId id="256" r:id="rId9"/>
-    <p:sldId id="257" r:id="rId10"/>
-    <p:sldId id="258" r:id="rId11"/>
-    <p:sldId id="259" r:id="rId12"/>
-    <p:sldId id="260" r:id="rId13"/>
-    <p:sldId id="261" r:id="rId14"/>
-    <p:sldId id="262" r:id="rId15"/>
-    <p:sldId id="263" r:id="rId16"/>
-    <p:sldId id="264" r:id="rId17"/>
-    <p:sldId id="265" r:id="rId18"/>
-    <p:sldId id="266" r:id="rId19"/>
-    <p:sldId id="267" r:id="rId20"/>
-    <p:sldId id="268" r:id="rId21"/>
-    <p:sldId id="269" r:id="rId22"/>
-    <p:sldId id="270" r:id="rId23"/>
-    <p:sldId id="271" r:id="rId24"/>
-    <p:sldId id="272" r:id="rId25"/>
-    <p:sldId id="273" r:id="rId26"/>
-    <p:sldId id="274" r:id="rId27"/>
-    <p:sldId id="275" r:id="rId28"/>
-    <p:sldId id="276" r:id="rId29"/>
-    <p:sldId id="277" r:id="rId30"/>
-    <p:sldId id="278" r:id="rId31"/>
-    <p:sldId id="279" r:id="rId32"/>
-    <p:sldId id="280" r:id="rId33"/>
-    <p:sldId id="281" r:id="rId34"/>
-    <p:sldId id="282" r:id="rId35"/>
-    <p:sldId id="283" r:id="rId36"/>
-    <p:sldId id="284" r:id="rId37"/>
-    <p:sldId id="285" r:id="rId38"/>
-    <p:sldId id="286" r:id="rId39"/>
+    <p:sldId id="256" r:id="rId8"/>
+    <p:sldId id="257" r:id="rId9"/>
+    <p:sldId id="258" r:id="rId10"/>
+    <p:sldId id="259" r:id="rId11"/>
+    <p:sldId id="260" r:id="rId12"/>
+    <p:sldId id="261" r:id="rId13"/>
+    <p:sldId id="262" r:id="rId14"/>
+    <p:sldId id="263" r:id="rId15"/>
+    <p:sldId id="264" r:id="rId16"/>
+    <p:sldId id="265" r:id="rId17"/>
+    <p:sldId id="266" r:id="rId18"/>
+    <p:sldId id="267" r:id="rId19"/>
+    <p:sldId id="268" r:id="rId20"/>
+    <p:sldId id="269" r:id="rId21"/>
+    <p:sldId id="270" r:id="rId22"/>
+    <p:sldId id="271" r:id="rId23"/>
+    <p:sldId id="272" r:id="rId24"/>
+    <p:sldId id="273" r:id="rId25"/>
+    <p:sldId id="274" r:id="rId26"/>
+    <p:sldId id="275" r:id="rId27"/>
+    <p:sldId id="276" r:id="rId28"/>
+    <p:sldId id="277" r:id="rId29"/>
+    <p:sldId id="278" r:id="rId30"/>
+    <p:sldId id="279" r:id="rId31"/>
+    <p:sldId id="280" r:id="rId32"/>
+    <p:sldId id="281" r:id="rId33"/>
+    <p:sldId id="282" r:id="rId34"/>
+    <p:sldId id="283" r:id="rId35"/>
+    <p:sldId id="284" r:id="rId36"/>
+    <p:sldId id="285" r:id="rId37"/>
+    <p:sldId id="286" r:id="rId38"/>
   </p:sldIdLst>
   <p:sldSz cx="9144000" cy="5143500"/>
   <p:notesSz cx="7772400" cy="10058400"/>
@@ -79,7 +78,7 @@
         <p:txBody>
           <a:bodyPr/>
           <a:p>
-            <a:fld id="{10706F11-434E-4F74-BD28-322E5791C00B}" type="slidenum">
+            <a:fld id="{170EC327-58AC-4CB3-830C-99BA651283B5}" type="slidenum">
               <a:t>&lt;#&gt;</a:t>
             </a:fld>
           </a:p>
@@ -226,7 +225,7 @@
         <p:txBody>
           <a:bodyPr/>
           <a:p>
-            <a:fld id="{F52A443A-B0A6-4A1C-8913-3D7FC4DCA1FF}" type="slidenum">
+            <a:fld id="{17D90797-294E-483C-A6BC-13354D00B3BA}" type="slidenum">
               <a:t>&lt;#&gt;</a:t>
             </a:fld>
           </a:p>
@@ -441,7 +440,7 @@
         <p:txBody>
           <a:bodyPr/>
           <a:p>
-            <a:fld id="{D59590EE-4168-420B-A653-856FA8683BF5}" type="slidenum">
+            <a:fld id="{0AFD2135-B163-40A9-A572-E32D58A13549}" type="slidenum">
               <a:t>&lt;#&gt;</a:t>
             </a:fld>
           </a:p>
@@ -724,7 +723,7 @@
         <p:txBody>
           <a:bodyPr/>
           <a:p>
-            <a:fld id="{529CFC86-B618-4659-BBB0-83B086E53F6D}" type="slidenum">
+            <a:fld id="{BA8DEAF6-6365-46D7-976A-9D191AF78F41}" type="slidenum">
               <a:t>&lt;#&gt;</a:t>
             </a:fld>
           </a:p>
@@ -766,7 +765,7 @@
         <p:txBody>
           <a:bodyPr/>
           <a:p>
-            <a:fld id="{26D6AE97-DCA1-45FE-BAFC-41CE8879440A}" type="slidenum">
+            <a:fld id="{9077985E-EC82-4A9A-B582-D7743B0985D0}" type="slidenum">
               <a:t>&lt;#&gt;</a:t>
             </a:fld>
           </a:p>
@@ -882,7 +881,7 @@
         <p:txBody>
           <a:bodyPr/>
           <a:p>
-            <a:fld id="{C55D87AC-653F-4B13-8F96-26770444E102}" type="slidenum">
+            <a:fld id="{385E2192-C9E9-48C8-B390-E722C1F6CD3C}" type="slidenum">
               <a:t>&lt;#&gt;</a:t>
             </a:fld>
           </a:p>
@@ -995,7 +994,7 @@
         <p:txBody>
           <a:bodyPr/>
           <a:p>
-            <a:fld id="{804817EE-75D8-4F80-86F5-9260468A1778}" type="slidenum">
+            <a:fld id="{4D2C3FBA-295E-4F25-B2EE-9E4EDAD73F08}" type="slidenum">
               <a:t>&lt;#&gt;</a:t>
             </a:fld>
           </a:p>
@@ -1142,7 +1141,7 @@
         <p:txBody>
           <a:bodyPr/>
           <a:p>
-            <a:fld id="{6EA9FA3F-04CF-4FF3-9D28-109ECA3AEC60}" type="slidenum">
+            <a:fld id="{2DA97BD9-8AA8-4B1D-8008-B32A5887F640}" type="slidenum">
               <a:t>&lt;#&gt;</a:t>
             </a:fld>
           </a:p>
@@ -1221,7 +1220,7 @@
         <p:txBody>
           <a:bodyPr/>
           <a:p>
-            <a:fld id="{11E84995-D3DA-42F2-B0CF-4B9953795B8F}" type="slidenum">
+            <a:fld id="{2DE2A383-1E92-464E-B017-F4D04BB08ED6}" type="slidenum">
               <a:t>&lt;#&gt;</a:t>
             </a:fld>
           </a:p>
@@ -1300,7 +1299,7 @@
         <p:txBody>
           <a:bodyPr/>
           <a:p>
-            <a:fld id="{C25C4F36-DB8C-481A-AD61-F364C45A1BC9}" type="slidenum">
+            <a:fld id="{D9BCFC8D-752A-41B1-B132-4FF8CCFF48A8}" type="slidenum">
               <a:t>&lt;#&gt;</a:t>
             </a:fld>
           </a:p>
@@ -1481,7 +1480,7 @@
         <p:txBody>
           <a:bodyPr/>
           <a:p>
-            <a:fld id="{25B7D50E-374F-4409-9324-19ABD5B13ECB}" type="slidenum">
+            <a:fld id="{34B8B744-7DE9-4F21-B269-DD5326E887C8}" type="slidenum">
               <a:t>&lt;#&gt;</a:t>
             </a:fld>
           </a:p>
@@ -1597,7 +1596,7 @@
         <p:txBody>
           <a:bodyPr/>
           <a:p>
-            <a:fld id="{632F19FD-E636-418E-8067-14D91EA18DB2}" type="slidenum">
+            <a:fld id="{6213357A-904F-4493-9911-ED102652104B}" type="slidenum">
               <a:t>&lt;#&gt;</a:t>
             </a:fld>
           </a:p>
@@ -1778,7 +1777,7 @@
         <p:txBody>
           <a:bodyPr/>
           <a:p>
-            <a:fld id="{16B63FA8-FA11-4963-9A01-1E1F535EF116}" type="slidenum">
+            <a:fld id="{2932635E-B057-40B7-AF02-1F6577346503}" type="slidenum">
               <a:t>&lt;#&gt;</a:t>
             </a:fld>
           </a:p>
@@ -1959,7 +1958,7 @@
         <p:txBody>
           <a:bodyPr/>
           <a:p>
-            <a:fld id="{48F586F0-30D0-4E9D-9DF2-A8E790FE7AD4}" type="slidenum">
+            <a:fld id="{73EFD7D6-3073-4E06-8CF6-C133D5DD0A3D}" type="slidenum">
               <a:t>&lt;#&gt;</a:t>
             </a:fld>
           </a:p>
@@ -2106,7 +2105,7 @@
         <p:txBody>
           <a:bodyPr/>
           <a:p>
-            <a:fld id="{919C79EA-7BBF-4713-8648-BFE9C0321C2D}" type="slidenum">
+            <a:fld id="{0FCB5D44-8EC3-4D63-89AD-D46F83DDBF50}" type="slidenum">
               <a:t>&lt;#&gt;</a:t>
             </a:fld>
           </a:p>
@@ -2321,7 +2320,7 @@
         <p:txBody>
           <a:bodyPr/>
           <a:p>
-            <a:fld id="{9881248B-B21C-4514-AD16-B11C0CA36D93}" type="slidenum">
+            <a:fld id="{E49796CB-CED9-4676-B7B4-B0F001716F01}" type="slidenum">
               <a:t>&lt;#&gt;</a:t>
             </a:fld>
           </a:p>
@@ -2604,7 +2603,7 @@
         <p:txBody>
           <a:bodyPr/>
           <a:p>
-            <a:fld id="{917205EA-4800-4C22-9EAE-7857FCA7164B}" type="slidenum">
+            <a:fld id="{A76A2851-FC6D-489C-8A2A-83BAFF8D919B}" type="slidenum">
               <a:t>&lt;#&gt;</a:t>
             </a:fld>
           </a:p>
@@ -3114,7 +3113,7 @@
         <p:txBody>
           <a:bodyPr/>
           <a:p>
-            <a:fld id="{1A722F4D-70DA-4BE5-9489-D19CC41457E9}" type="slidenum">
+            <a:fld id="{72D2D3F4-4E2E-4346-BBD0-D2541BAC07C6}" type="slidenum">
               <a:t>&lt;#&gt;</a:t>
             </a:fld>
           </a:p>
@@ -4599,7 +4598,7 @@
         <p:txBody>
           <a:bodyPr/>
           <a:p>
-            <a:fld id="{76264881-93E6-42AF-904B-9DF3915060D0}" type="slidenum">
+            <a:fld id="{9C6B57B7-70FD-4DD4-A8FD-AA3B6302ECC8}" type="slidenum">
               <a:t>&lt;#&gt;</a:t>
             </a:fld>
           </a:p>
@@ -5954,7 +5953,7 @@
         <p:txBody>
           <a:bodyPr/>
           <a:p>
-            <a:fld id="{FCF77A1B-E504-4A91-A9C8-B47ACABAF4AF}" type="slidenum">
+            <a:fld id="{B941C85F-8DD1-4243-87C2-A9127B2DDEB4}" type="slidenum">
               <a:t>&lt;#&gt;</a:t>
             </a:fld>
           </a:p>
@@ -6033,7 +6032,7 @@
         <p:txBody>
           <a:bodyPr/>
           <a:p>
-            <a:fld id="{2DA1B538-94B7-4D21-AEF4-CE570FFE0F7C}" type="slidenum">
+            <a:fld id="{15D64BE8-4999-4323-B193-6713CA2FA30A}" type="slidenum">
               <a:t>&lt;#&gt;</a:t>
             </a:fld>
           </a:p>
@@ -6149,7 +6148,7 @@
         <p:txBody>
           <a:bodyPr/>
           <a:p>
-            <a:fld id="{2A7EA440-3A14-4034-BE91-F5F14D619CD0}" type="slidenum">
+            <a:fld id="{A30CD741-ABA9-4EF4-B36D-12C7BF0820F5}" type="slidenum">
               <a:t>&lt;#&gt;</a:t>
             </a:fld>
           </a:p>
@@ -6262,7 +6261,7 @@
         <p:txBody>
           <a:bodyPr/>
           <a:p>
-            <a:fld id="{1D3D7642-164C-46F3-805D-AD46E5993241}" type="slidenum">
+            <a:fld id="{E2B17DCC-7D0E-4771-AD06-8F87F363D824}" type="slidenum">
               <a:t>&lt;#&gt;</a:t>
             </a:fld>
           </a:p>
@@ -6409,7 +6408,7 @@
         <p:txBody>
           <a:bodyPr/>
           <a:p>
-            <a:fld id="{87A37D73-6208-4119-A13E-E9F7F252D423}" type="slidenum">
+            <a:fld id="{AD7E6F21-43B1-471D-978C-58525D6148E2}" type="slidenum">
               <a:t>&lt;#&gt;</a:t>
             </a:fld>
           </a:p>
@@ -6488,7 +6487,7 @@
         <p:txBody>
           <a:bodyPr/>
           <a:p>
-            <a:fld id="{E569F229-6B0F-43AE-886B-6175721F7467}" type="slidenum">
+            <a:fld id="{A4F6F7A6-DD2D-4BAB-BC2F-B921181BDE39}" type="slidenum">
               <a:t>&lt;#&gt;</a:t>
             </a:fld>
           </a:p>
@@ -6567,7 +6566,7 @@
         <p:txBody>
           <a:bodyPr/>
           <a:p>
-            <a:fld id="{D21419AF-9F53-46A6-94EA-5EDA9B7A62A8}" type="slidenum">
+            <a:fld id="{55BBC66D-53A2-4A96-AB63-A482BEED5A92}" type="slidenum">
               <a:t>&lt;#&gt;</a:t>
             </a:fld>
           </a:p>
@@ -6748,7 +6747,7 @@
         <p:txBody>
           <a:bodyPr/>
           <a:p>
-            <a:fld id="{D136DF84-E80B-4394-A412-119D3AD9E452}" type="slidenum">
+            <a:fld id="{66747F52-B4D3-4F23-B2C6-FA5F645C5F0B}" type="slidenum">
               <a:t>&lt;#&gt;</a:t>
             </a:fld>
           </a:p>
@@ -6929,7 +6928,7 @@
         <p:txBody>
           <a:bodyPr/>
           <a:p>
-            <a:fld id="{909D8E39-D7EC-47C0-B72A-EEE211DB438F}" type="slidenum">
+            <a:fld id="{8C7924E8-2CB8-46E6-B3FC-64BCCC74E06F}" type="slidenum">
               <a:t>&lt;#&gt;</a:t>
             </a:fld>
           </a:p>
@@ -7110,7 +7109,7 @@
         <p:txBody>
           <a:bodyPr/>
           <a:p>
-            <a:fld id="{0F824584-4968-4B15-8389-DFA8013663E4}" type="slidenum">
+            <a:fld id="{92F70579-38E3-4B1F-A948-69D82F80A28F}" type="slidenum">
               <a:t>&lt;#&gt;</a:t>
             </a:fld>
           </a:p>
@@ -7257,7 +7256,7 @@
         <p:txBody>
           <a:bodyPr/>
           <a:p>
-            <a:fld id="{AB1F8D81-AD17-4991-A713-3B765AA43C02}" type="slidenum">
+            <a:fld id="{097135E2-1547-422C-B2E5-C7887A40C78A}" type="slidenum">
               <a:t>&lt;#&gt;</a:t>
             </a:fld>
           </a:p>
@@ -7472,7 +7471,7 @@
         <p:txBody>
           <a:bodyPr/>
           <a:p>
-            <a:fld id="{7DB8C3B3-BA60-4A96-B2A0-39934FC687D8}" type="slidenum">
+            <a:fld id="{6763973B-3281-4B89-AC8B-F233E4374259}" type="slidenum">
               <a:t>&lt;#&gt;</a:t>
             </a:fld>
           </a:p>
@@ -7551,7 +7550,7 @@
         <p:txBody>
           <a:bodyPr/>
           <a:p>
-            <a:fld id="{ACA8D5B7-267A-4CCA-AC57-8BAAC04CFFE3}" type="slidenum">
+            <a:fld id="{84094159-05E6-4201-AEB7-2B968CCFD800}" type="slidenum">
               <a:t>&lt;#&gt;</a:t>
             </a:fld>
           </a:p>
@@ -7834,7 +7833,7 @@
         <p:txBody>
           <a:bodyPr/>
           <a:p>
-            <a:fld id="{070B0751-5306-49E1-89E3-80B133782564}" type="slidenum">
+            <a:fld id="{5253D9DE-6C96-497B-93E2-171415DD1229}" type="slidenum">
               <a:t>&lt;#&gt;</a:t>
             </a:fld>
           </a:p>
@@ -7862,6 +7861,26 @@
           <a:chExt cx="0" cy="0"/>
         </a:xfrm>
       </p:grpSpPr>
+      <p:sp>
+        <p:nvSpPr>
+          <p:cNvPr id="2" name="PlaceHolder 1"/>
+          <p:cNvSpPr>
+            <a:spLocks noGrp="1"/>
+          </p:cNvSpPr>
+          <p:nvPr>
+            <p:ph type="sldNum" idx="4"/>
+          </p:nvPr>
+        </p:nvSpPr>
+        <p:spPr/>
+        <p:txBody>
+          <a:bodyPr/>
+          <a:p>
+            <a:fld id="{6462893C-E01B-4835-AA31-D6C4DFFBAEE8}" type="slidenum">
+              <a:t>&lt;#&gt;</a:t>
+            </a:fld>
+          </a:p>
+        </p:txBody>
+      </p:sp>
     </p:spTree>
   </p:cSld>
 </p:sldLayout>
@@ -7958,6 +7977,26 @@
           </a:p>
         </p:txBody>
       </p:sp>
+      <p:sp>
+        <p:nvSpPr>
+          <p:cNvPr id="4" name="PlaceHolder 3"/>
+          <p:cNvSpPr>
+            <a:spLocks noGrp="1"/>
+          </p:cNvSpPr>
+          <p:nvPr>
+            <p:ph type="sldNum" idx="4"/>
+          </p:nvPr>
+        </p:nvSpPr>
+        <p:spPr/>
+        <p:txBody>
+          <a:bodyPr/>
+          <a:p>
+            <a:fld id="{6219FC2B-BAAE-4606-9C68-EEF83715C0C3}" type="slidenum">
+              <a:t>&lt;#&gt;</a:t>
+            </a:fld>
+          </a:p>
+        </p:txBody>
+      </p:sp>
     </p:spTree>
   </p:cSld>
 </p:sldLayout>
@@ -8051,6 +8090,26 @@
           </a:p>
         </p:txBody>
       </p:sp>
+      <p:sp>
+        <p:nvSpPr>
+          <p:cNvPr id="4" name="PlaceHolder 3"/>
+          <p:cNvSpPr>
+            <a:spLocks noGrp="1"/>
+          </p:cNvSpPr>
+          <p:nvPr>
+            <p:ph type="sldNum" idx="4"/>
+          </p:nvPr>
+        </p:nvSpPr>
+        <p:spPr/>
+        <p:txBody>
+          <a:bodyPr/>
+          <a:p>
+            <a:fld id="{EFF642CF-6348-4D73-90A4-7BDC520C35E4}" type="slidenum">
+              <a:t>&lt;#&gt;</a:t>
+            </a:fld>
+          </a:p>
+        </p:txBody>
+      </p:sp>
     </p:spTree>
   </p:cSld>
 </p:sldLayout>
@@ -8178,6 +8237,26 @@
           </a:p>
         </p:txBody>
       </p:sp>
+      <p:sp>
+        <p:nvSpPr>
+          <p:cNvPr id="5" name="PlaceHolder 4"/>
+          <p:cNvSpPr>
+            <a:spLocks noGrp="1"/>
+          </p:cNvSpPr>
+          <p:nvPr>
+            <p:ph type="sldNum" idx="4"/>
+          </p:nvPr>
+        </p:nvSpPr>
+        <p:spPr/>
+        <p:txBody>
+          <a:bodyPr/>
+          <a:p>
+            <a:fld id="{155AEFDE-3311-4523-B09A-5BC0CB7ECCBD}" type="slidenum">
+              <a:t>&lt;#&gt;</a:t>
+            </a:fld>
+          </a:p>
+        </p:txBody>
+      </p:sp>
     </p:spTree>
   </p:cSld>
 </p:sldLayout>
@@ -8237,6 +8316,26 @@
           </a:p>
         </p:txBody>
       </p:sp>
+      <p:sp>
+        <p:nvSpPr>
+          <p:cNvPr id="3" name="PlaceHolder 2"/>
+          <p:cNvSpPr>
+            <a:spLocks noGrp="1"/>
+          </p:cNvSpPr>
+          <p:nvPr>
+            <p:ph type="sldNum" idx="4"/>
+          </p:nvPr>
+        </p:nvSpPr>
+        <p:spPr/>
+        <p:txBody>
+          <a:bodyPr/>
+          <a:p>
+            <a:fld id="{6564BF92-9A3E-4F77-BB6E-BED1688F551C}" type="slidenum">
+              <a:t>&lt;#&gt;</a:t>
+            </a:fld>
+          </a:p>
+        </p:txBody>
+      </p:sp>
     </p:spTree>
   </p:cSld>
 </p:sldLayout>
@@ -8296,6 +8395,26 @@
           </a:p>
         </p:txBody>
       </p:sp>
+      <p:sp>
+        <p:nvSpPr>
+          <p:cNvPr id="3" name="PlaceHolder 2"/>
+          <p:cNvSpPr>
+            <a:spLocks noGrp="1"/>
+          </p:cNvSpPr>
+          <p:nvPr>
+            <p:ph type="sldNum" idx="4"/>
+          </p:nvPr>
+        </p:nvSpPr>
+        <p:spPr/>
+        <p:txBody>
+          <a:bodyPr/>
+          <a:p>
+            <a:fld id="{E26E3010-E25A-4BB9-86FC-CF27A0D005EC}" type="slidenum">
+              <a:t>&lt;#&gt;</a:t>
+            </a:fld>
+          </a:p>
+        </p:txBody>
+      </p:sp>
     </p:spTree>
   </p:cSld>
 </p:sldLayout>
@@ -8457,6 +8576,26 @@
           </a:p>
         </p:txBody>
       </p:sp>
+      <p:sp>
+        <p:nvSpPr>
+          <p:cNvPr id="6" name="PlaceHolder 5"/>
+          <p:cNvSpPr>
+            <a:spLocks noGrp="1"/>
+          </p:cNvSpPr>
+          <p:nvPr>
+            <p:ph type="sldNum" idx="4"/>
+          </p:nvPr>
+        </p:nvSpPr>
+        <p:spPr/>
+        <p:txBody>
+          <a:bodyPr/>
+          <a:p>
+            <a:fld id="{4D207BC4-E3CE-433E-BE1B-3740AA43B5B7}" type="slidenum">
+              <a:t>&lt;#&gt;</a:t>
+            </a:fld>
+          </a:p>
+        </p:txBody>
+      </p:sp>
     </p:spTree>
   </p:cSld>
 </p:sldLayout>
@@ -8618,6 +8757,26 @@
           </a:p>
         </p:txBody>
       </p:sp>
+      <p:sp>
+        <p:nvSpPr>
+          <p:cNvPr id="6" name="PlaceHolder 5"/>
+          <p:cNvSpPr>
+            <a:spLocks noGrp="1"/>
+          </p:cNvSpPr>
+          <p:nvPr>
+            <p:ph type="sldNum" idx="4"/>
+          </p:nvPr>
+        </p:nvSpPr>
+        <p:spPr/>
+        <p:txBody>
+          <a:bodyPr/>
+          <a:p>
+            <a:fld id="{CFA73ADF-1026-4AA0-BF28-3EDEAE6C75A6}" type="slidenum">
+              <a:t>&lt;#&gt;</a:t>
+            </a:fld>
+          </a:p>
+        </p:txBody>
+      </p:sp>
     </p:spTree>
   </p:cSld>
 </p:sldLayout>
@@ -8779,6 +8938,26 @@
           </a:p>
         </p:txBody>
       </p:sp>
+      <p:sp>
+        <p:nvSpPr>
+          <p:cNvPr id="6" name="PlaceHolder 5"/>
+          <p:cNvSpPr>
+            <a:spLocks noGrp="1"/>
+          </p:cNvSpPr>
+          <p:nvPr>
+            <p:ph type="sldNum" idx="4"/>
+          </p:nvPr>
+        </p:nvSpPr>
+        <p:spPr/>
+        <p:txBody>
+          <a:bodyPr/>
+          <a:p>
+            <a:fld id="{A8901699-2DA5-4CFC-A835-0381C1EDFFC8}" type="slidenum">
+              <a:t>&lt;#&gt;</a:t>
+            </a:fld>
+          </a:p>
+        </p:txBody>
+      </p:sp>
     </p:spTree>
   </p:cSld>
 </p:sldLayout>
@@ -8954,7 +9133,7 @@
         <p:txBody>
           <a:bodyPr/>
           <a:p>
-            <a:fld id="{0037136E-6847-4E7C-8A92-97E436A8131D}" type="slidenum">
+            <a:fld id="{6703B273-0A4B-4A0D-9B2C-62EA10C2C11B}" type="slidenum">
               <a:t>&lt;#&gt;</a:t>
             </a:fld>
           </a:p>
@@ -9087,6 +9266,26 @@
           </a:p>
         </p:txBody>
       </p:sp>
+      <p:sp>
+        <p:nvSpPr>
+          <p:cNvPr id="5" name="PlaceHolder 4"/>
+          <p:cNvSpPr>
+            <a:spLocks noGrp="1"/>
+          </p:cNvSpPr>
+          <p:nvPr>
+            <p:ph type="sldNum" idx="4"/>
+          </p:nvPr>
+        </p:nvSpPr>
+        <p:spPr/>
+        <p:txBody>
+          <a:bodyPr/>
+          <a:p>
+            <a:fld id="{B9BACD97-1AEE-4DAE-8BA1-85A31586C499}" type="slidenum">
+              <a:t>&lt;#&gt;</a:t>
+            </a:fld>
+          </a:p>
+        </p:txBody>
+      </p:sp>
     </p:spTree>
   </p:cSld>
 </p:sldLayout>
@@ -9282,6 +9481,26 @@
           </a:p>
         </p:txBody>
       </p:sp>
+      <p:sp>
+        <p:nvSpPr>
+          <p:cNvPr id="7" name="PlaceHolder 6"/>
+          <p:cNvSpPr>
+            <a:spLocks noGrp="1"/>
+          </p:cNvSpPr>
+          <p:nvPr>
+            <p:ph type="sldNum" idx="4"/>
+          </p:nvPr>
+        </p:nvSpPr>
+        <p:spPr/>
+        <p:txBody>
+          <a:bodyPr/>
+          <a:p>
+            <a:fld id="{765485AE-2778-4B43-8ED0-2438FBE5216A}" type="slidenum">
+              <a:t>&lt;#&gt;</a:t>
+            </a:fld>
+          </a:p>
+        </p:txBody>
+      </p:sp>
     </p:spTree>
   </p:cSld>
 </p:sldLayout>
@@ -9545,31 +9764,9 @@
           </a:p>
         </p:txBody>
       </p:sp>
-    </p:spTree>
-  </p:cSld>
-</p:sldLayout>
-</file>
-
-<file path=ppt/slideLayouts/slideLayout73.xml><?xml version="1.0" encoding="utf-8"?>
-<p:sldLayout xmlns:a="http://schemas.openxmlformats.org/drawingml/2006/main" xmlns:p="http://schemas.openxmlformats.org/presentationml/2006/main" xmlns:r="http://schemas.openxmlformats.org/officeDocument/2006/relationships" xmlns:p14="http://schemas.microsoft.com/office/powerpoint/2010/main" xmlns:p15="http://schemas.microsoft.com/office/powerpoint/2012/main" xmlns:mc="http://schemas.openxmlformats.org/markup-compatibility/2006" type="blank" preserve="1">
-  <p:cSld name="Blank Slide">
-    <p:spTree>
-      <p:nvGrpSpPr>
-        <p:cNvPr id="1" name=""/>
-        <p:cNvGrpSpPr/>
-        <p:nvPr/>
-      </p:nvGrpSpPr>
-      <p:grpSpPr>
-        <a:xfrm>
-          <a:off x="0" y="0"/>
-          <a:ext cx="0" cy="0"/>
-          <a:chOff x="0" y="0"/>
-          <a:chExt cx="0" cy="0"/>
-        </a:xfrm>
-      </p:grpSpPr>
-      <p:sp>
-        <p:nvSpPr>
-          <p:cNvPr id="2" name="PlaceHolder 1"/>
+      <p:sp>
+        <p:nvSpPr>
+          <p:cNvPr id="9" name="PlaceHolder 8"/>
           <p:cNvSpPr>
             <a:spLocks noGrp="1"/>
           </p:cNvSpPr>
@@ -9581,722 +9778,7 @@
         <p:txBody>
           <a:bodyPr/>
           <a:p>
-            <a:fld id="{8CC962BC-1149-4F0D-B4EF-0BD6A517768E}" type="slidenum">
-              <a:t>&lt;#&gt;</a:t>
-            </a:fld>
-          </a:p>
-        </p:txBody>
-      </p:sp>
-    </p:spTree>
-  </p:cSld>
-</p:sldLayout>
-</file>
-
-<file path=ppt/slideLayouts/slideLayout74.xml><?xml version="1.0" encoding="utf-8"?>
-<p:sldLayout xmlns:a="http://schemas.openxmlformats.org/drawingml/2006/main" xmlns:p="http://schemas.openxmlformats.org/presentationml/2006/main" xmlns:r="http://schemas.openxmlformats.org/officeDocument/2006/relationships" xmlns:p14="http://schemas.microsoft.com/office/powerpoint/2010/main" xmlns:p15="http://schemas.microsoft.com/office/powerpoint/2012/main" xmlns:mc="http://schemas.openxmlformats.org/markup-compatibility/2006" type="tx" preserve="1">
-  <p:cSld name="Title Slide">
-    <p:spTree>
-      <p:nvGrpSpPr>
-        <p:cNvPr id="1" name=""/>
-        <p:cNvGrpSpPr/>
-        <p:nvPr/>
-      </p:nvGrpSpPr>
-      <p:grpSpPr>
-        <a:xfrm>
-          <a:off x="0" y="0"/>
-          <a:ext cx="0" cy="0"/>
-          <a:chOff x="0" y="0"/>
-          <a:chExt cx="0" cy="0"/>
-        </a:xfrm>
-      </p:grpSpPr>
-      <p:sp>
-        <p:nvSpPr>
-          <p:cNvPr id="236" name="PlaceHolder 1"/>
-          <p:cNvSpPr>
-            <a:spLocks noGrp="1"/>
-          </p:cNvSpPr>
-          <p:nvPr>
-            <p:ph type="title"/>
-          </p:nvPr>
-        </p:nvSpPr>
-        <p:spPr>
-          <a:xfrm>
-            <a:off x="457200" y="205200"/>
-            <a:ext cx="8229240" cy="858600"/>
-          </a:xfrm>
-          <a:prstGeom prst="rect">
-            <a:avLst/>
-          </a:prstGeom>
-          <a:noFill/>
-          <a:ln w="0">
-            <a:noFill/>
-          </a:ln>
-        </p:spPr>
-        <p:txBody>
-          <a:bodyPr lIns="0" rIns="0" tIns="0" bIns="0" anchor="ctr">
-            <a:noAutofit/>
-          </a:bodyPr>
-          <a:p>
-            <a:pPr algn="ctr">
-              <a:buNone/>
-            </a:pPr>
-            <a:endParaRPr b="0" lang="en-US" sz="4400" spc="-1" strike="noStrike">
-              <a:latin typeface="Arial"/>
-            </a:endParaRPr>
-          </a:p>
-        </p:txBody>
-      </p:sp>
-      <p:sp>
-        <p:nvSpPr>
-          <p:cNvPr id="237" name="PlaceHolder 2"/>
-          <p:cNvSpPr>
-            <a:spLocks noGrp="1"/>
-          </p:cNvSpPr>
-          <p:nvPr>
-            <p:ph type="subTitle"/>
-          </p:nvPr>
-        </p:nvSpPr>
-        <p:spPr>
-          <a:xfrm>
-            <a:off x="457200" y="1203480"/>
-            <a:ext cx="8229240" cy="2982960"/>
-          </a:xfrm>
-          <a:prstGeom prst="rect">
-            <a:avLst/>
-          </a:prstGeom>
-          <a:noFill/>
-          <a:ln w="0">
-            <a:noFill/>
-          </a:ln>
-        </p:spPr>
-        <p:txBody>
-          <a:bodyPr lIns="0" rIns="0" tIns="0" bIns="0" anchor="ctr">
-            <a:noAutofit/>
-          </a:bodyPr>
-          <a:p>
-            <a:pPr algn="ctr">
-              <a:buNone/>
-            </a:pPr>
-            <a:endParaRPr b="0" lang="en-US" sz="3200" spc="-1" strike="noStrike">
-              <a:latin typeface="Arial"/>
-            </a:endParaRPr>
-          </a:p>
-        </p:txBody>
-      </p:sp>
-      <p:sp>
-        <p:nvSpPr>
-          <p:cNvPr id="4" name="PlaceHolder 3"/>
-          <p:cNvSpPr>
-            <a:spLocks noGrp="1"/>
-          </p:cNvSpPr>
-          <p:nvPr>
-            <p:ph type="sldNum" idx="4"/>
-          </p:nvPr>
-        </p:nvSpPr>
-        <p:spPr/>
-        <p:txBody>
-          <a:bodyPr/>
-          <a:p>
-            <a:fld id="{7F8D8C2E-4411-454C-8738-6EF9AF957E62}" type="slidenum">
-              <a:t>&lt;#&gt;</a:t>
-            </a:fld>
-          </a:p>
-        </p:txBody>
-      </p:sp>
-    </p:spTree>
-  </p:cSld>
-</p:sldLayout>
-</file>
-
-<file path=ppt/slideLayouts/slideLayout75.xml><?xml version="1.0" encoding="utf-8"?>
-<p:sldLayout xmlns:a="http://schemas.openxmlformats.org/drawingml/2006/main" xmlns:p="http://schemas.openxmlformats.org/presentationml/2006/main" xmlns:r="http://schemas.openxmlformats.org/officeDocument/2006/relationships" xmlns:p14="http://schemas.microsoft.com/office/powerpoint/2010/main" xmlns:p15="http://schemas.microsoft.com/office/powerpoint/2012/main" xmlns:mc="http://schemas.openxmlformats.org/markup-compatibility/2006" type="obj" preserve="1">
-  <p:cSld name="Title, Content">
-    <p:spTree>
-      <p:nvGrpSpPr>
-        <p:cNvPr id="1" name=""/>
-        <p:cNvGrpSpPr/>
-        <p:nvPr/>
-      </p:nvGrpSpPr>
-      <p:grpSpPr>
-        <a:xfrm>
-          <a:off x="0" y="0"/>
-          <a:ext cx="0" cy="0"/>
-          <a:chOff x="0" y="0"/>
-          <a:chExt cx="0" cy="0"/>
-        </a:xfrm>
-      </p:grpSpPr>
-      <p:sp>
-        <p:nvSpPr>
-          <p:cNvPr id="238" name="PlaceHolder 1"/>
-          <p:cNvSpPr>
-            <a:spLocks noGrp="1"/>
-          </p:cNvSpPr>
-          <p:nvPr>
-            <p:ph type="title"/>
-          </p:nvPr>
-        </p:nvSpPr>
-        <p:spPr>
-          <a:xfrm>
-            <a:off x="457200" y="205200"/>
-            <a:ext cx="8229240" cy="858600"/>
-          </a:xfrm>
-          <a:prstGeom prst="rect">
-            <a:avLst/>
-          </a:prstGeom>
-          <a:noFill/>
-          <a:ln w="0">
-            <a:noFill/>
-          </a:ln>
-        </p:spPr>
-        <p:txBody>
-          <a:bodyPr lIns="0" rIns="0" tIns="0" bIns="0" anchor="ctr">
-            <a:noAutofit/>
-          </a:bodyPr>
-          <a:p>
-            <a:pPr algn="ctr">
-              <a:buNone/>
-            </a:pPr>
-            <a:endParaRPr b="0" lang="en-US" sz="4400" spc="-1" strike="noStrike">
-              <a:latin typeface="Arial"/>
-            </a:endParaRPr>
-          </a:p>
-        </p:txBody>
-      </p:sp>
-      <p:sp>
-        <p:nvSpPr>
-          <p:cNvPr id="239" name="PlaceHolder 2"/>
-          <p:cNvSpPr>
-            <a:spLocks noGrp="1"/>
-          </p:cNvSpPr>
-          <p:nvPr>
-            <p:ph/>
-          </p:nvPr>
-        </p:nvSpPr>
-        <p:spPr>
-          <a:xfrm>
-            <a:off x="457200" y="1203480"/>
-            <a:ext cx="8229240" cy="2982960"/>
-          </a:xfrm>
-          <a:prstGeom prst="rect">
-            <a:avLst/>
-          </a:prstGeom>
-          <a:noFill/>
-          <a:ln w="0">
-            <a:noFill/>
-          </a:ln>
-        </p:spPr>
-        <p:txBody>
-          <a:bodyPr lIns="0" rIns="0" tIns="0" bIns="0" anchor="t">
-            <a:normAutofit/>
-          </a:bodyPr>
-          <a:p>
-            <a:endParaRPr b="0" lang="en-US" sz="3200" spc="-1" strike="noStrike">
-              <a:latin typeface="Arial"/>
-            </a:endParaRPr>
-          </a:p>
-        </p:txBody>
-      </p:sp>
-      <p:sp>
-        <p:nvSpPr>
-          <p:cNvPr id="4" name="PlaceHolder 3"/>
-          <p:cNvSpPr>
-            <a:spLocks noGrp="1"/>
-          </p:cNvSpPr>
-          <p:nvPr>
-            <p:ph type="sldNum" idx="4"/>
-          </p:nvPr>
-        </p:nvSpPr>
-        <p:spPr/>
-        <p:txBody>
-          <a:bodyPr/>
-          <a:p>
-            <a:fld id="{3DCC23F0-F5DC-4176-841C-D7CB082F7ACA}" type="slidenum">
-              <a:t>&lt;#&gt;</a:t>
-            </a:fld>
-          </a:p>
-        </p:txBody>
-      </p:sp>
-    </p:spTree>
-  </p:cSld>
-</p:sldLayout>
-</file>
-
-<file path=ppt/slideLayouts/slideLayout76.xml><?xml version="1.0" encoding="utf-8"?>
-<p:sldLayout xmlns:a="http://schemas.openxmlformats.org/drawingml/2006/main" xmlns:p="http://schemas.openxmlformats.org/presentationml/2006/main" xmlns:r="http://schemas.openxmlformats.org/officeDocument/2006/relationships" xmlns:p14="http://schemas.microsoft.com/office/powerpoint/2010/main" xmlns:p15="http://schemas.microsoft.com/office/powerpoint/2012/main" xmlns:mc="http://schemas.openxmlformats.org/markup-compatibility/2006" type="twoObj" preserve="1">
-  <p:cSld name="Title, 2 Content">
-    <p:spTree>
-      <p:nvGrpSpPr>
-        <p:cNvPr id="1" name=""/>
-        <p:cNvGrpSpPr/>
-        <p:nvPr/>
-      </p:nvGrpSpPr>
-      <p:grpSpPr>
-        <a:xfrm>
-          <a:off x="0" y="0"/>
-          <a:ext cx="0" cy="0"/>
-          <a:chOff x="0" y="0"/>
-          <a:chExt cx="0" cy="0"/>
-        </a:xfrm>
-      </p:grpSpPr>
-      <p:sp>
-        <p:nvSpPr>
-          <p:cNvPr id="240" name="PlaceHolder 1"/>
-          <p:cNvSpPr>
-            <a:spLocks noGrp="1"/>
-          </p:cNvSpPr>
-          <p:nvPr>
-            <p:ph type="title"/>
-          </p:nvPr>
-        </p:nvSpPr>
-        <p:spPr>
-          <a:xfrm>
-            <a:off x="457200" y="205200"/>
-            <a:ext cx="8229240" cy="858600"/>
-          </a:xfrm>
-          <a:prstGeom prst="rect">
-            <a:avLst/>
-          </a:prstGeom>
-          <a:noFill/>
-          <a:ln w="0">
-            <a:noFill/>
-          </a:ln>
-        </p:spPr>
-        <p:txBody>
-          <a:bodyPr lIns="0" rIns="0" tIns="0" bIns="0" anchor="ctr">
-            <a:noAutofit/>
-          </a:bodyPr>
-          <a:p>
-            <a:pPr algn="ctr">
-              <a:buNone/>
-            </a:pPr>
-            <a:endParaRPr b="0" lang="en-US" sz="4400" spc="-1" strike="noStrike">
-              <a:latin typeface="Arial"/>
-            </a:endParaRPr>
-          </a:p>
-        </p:txBody>
-      </p:sp>
-      <p:sp>
-        <p:nvSpPr>
-          <p:cNvPr id="241" name="PlaceHolder 2"/>
-          <p:cNvSpPr>
-            <a:spLocks noGrp="1"/>
-          </p:cNvSpPr>
-          <p:nvPr>
-            <p:ph/>
-          </p:nvPr>
-        </p:nvSpPr>
-        <p:spPr>
-          <a:xfrm>
-            <a:off x="457200" y="1203480"/>
-            <a:ext cx="4015800" cy="2982960"/>
-          </a:xfrm>
-          <a:prstGeom prst="rect">
-            <a:avLst/>
-          </a:prstGeom>
-          <a:noFill/>
-          <a:ln w="0">
-            <a:noFill/>
-          </a:ln>
-        </p:spPr>
-        <p:txBody>
-          <a:bodyPr lIns="0" rIns="0" tIns="0" bIns="0" anchor="t">
-            <a:normAutofit/>
-          </a:bodyPr>
-          <a:p>
-            <a:endParaRPr b="0" lang="en-US" sz="3200" spc="-1" strike="noStrike">
-              <a:latin typeface="Arial"/>
-            </a:endParaRPr>
-          </a:p>
-        </p:txBody>
-      </p:sp>
-      <p:sp>
-        <p:nvSpPr>
-          <p:cNvPr id="242" name="PlaceHolder 3"/>
-          <p:cNvSpPr>
-            <a:spLocks noGrp="1"/>
-          </p:cNvSpPr>
-          <p:nvPr>
-            <p:ph/>
-          </p:nvPr>
-        </p:nvSpPr>
-        <p:spPr>
-          <a:xfrm>
-            <a:off x="4674240" y="1203480"/>
-            <a:ext cx="4015800" cy="2982960"/>
-          </a:xfrm>
-          <a:prstGeom prst="rect">
-            <a:avLst/>
-          </a:prstGeom>
-          <a:noFill/>
-          <a:ln w="0">
-            <a:noFill/>
-          </a:ln>
-        </p:spPr>
-        <p:txBody>
-          <a:bodyPr lIns="0" rIns="0" tIns="0" bIns="0" anchor="t">
-            <a:normAutofit/>
-          </a:bodyPr>
-          <a:p>
-            <a:endParaRPr b="0" lang="en-US" sz="3200" spc="-1" strike="noStrike">
-              <a:latin typeface="Arial"/>
-            </a:endParaRPr>
-          </a:p>
-        </p:txBody>
-      </p:sp>
-      <p:sp>
-        <p:nvSpPr>
-          <p:cNvPr id="5" name="PlaceHolder 4"/>
-          <p:cNvSpPr>
-            <a:spLocks noGrp="1"/>
-          </p:cNvSpPr>
-          <p:nvPr>
-            <p:ph type="sldNum" idx="4"/>
-          </p:nvPr>
-        </p:nvSpPr>
-        <p:spPr/>
-        <p:txBody>
-          <a:bodyPr/>
-          <a:p>
-            <a:fld id="{069B7E19-786F-47B0-97B2-7356B36C1FC1}" type="slidenum">
-              <a:t>&lt;#&gt;</a:t>
-            </a:fld>
-          </a:p>
-        </p:txBody>
-      </p:sp>
-    </p:spTree>
-  </p:cSld>
-</p:sldLayout>
-</file>
-
-<file path=ppt/slideLayouts/slideLayout77.xml><?xml version="1.0" encoding="utf-8"?>
-<p:sldLayout xmlns:a="http://schemas.openxmlformats.org/drawingml/2006/main" xmlns:p="http://schemas.openxmlformats.org/presentationml/2006/main" xmlns:r="http://schemas.openxmlformats.org/officeDocument/2006/relationships" xmlns:p14="http://schemas.microsoft.com/office/powerpoint/2010/main" xmlns:p15="http://schemas.microsoft.com/office/powerpoint/2012/main" xmlns:mc="http://schemas.openxmlformats.org/markup-compatibility/2006" type="titleOnly" preserve="1">
-  <p:cSld name="Title Only">
-    <p:spTree>
-      <p:nvGrpSpPr>
-        <p:cNvPr id="1" name=""/>
-        <p:cNvGrpSpPr/>
-        <p:nvPr/>
-      </p:nvGrpSpPr>
-      <p:grpSpPr>
-        <a:xfrm>
-          <a:off x="0" y="0"/>
-          <a:ext cx="0" cy="0"/>
-          <a:chOff x="0" y="0"/>
-          <a:chExt cx="0" cy="0"/>
-        </a:xfrm>
-      </p:grpSpPr>
-      <p:sp>
-        <p:nvSpPr>
-          <p:cNvPr id="243" name="PlaceHolder 1"/>
-          <p:cNvSpPr>
-            <a:spLocks noGrp="1"/>
-          </p:cNvSpPr>
-          <p:nvPr>
-            <p:ph type="title"/>
-          </p:nvPr>
-        </p:nvSpPr>
-        <p:spPr>
-          <a:xfrm>
-            <a:off x="457200" y="205200"/>
-            <a:ext cx="8229240" cy="858600"/>
-          </a:xfrm>
-          <a:prstGeom prst="rect">
-            <a:avLst/>
-          </a:prstGeom>
-          <a:noFill/>
-          <a:ln w="0">
-            <a:noFill/>
-          </a:ln>
-        </p:spPr>
-        <p:txBody>
-          <a:bodyPr lIns="0" rIns="0" tIns="0" bIns="0" anchor="ctr">
-            <a:noAutofit/>
-          </a:bodyPr>
-          <a:p>
-            <a:pPr algn="ctr">
-              <a:buNone/>
-            </a:pPr>
-            <a:endParaRPr b="0" lang="en-US" sz="4400" spc="-1" strike="noStrike">
-              <a:latin typeface="Arial"/>
-            </a:endParaRPr>
-          </a:p>
-        </p:txBody>
-      </p:sp>
-      <p:sp>
-        <p:nvSpPr>
-          <p:cNvPr id="3" name="PlaceHolder 2"/>
-          <p:cNvSpPr>
-            <a:spLocks noGrp="1"/>
-          </p:cNvSpPr>
-          <p:nvPr>
-            <p:ph type="sldNum" idx="4"/>
-          </p:nvPr>
-        </p:nvSpPr>
-        <p:spPr/>
-        <p:txBody>
-          <a:bodyPr/>
-          <a:p>
-            <a:fld id="{5AB8922A-F9DA-4BAD-8C3A-7DEC397FBA15}" type="slidenum">
-              <a:t>&lt;#&gt;</a:t>
-            </a:fld>
-          </a:p>
-        </p:txBody>
-      </p:sp>
-    </p:spTree>
-  </p:cSld>
-</p:sldLayout>
-</file>
-
-<file path=ppt/slideLayouts/slideLayout78.xml><?xml version="1.0" encoding="utf-8"?>
-<p:sldLayout xmlns:a="http://schemas.openxmlformats.org/drawingml/2006/main" xmlns:p="http://schemas.openxmlformats.org/presentationml/2006/main" xmlns:r="http://schemas.openxmlformats.org/officeDocument/2006/relationships" xmlns:p14="http://schemas.microsoft.com/office/powerpoint/2010/main" xmlns:p15="http://schemas.microsoft.com/office/powerpoint/2012/main" xmlns:mc="http://schemas.openxmlformats.org/markup-compatibility/2006" type="objOnly" preserve="1">
-  <p:cSld name="Centered Text">
-    <p:spTree>
-      <p:nvGrpSpPr>
-        <p:cNvPr id="1" name=""/>
-        <p:cNvGrpSpPr/>
-        <p:nvPr/>
-      </p:nvGrpSpPr>
-      <p:grpSpPr>
-        <a:xfrm>
-          <a:off x="0" y="0"/>
-          <a:ext cx="0" cy="0"/>
-          <a:chOff x="0" y="0"/>
-          <a:chExt cx="0" cy="0"/>
-        </a:xfrm>
-      </p:grpSpPr>
-      <p:sp>
-        <p:nvSpPr>
-          <p:cNvPr id="244" name="PlaceHolder 1"/>
-          <p:cNvSpPr>
-            <a:spLocks noGrp="1"/>
-          </p:cNvSpPr>
-          <p:nvPr>
-            <p:ph type="subTitle"/>
-          </p:nvPr>
-        </p:nvSpPr>
-        <p:spPr>
-          <a:xfrm>
-            <a:off x="457200" y="205200"/>
-            <a:ext cx="8229240" cy="3981240"/>
-          </a:xfrm>
-          <a:prstGeom prst="rect">
-            <a:avLst/>
-          </a:prstGeom>
-          <a:noFill/>
-          <a:ln w="0">
-            <a:noFill/>
-          </a:ln>
-        </p:spPr>
-        <p:txBody>
-          <a:bodyPr lIns="0" rIns="0" tIns="0" bIns="0" anchor="ctr">
-            <a:noAutofit/>
-          </a:bodyPr>
-          <a:p>
-            <a:pPr algn="ctr">
-              <a:buNone/>
-            </a:pPr>
-            <a:endParaRPr b="0" lang="en-US" sz="3200" spc="-1" strike="noStrike">
-              <a:latin typeface="Arial"/>
-            </a:endParaRPr>
-          </a:p>
-        </p:txBody>
-      </p:sp>
-      <p:sp>
-        <p:nvSpPr>
-          <p:cNvPr id="3" name="PlaceHolder 2"/>
-          <p:cNvSpPr>
-            <a:spLocks noGrp="1"/>
-          </p:cNvSpPr>
-          <p:nvPr>
-            <p:ph type="sldNum" idx="4"/>
-          </p:nvPr>
-        </p:nvSpPr>
-        <p:spPr/>
-        <p:txBody>
-          <a:bodyPr/>
-          <a:p>
-            <a:fld id="{0BF8567D-A2CB-4F09-BED7-C4DE638DB991}" type="slidenum">
-              <a:t>&lt;#&gt;</a:t>
-            </a:fld>
-          </a:p>
-        </p:txBody>
-      </p:sp>
-    </p:spTree>
-  </p:cSld>
-</p:sldLayout>
-</file>
-
-<file path=ppt/slideLayouts/slideLayout79.xml><?xml version="1.0" encoding="utf-8"?>
-<p:sldLayout xmlns:a="http://schemas.openxmlformats.org/drawingml/2006/main" xmlns:p="http://schemas.openxmlformats.org/presentationml/2006/main" xmlns:r="http://schemas.openxmlformats.org/officeDocument/2006/relationships" xmlns:p14="http://schemas.microsoft.com/office/powerpoint/2010/main" xmlns:p15="http://schemas.microsoft.com/office/powerpoint/2012/main" xmlns:mc="http://schemas.openxmlformats.org/markup-compatibility/2006" type="twoObjAndObj" preserve="1">
-  <p:cSld name="Title, 2 Content and Content">
-    <p:spTree>
-      <p:nvGrpSpPr>
-        <p:cNvPr id="1" name=""/>
-        <p:cNvGrpSpPr/>
-        <p:nvPr/>
-      </p:nvGrpSpPr>
-      <p:grpSpPr>
-        <a:xfrm>
-          <a:off x="0" y="0"/>
-          <a:ext cx="0" cy="0"/>
-          <a:chOff x="0" y="0"/>
-          <a:chExt cx="0" cy="0"/>
-        </a:xfrm>
-      </p:grpSpPr>
-      <p:sp>
-        <p:nvSpPr>
-          <p:cNvPr id="245" name="PlaceHolder 1"/>
-          <p:cNvSpPr>
-            <a:spLocks noGrp="1"/>
-          </p:cNvSpPr>
-          <p:nvPr>
-            <p:ph type="title"/>
-          </p:nvPr>
-        </p:nvSpPr>
-        <p:spPr>
-          <a:xfrm>
-            <a:off x="457200" y="205200"/>
-            <a:ext cx="8229240" cy="858600"/>
-          </a:xfrm>
-          <a:prstGeom prst="rect">
-            <a:avLst/>
-          </a:prstGeom>
-          <a:noFill/>
-          <a:ln w="0">
-            <a:noFill/>
-          </a:ln>
-        </p:spPr>
-        <p:txBody>
-          <a:bodyPr lIns="0" rIns="0" tIns="0" bIns="0" anchor="ctr">
-            <a:noAutofit/>
-          </a:bodyPr>
-          <a:p>
-            <a:pPr algn="ctr">
-              <a:buNone/>
-            </a:pPr>
-            <a:endParaRPr b="0" lang="en-US" sz="4400" spc="-1" strike="noStrike">
-              <a:latin typeface="Arial"/>
-            </a:endParaRPr>
-          </a:p>
-        </p:txBody>
-      </p:sp>
-      <p:sp>
-        <p:nvSpPr>
-          <p:cNvPr id="246" name="PlaceHolder 2"/>
-          <p:cNvSpPr>
-            <a:spLocks noGrp="1"/>
-          </p:cNvSpPr>
-          <p:nvPr>
-            <p:ph/>
-          </p:nvPr>
-        </p:nvSpPr>
-        <p:spPr>
-          <a:xfrm>
-            <a:off x="457200" y="1203480"/>
-            <a:ext cx="4015800" cy="1422720"/>
-          </a:xfrm>
-          <a:prstGeom prst="rect">
-            <a:avLst/>
-          </a:prstGeom>
-          <a:noFill/>
-          <a:ln w="0">
-            <a:noFill/>
-          </a:ln>
-        </p:spPr>
-        <p:txBody>
-          <a:bodyPr lIns="0" rIns="0" tIns="0" bIns="0" anchor="t">
-            <a:normAutofit/>
-          </a:bodyPr>
-          <a:p>
-            <a:endParaRPr b="0" lang="en-US" sz="3200" spc="-1" strike="noStrike">
-              <a:latin typeface="Arial"/>
-            </a:endParaRPr>
-          </a:p>
-        </p:txBody>
-      </p:sp>
-      <p:sp>
-        <p:nvSpPr>
-          <p:cNvPr id="247" name="PlaceHolder 3"/>
-          <p:cNvSpPr>
-            <a:spLocks noGrp="1"/>
-          </p:cNvSpPr>
-          <p:nvPr>
-            <p:ph/>
-          </p:nvPr>
-        </p:nvSpPr>
-        <p:spPr>
-          <a:xfrm>
-            <a:off x="4674240" y="1203480"/>
-            <a:ext cx="4015800" cy="2982960"/>
-          </a:xfrm>
-          <a:prstGeom prst="rect">
-            <a:avLst/>
-          </a:prstGeom>
-          <a:noFill/>
-          <a:ln w="0">
-            <a:noFill/>
-          </a:ln>
-        </p:spPr>
-        <p:txBody>
-          <a:bodyPr lIns="0" rIns="0" tIns="0" bIns="0" anchor="t">
-            <a:normAutofit/>
-          </a:bodyPr>
-          <a:p>
-            <a:endParaRPr b="0" lang="en-US" sz="3200" spc="-1" strike="noStrike">
-              <a:latin typeface="Arial"/>
-            </a:endParaRPr>
-          </a:p>
-        </p:txBody>
-      </p:sp>
-      <p:sp>
-        <p:nvSpPr>
-          <p:cNvPr id="248" name="PlaceHolder 4"/>
-          <p:cNvSpPr>
-            <a:spLocks noGrp="1"/>
-          </p:cNvSpPr>
-          <p:nvPr>
-            <p:ph/>
-          </p:nvPr>
-        </p:nvSpPr>
-        <p:spPr>
-          <a:xfrm>
-            <a:off x="457200" y="2761920"/>
-            <a:ext cx="4015800" cy="1422720"/>
-          </a:xfrm>
-          <a:prstGeom prst="rect">
-            <a:avLst/>
-          </a:prstGeom>
-          <a:noFill/>
-          <a:ln w="0">
-            <a:noFill/>
-          </a:ln>
-        </p:spPr>
-        <p:txBody>
-          <a:bodyPr lIns="0" rIns="0" tIns="0" bIns="0" anchor="t">
-            <a:normAutofit/>
-          </a:bodyPr>
-          <a:p>
-            <a:endParaRPr b="0" lang="en-US" sz="3200" spc="-1" strike="noStrike">
-              <a:latin typeface="Arial"/>
-            </a:endParaRPr>
-          </a:p>
-        </p:txBody>
-      </p:sp>
-      <p:sp>
-        <p:nvSpPr>
-          <p:cNvPr id="6" name="PlaceHolder 5"/>
-          <p:cNvSpPr>
-            <a:spLocks noGrp="1"/>
-          </p:cNvSpPr>
-          <p:nvPr>
-            <p:ph type="sldNum" idx="4"/>
-          </p:nvPr>
-        </p:nvSpPr>
-        <p:spPr/>
-        <p:txBody>
-          <a:bodyPr/>
-          <a:p>
-            <a:fld id="{98357D36-AE5F-457E-BA59-08630E679A1A}" type="slidenum">
+            <a:fld id="{AD6C8156-922A-4C65-B113-27B95364DB5D}" type="slidenum">
               <a:t>&lt;#&gt;</a:t>
             </a:fld>
           </a:p>
@@ -10477,1014 +9959,7 @@
         <p:txBody>
           <a:bodyPr/>
           <a:p>
-            <a:fld id="{CFB274F1-D561-4C08-A690-7C73EF74FBE2}" type="slidenum">
-              <a:t>&lt;#&gt;</a:t>
-            </a:fld>
-          </a:p>
-        </p:txBody>
-      </p:sp>
-    </p:spTree>
-  </p:cSld>
-</p:sldLayout>
-</file>
-
-<file path=ppt/slideLayouts/slideLayout80.xml><?xml version="1.0" encoding="utf-8"?>
-<p:sldLayout xmlns:a="http://schemas.openxmlformats.org/drawingml/2006/main" xmlns:p="http://schemas.openxmlformats.org/presentationml/2006/main" xmlns:r="http://schemas.openxmlformats.org/officeDocument/2006/relationships" xmlns:p14="http://schemas.microsoft.com/office/powerpoint/2010/main" xmlns:p15="http://schemas.microsoft.com/office/powerpoint/2012/main" xmlns:mc="http://schemas.openxmlformats.org/markup-compatibility/2006" type="objAndTwoObj" preserve="1">
-  <p:cSld name="Title Content and 2 Content">
-    <p:spTree>
-      <p:nvGrpSpPr>
-        <p:cNvPr id="1" name=""/>
-        <p:cNvGrpSpPr/>
-        <p:nvPr/>
-      </p:nvGrpSpPr>
-      <p:grpSpPr>
-        <a:xfrm>
-          <a:off x="0" y="0"/>
-          <a:ext cx="0" cy="0"/>
-          <a:chOff x="0" y="0"/>
-          <a:chExt cx="0" cy="0"/>
-        </a:xfrm>
-      </p:grpSpPr>
-      <p:sp>
-        <p:nvSpPr>
-          <p:cNvPr id="249" name="PlaceHolder 1"/>
-          <p:cNvSpPr>
-            <a:spLocks noGrp="1"/>
-          </p:cNvSpPr>
-          <p:nvPr>
-            <p:ph type="title"/>
-          </p:nvPr>
-        </p:nvSpPr>
-        <p:spPr>
-          <a:xfrm>
-            <a:off x="457200" y="205200"/>
-            <a:ext cx="8229240" cy="858600"/>
-          </a:xfrm>
-          <a:prstGeom prst="rect">
-            <a:avLst/>
-          </a:prstGeom>
-          <a:noFill/>
-          <a:ln w="0">
-            <a:noFill/>
-          </a:ln>
-        </p:spPr>
-        <p:txBody>
-          <a:bodyPr lIns="0" rIns="0" tIns="0" bIns="0" anchor="ctr">
-            <a:noAutofit/>
-          </a:bodyPr>
-          <a:p>
-            <a:pPr algn="ctr">
-              <a:buNone/>
-            </a:pPr>
-            <a:endParaRPr b="0" lang="en-US" sz="4400" spc="-1" strike="noStrike">
-              <a:latin typeface="Arial"/>
-            </a:endParaRPr>
-          </a:p>
-        </p:txBody>
-      </p:sp>
-      <p:sp>
-        <p:nvSpPr>
-          <p:cNvPr id="250" name="PlaceHolder 2"/>
-          <p:cNvSpPr>
-            <a:spLocks noGrp="1"/>
-          </p:cNvSpPr>
-          <p:nvPr>
-            <p:ph/>
-          </p:nvPr>
-        </p:nvSpPr>
-        <p:spPr>
-          <a:xfrm>
-            <a:off x="457200" y="1203480"/>
-            <a:ext cx="4015800" cy="2982960"/>
-          </a:xfrm>
-          <a:prstGeom prst="rect">
-            <a:avLst/>
-          </a:prstGeom>
-          <a:noFill/>
-          <a:ln w="0">
-            <a:noFill/>
-          </a:ln>
-        </p:spPr>
-        <p:txBody>
-          <a:bodyPr lIns="0" rIns="0" tIns="0" bIns="0" anchor="t">
-            <a:normAutofit/>
-          </a:bodyPr>
-          <a:p>
-            <a:endParaRPr b="0" lang="en-US" sz="3200" spc="-1" strike="noStrike">
-              <a:latin typeface="Arial"/>
-            </a:endParaRPr>
-          </a:p>
-        </p:txBody>
-      </p:sp>
-      <p:sp>
-        <p:nvSpPr>
-          <p:cNvPr id="251" name="PlaceHolder 3"/>
-          <p:cNvSpPr>
-            <a:spLocks noGrp="1"/>
-          </p:cNvSpPr>
-          <p:nvPr>
-            <p:ph/>
-          </p:nvPr>
-        </p:nvSpPr>
-        <p:spPr>
-          <a:xfrm>
-            <a:off x="4674240" y="1203480"/>
-            <a:ext cx="4015800" cy="1422720"/>
-          </a:xfrm>
-          <a:prstGeom prst="rect">
-            <a:avLst/>
-          </a:prstGeom>
-          <a:noFill/>
-          <a:ln w="0">
-            <a:noFill/>
-          </a:ln>
-        </p:spPr>
-        <p:txBody>
-          <a:bodyPr lIns="0" rIns="0" tIns="0" bIns="0" anchor="t">
-            <a:normAutofit/>
-          </a:bodyPr>
-          <a:p>
-            <a:endParaRPr b="0" lang="en-US" sz="3200" spc="-1" strike="noStrike">
-              <a:latin typeface="Arial"/>
-            </a:endParaRPr>
-          </a:p>
-        </p:txBody>
-      </p:sp>
-      <p:sp>
-        <p:nvSpPr>
-          <p:cNvPr id="252" name="PlaceHolder 4"/>
-          <p:cNvSpPr>
-            <a:spLocks noGrp="1"/>
-          </p:cNvSpPr>
-          <p:nvPr>
-            <p:ph/>
-          </p:nvPr>
-        </p:nvSpPr>
-        <p:spPr>
-          <a:xfrm>
-            <a:off x="4674240" y="2761920"/>
-            <a:ext cx="4015800" cy="1422720"/>
-          </a:xfrm>
-          <a:prstGeom prst="rect">
-            <a:avLst/>
-          </a:prstGeom>
-          <a:noFill/>
-          <a:ln w="0">
-            <a:noFill/>
-          </a:ln>
-        </p:spPr>
-        <p:txBody>
-          <a:bodyPr lIns="0" rIns="0" tIns="0" bIns="0" anchor="t">
-            <a:normAutofit/>
-          </a:bodyPr>
-          <a:p>
-            <a:endParaRPr b="0" lang="en-US" sz="3200" spc="-1" strike="noStrike">
-              <a:latin typeface="Arial"/>
-            </a:endParaRPr>
-          </a:p>
-        </p:txBody>
-      </p:sp>
-      <p:sp>
-        <p:nvSpPr>
-          <p:cNvPr id="6" name="PlaceHolder 5"/>
-          <p:cNvSpPr>
-            <a:spLocks noGrp="1"/>
-          </p:cNvSpPr>
-          <p:nvPr>
-            <p:ph type="sldNum" idx="4"/>
-          </p:nvPr>
-        </p:nvSpPr>
-        <p:spPr/>
-        <p:txBody>
-          <a:bodyPr/>
-          <a:p>
-            <a:fld id="{0F4D6A74-0E74-44CB-A144-F5AF73645F6E}" type="slidenum">
-              <a:t>&lt;#&gt;</a:t>
-            </a:fld>
-          </a:p>
-        </p:txBody>
-      </p:sp>
-    </p:spTree>
-  </p:cSld>
-</p:sldLayout>
-</file>
-
-<file path=ppt/slideLayouts/slideLayout81.xml><?xml version="1.0" encoding="utf-8"?>
-<p:sldLayout xmlns:a="http://schemas.openxmlformats.org/drawingml/2006/main" xmlns:p="http://schemas.openxmlformats.org/presentationml/2006/main" xmlns:r="http://schemas.openxmlformats.org/officeDocument/2006/relationships" xmlns:p14="http://schemas.microsoft.com/office/powerpoint/2010/main" xmlns:p15="http://schemas.microsoft.com/office/powerpoint/2012/main" xmlns:mc="http://schemas.openxmlformats.org/markup-compatibility/2006" type="twoObjOverTx" preserve="1">
-  <p:cSld name="Title, 2 Content over Content">
-    <p:spTree>
-      <p:nvGrpSpPr>
-        <p:cNvPr id="1" name=""/>
-        <p:cNvGrpSpPr/>
-        <p:nvPr/>
-      </p:nvGrpSpPr>
-      <p:grpSpPr>
-        <a:xfrm>
-          <a:off x="0" y="0"/>
-          <a:ext cx="0" cy="0"/>
-          <a:chOff x="0" y="0"/>
-          <a:chExt cx="0" cy="0"/>
-        </a:xfrm>
-      </p:grpSpPr>
-      <p:sp>
-        <p:nvSpPr>
-          <p:cNvPr id="253" name="PlaceHolder 1"/>
-          <p:cNvSpPr>
-            <a:spLocks noGrp="1"/>
-          </p:cNvSpPr>
-          <p:nvPr>
-            <p:ph type="title"/>
-          </p:nvPr>
-        </p:nvSpPr>
-        <p:spPr>
-          <a:xfrm>
-            <a:off x="457200" y="205200"/>
-            <a:ext cx="8229240" cy="858600"/>
-          </a:xfrm>
-          <a:prstGeom prst="rect">
-            <a:avLst/>
-          </a:prstGeom>
-          <a:noFill/>
-          <a:ln w="0">
-            <a:noFill/>
-          </a:ln>
-        </p:spPr>
-        <p:txBody>
-          <a:bodyPr lIns="0" rIns="0" tIns="0" bIns="0" anchor="ctr">
-            <a:noAutofit/>
-          </a:bodyPr>
-          <a:p>
-            <a:pPr algn="ctr">
-              <a:buNone/>
-            </a:pPr>
-            <a:endParaRPr b="0" lang="en-US" sz="4400" spc="-1" strike="noStrike">
-              <a:latin typeface="Arial"/>
-            </a:endParaRPr>
-          </a:p>
-        </p:txBody>
-      </p:sp>
-      <p:sp>
-        <p:nvSpPr>
-          <p:cNvPr id="254" name="PlaceHolder 2"/>
-          <p:cNvSpPr>
-            <a:spLocks noGrp="1"/>
-          </p:cNvSpPr>
-          <p:nvPr>
-            <p:ph/>
-          </p:nvPr>
-        </p:nvSpPr>
-        <p:spPr>
-          <a:xfrm>
-            <a:off x="457200" y="1203480"/>
-            <a:ext cx="4015800" cy="1422720"/>
-          </a:xfrm>
-          <a:prstGeom prst="rect">
-            <a:avLst/>
-          </a:prstGeom>
-          <a:noFill/>
-          <a:ln w="0">
-            <a:noFill/>
-          </a:ln>
-        </p:spPr>
-        <p:txBody>
-          <a:bodyPr lIns="0" rIns="0" tIns="0" bIns="0" anchor="t">
-            <a:normAutofit/>
-          </a:bodyPr>
-          <a:p>
-            <a:endParaRPr b="0" lang="en-US" sz="3200" spc="-1" strike="noStrike">
-              <a:latin typeface="Arial"/>
-            </a:endParaRPr>
-          </a:p>
-        </p:txBody>
-      </p:sp>
-      <p:sp>
-        <p:nvSpPr>
-          <p:cNvPr id="255" name="PlaceHolder 3"/>
-          <p:cNvSpPr>
-            <a:spLocks noGrp="1"/>
-          </p:cNvSpPr>
-          <p:nvPr>
-            <p:ph/>
-          </p:nvPr>
-        </p:nvSpPr>
-        <p:spPr>
-          <a:xfrm>
-            <a:off x="4674240" y="1203480"/>
-            <a:ext cx="4015800" cy="1422720"/>
-          </a:xfrm>
-          <a:prstGeom prst="rect">
-            <a:avLst/>
-          </a:prstGeom>
-          <a:noFill/>
-          <a:ln w="0">
-            <a:noFill/>
-          </a:ln>
-        </p:spPr>
-        <p:txBody>
-          <a:bodyPr lIns="0" rIns="0" tIns="0" bIns="0" anchor="t">
-            <a:normAutofit/>
-          </a:bodyPr>
-          <a:p>
-            <a:endParaRPr b="0" lang="en-US" sz="3200" spc="-1" strike="noStrike">
-              <a:latin typeface="Arial"/>
-            </a:endParaRPr>
-          </a:p>
-        </p:txBody>
-      </p:sp>
-      <p:sp>
-        <p:nvSpPr>
-          <p:cNvPr id="256" name="PlaceHolder 4"/>
-          <p:cNvSpPr>
-            <a:spLocks noGrp="1"/>
-          </p:cNvSpPr>
-          <p:nvPr>
-            <p:ph/>
-          </p:nvPr>
-        </p:nvSpPr>
-        <p:spPr>
-          <a:xfrm>
-            <a:off x="457200" y="2761920"/>
-            <a:ext cx="8229240" cy="1422720"/>
-          </a:xfrm>
-          <a:prstGeom prst="rect">
-            <a:avLst/>
-          </a:prstGeom>
-          <a:noFill/>
-          <a:ln w="0">
-            <a:noFill/>
-          </a:ln>
-        </p:spPr>
-        <p:txBody>
-          <a:bodyPr lIns="0" rIns="0" tIns="0" bIns="0" anchor="t">
-            <a:normAutofit/>
-          </a:bodyPr>
-          <a:p>
-            <a:endParaRPr b="0" lang="en-US" sz="3200" spc="-1" strike="noStrike">
-              <a:latin typeface="Arial"/>
-            </a:endParaRPr>
-          </a:p>
-        </p:txBody>
-      </p:sp>
-      <p:sp>
-        <p:nvSpPr>
-          <p:cNvPr id="6" name="PlaceHolder 5"/>
-          <p:cNvSpPr>
-            <a:spLocks noGrp="1"/>
-          </p:cNvSpPr>
-          <p:nvPr>
-            <p:ph type="sldNum" idx="4"/>
-          </p:nvPr>
-        </p:nvSpPr>
-        <p:spPr/>
-        <p:txBody>
-          <a:bodyPr/>
-          <a:p>
-            <a:fld id="{86E2F965-953D-45D2-8B9F-AFD2904AC631}" type="slidenum">
-              <a:t>&lt;#&gt;</a:t>
-            </a:fld>
-          </a:p>
-        </p:txBody>
-      </p:sp>
-    </p:spTree>
-  </p:cSld>
-</p:sldLayout>
-</file>
-
-<file path=ppt/slideLayouts/slideLayout82.xml><?xml version="1.0" encoding="utf-8"?>
-<p:sldLayout xmlns:a="http://schemas.openxmlformats.org/drawingml/2006/main" xmlns:p="http://schemas.openxmlformats.org/presentationml/2006/main" xmlns:r="http://schemas.openxmlformats.org/officeDocument/2006/relationships" xmlns:p14="http://schemas.microsoft.com/office/powerpoint/2010/main" xmlns:p15="http://schemas.microsoft.com/office/powerpoint/2012/main" xmlns:mc="http://schemas.openxmlformats.org/markup-compatibility/2006" type="objOverTx" preserve="1">
-  <p:cSld name="Title, Content over Content">
-    <p:spTree>
-      <p:nvGrpSpPr>
-        <p:cNvPr id="1" name=""/>
-        <p:cNvGrpSpPr/>
-        <p:nvPr/>
-      </p:nvGrpSpPr>
-      <p:grpSpPr>
-        <a:xfrm>
-          <a:off x="0" y="0"/>
-          <a:ext cx="0" cy="0"/>
-          <a:chOff x="0" y="0"/>
-          <a:chExt cx="0" cy="0"/>
-        </a:xfrm>
-      </p:grpSpPr>
-      <p:sp>
-        <p:nvSpPr>
-          <p:cNvPr id="257" name="PlaceHolder 1"/>
-          <p:cNvSpPr>
-            <a:spLocks noGrp="1"/>
-          </p:cNvSpPr>
-          <p:nvPr>
-            <p:ph type="title"/>
-          </p:nvPr>
-        </p:nvSpPr>
-        <p:spPr>
-          <a:xfrm>
-            <a:off x="457200" y="205200"/>
-            <a:ext cx="8229240" cy="858600"/>
-          </a:xfrm>
-          <a:prstGeom prst="rect">
-            <a:avLst/>
-          </a:prstGeom>
-          <a:noFill/>
-          <a:ln w="0">
-            <a:noFill/>
-          </a:ln>
-        </p:spPr>
-        <p:txBody>
-          <a:bodyPr lIns="0" rIns="0" tIns="0" bIns="0" anchor="ctr">
-            <a:noAutofit/>
-          </a:bodyPr>
-          <a:p>
-            <a:pPr algn="ctr">
-              <a:buNone/>
-            </a:pPr>
-            <a:endParaRPr b="0" lang="en-US" sz="4400" spc="-1" strike="noStrike">
-              <a:latin typeface="Arial"/>
-            </a:endParaRPr>
-          </a:p>
-        </p:txBody>
-      </p:sp>
-      <p:sp>
-        <p:nvSpPr>
-          <p:cNvPr id="258" name="PlaceHolder 2"/>
-          <p:cNvSpPr>
-            <a:spLocks noGrp="1"/>
-          </p:cNvSpPr>
-          <p:nvPr>
-            <p:ph/>
-          </p:nvPr>
-        </p:nvSpPr>
-        <p:spPr>
-          <a:xfrm>
-            <a:off x="457200" y="1203480"/>
-            <a:ext cx="8229240" cy="1422720"/>
-          </a:xfrm>
-          <a:prstGeom prst="rect">
-            <a:avLst/>
-          </a:prstGeom>
-          <a:noFill/>
-          <a:ln w="0">
-            <a:noFill/>
-          </a:ln>
-        </p:spPr>
-        <p:txBody>
-          <a:bodyPr lIns="0" rIns="0" tIns="0" bIns="0" anchor="t">
-            <a:normAutofit/>
-          </a:bodyPr>
-          <a:p>
-            <a:endParaRPr b="0" lang="en-US" sz="3200" spc="-1" strike="noStrike">
-              <a:latin typeface="Arial"/>
-            </a:endParaRPr>
-          </a:p>
-        </p:txBody>
-      </p:sp>
-      <p:sp>
-        <p:nvSpPr>
-          <p:cNvPr id="259" name="PlaceHolder 3"/>
-          <p:cNvSpPr>
-            <a:spLocks noGrp="1"/>
-          </p:cNvSpPr>
-          <p:nvPr>
-            <p:ph/>
-          </p:nvPr>
-        </p:nvSpPr>
-        <p:spPr>
-          <a:xfrm>
-            <a:off x="457200" y="2761920"/>
-            <a:ext cx="8229240" cy="1422720"/>
-          </a:xfrm>
-          <a:prstGeom prst="rect">
-            <a:avLst/>
-          </a:prstGeom>
-          <a:noFill/>
-          <a:ln w="0">
-            <a:noFill/>
-          </a:ln>
-        </p:spPr>
-        <p:txBody>
-          <a:bodyPr lIns="0" rIns="0" tIns="0" bIns="0" anchor="t">
-            <a:normAutofit/>
-          </a:bodyPr>
-          <a:p>
-            <a:endParaRPr b="0" lang="en-US" sz="3200" spc="-1" strike="noStrike">
-              <a:latin typeface="Arial"/>
-            </a:endParaRPr>
-          </a:p>
-        </p:txBody>
-      </p:sp>
-      <p:sp>
-        <p:nvSpPr>
-          <p:cNvPr id="5" name="PlaceHolder 4"/>
-          <p:cNvSpPr>
-            <a:spLocks noGrp="1"/>
-          </p:cNvSpPr>
-          <p:nvPr>
-            <p:ph type="sldNum" idx="4"/>
-          </p:nvPr>
-        </p:nvSpPr>
-        <p:spPr/>
-        <p:txBody>
-          <a:bodyPr/>
-          <a:p>
-            <a:fld id="{92A8EF41-37E8-4950-98E7-A9D56A260F82}" type="slidenum">
-              <a:t>&lt;#&gt;</a:t>
-            </a:fld>
-          </a:p>
-        </p:txBody>
-      </p:sp>
-    </p:spTree>
-  </p:cSld>
-</p:sldLayout>
-</file>
-
-<file path=ppt/slideLayouts/slideLayout83.xml><?xml version="1.0" encoding="utf-8"?>
-<p:sldLayout xmlns:a="http://schemas.openxmlformats.org/drawingml/2006/main" xmlns:p="http://schemas.openxmlformats.org/presentationml/2006/main" xmlns:r="http://schemas.openxmlformats.org/officeDocument/2006/relationships" xmlns:p14="http://schemas.microsoft.com/office/powerpoint/2010/main" xmlns:p15="http://schemas.microsoft.com/office/powerpoint/2012/main" xmlns:mc="http://schemas.openxmlformats.org/markup-compatibility/2006" type="fourObj" preserve="1">
-  <p:cSld name="Title, 4 Content">
-    <p:spTree>
-      <p:nvGrpSpPr>
-        <p:cNvPr id="1" name=""/>
-        <p:cNvGrpSpPr/>
-        <p:nvPr/>
-      </p:nvGrpSpPr>
-      <p:grpSpPr>
-        <a:xfrm>
-          <a:off x="0" y="0"/>
-          <a:ext cx="0" cy="0"/>
-          <a:chOff x="0" y="0"/>
-          <a:chExt cx="0" cy="0"/>
-        </a:xfrm>
-      </p:grpSpPr>
-      <p:sp>
-        <p:nvSpPr>
-          <p:cNvPr id="260" name="PlaceHolder 1"/>
-          <p:cNvSpPr>
-            <a:spLocks noGrp="1"/>
-          </p:cNvSpPr>
-          <p:nvPr>
-            <p:ph type="title"/>
-          </p:nvPr>
-        </p:nvSpPr>
-        <p:spPr>
-          <a:xfrm>
-            <a:off x="457200" y="205200"/>
-            <a:ext cx="8229240" cy="858600"/>
-          </a:xfrm>
-          <a:prstGeom prst="rect">
-            <a:avLst/>
-          </a:prstGeom>
-          <a:noFill/>
-          <a:ln w="0">
-            <a:noFill/>
-          </a:ln>
-        </p:spPr>
-        <p:txBody>
-          <a:bodyPr lIns="0" rIns="0" tIns="0" bIns="0" anchor="ctr">
-            <a:noAutofit/>
-          </a:bodyPr>
-          <a:p>
-            <a:pPr algn="ctr">
-              <a:buNone/>
-            </a:pPr>
-            <a:endParaRPr b="0" lang="en-US" sz="4400" spc="-1" strike="noStrike">
-              <a:latin typeface="Arial"/>
-            </a:endParaRPr>
-          </a:p>
-        </p:txBody>
-      </p:sp>
-      <p:sp>
-        <p:nvSpPr>
-          <p:cNvPr id="261" name="PlaceHolder 2"/>
-          <p:cNvSpPr>
-            <a:spLocks noGrp="1"/>
-          </p:cNvSpPr>
-          <p:nvPr>
-            <p:ph/>
-          </p:nvPr>
-        </p:nvSpPr>
-        <p:spPr>
-          <a:xfrm>
-            <a:off x="457200" y="1203480"/>
-            <a:ext cx="4015800" cy="1422720"/>
-          </a:xfrm>
-          <a:prstGeom prst="rect">
-            <a:avLst/>
-          </a:prstGeom>
-          <a:noFill/>
-          <a:ln w="0">
-            <a:noFill/>
-          </a:ln>
-        </p:spPr>
-        <p:txBody>
-          <a:bodyPr lIns="0" rIns="0" tIns="0" bIns="0" anchor="t">
-            <a:normAutofit/>
-          </a:bodyPr>
-          <a:p>
-            <a:endParaRPr b="0" lang="en-US" sz="3200" spc="-1" strike="noStrike">
-              <a:latin typeface="Arial"/>
-            </a:endParaRPr>
-          </a:p>
-        </p:txBody>
-      </p:sp>
-      <p:sp>
-        <p:nvSpPr>
-          <p:cNvPr id="262" name="PlaceHolder 3"/>
-          <p:cNvSpPr>
-            <a:spLocks noGrp="1"/>
-          </p:cNvSpPr>
-          <p:nvPr>
-            <p:ph/>
-          </p:nvPr>
-        </p:nvSpPr>
-        <p:spPr>
-          <a:xfrm>
-            <a:off x="4674240" y="1203480"/>
-            <a:ext cx="4015800" cy="1422720"/>
-          </a:xfrm>
-          <a:prstGeom prst="rect">
-            <a:avLst/>
-          </a:prstGeom>
-          <a:noFill/>
-          <a:ln w="0">
-            <a:noFill/>
-          </a:ln>
-        </p:spPr>
-        <p:txBody>
-          <a:bodyPr lIns="0" rIns="0" tIns="0" bIns="0" anchor="t">
-            <a:normAutofit/>
-          </a:bodyPr>
-          <a:p>
-            <a:endParaRPr b="0" lang="en-US" sz="3200" spc="-1" strike="noStrike">
-              <a:latin typeface="Arial"/>
-            </a:endParaRPr>
-          </a:p>
-        </p:txBody>
-      </p:sp>
-      <p:sp>
-        <p:nvSpPr>
-          <p:cNvPr id="263" name="PlaceHolder 4"/>
-          <p:cNvSpPr>
-            <a:spLocks noGrp="1"/>
-          </p:cNvSpPr>
-          <p:nvPr>
-            <p:ph/>
-          </p:nvPr>
-        </p:nvSpPr>
-        <p:spPr>
-          <a:xfrm>
-            <a:off x="457200" y="2761920"/>
-            <a:ext cx="4015800" cy="1422720"/>
-          </a:xfrm>
-          <a:prstGeom prst="rect">
-            <a:avLst/>
-          </a:prstGeom>
-          <a:noFill/>
-          <a:ln w="0">
-            <a:noFill/>
-          </a:ln>
-        </p:spPr>
-        <p:txBody>
-          <a:bodyPr lIns="0" rIns="0" tIns="0" bIns="0" anchor="t">
-            <a:normAutofit/>
-          </a:bodyPr>
-          <a:p>
-            <a:endParaRPr b="0" lang="en-US" sz="3200" spc="-1" strike="noStrike">
-              <a:latin typeface="Arial"/>
-            </a:endParaRPr>
-          </a:p>
-        </p:txBody>
-      </p:sp>
-      <p:sp>
-        <p:nvSpPr>
-          <p:cNvPr id="264" name="PlaceHolder 5"/>
-          <p:cNvSpPr>
-            <a:spLocks noGrp="1"/>
-          </p:cNvSpPr>
-          <p:nvPr>
-            <p:ph/>
-          </p:nvPr>
-        </p:nvSpPr>
-        <p:spPr>
-          <a:xfrm>
-            <a:off x="4674240" y="2761920"/>
-            <a:ext cx="4015800" cy="1422720"/>
-          </a:xfrm>
-          <a:prstGeom prst="rect">
-            <a:avLst/>
-          </a:prstGeom>
-          <a:noFill/>
-          <a:ln w="0">
-            <a:noFill/>
-          </a:ln>
-        </p:spPr>
-        <p:txBody>
-          <a:bodyPr lIns="0" rIns="0" tIns="0" bIns="0" anchor="t">
-            <a:normAutofit/>
-          </a:bodyPr>
-          <a:p>
-            <a:endParaRPr b="0" lang="en-US" sz="3200" spc="-1" strike="noStrike">
-              <a:latin typeface="Arial"/>
-            </a:endParaRPr>
-          </a:p>
-        </p:txBody>
-      </p:sp>
-      <p:sp>
-        <p:nvSpPr>
-          <p:cNvPr id="7" name="PlaceHolder 6"/>
-          <p:cNvSpPr>
-            <a:spLocks noGrp="1"/>
-          </p:cNvSpPr>
-          <p:nvPr>
-            <p:ph type="sldNum" idx="4"/>
-          </p:nvPr>
-        </p:nvSpPr>
-        <p:spPr/>
-        <p:txBody>
-          <a:bodyPr/>
-          <a:p>
-            <a:fld id="{BB2A9E1F-B8C8-4C54-94DD-AFF3E93E07CE}" type="slidenum">
-              <a:t>&lt;#&gt;</a:t>
-            </a:fld>
-          </a:p>
-        </p:txBody>
-      </p:sp>
-    </p:spTree>
-  </p:cSld>
-</p:sldLayout>
-</file>
-
-<file path=ppt/slideLayouts/slideLayout84.xml><?xml version="1.0" encoding="utf-8"?>
-<p:sldLayout xmlns:a="http://schemas.openxmlformats.org/drawingml/2006/main" xmlns:p="http://schemas.openxmlformats.org/presentationml/2006/main" xmlns:r="http://schemas.openxmlformats.org/officeDocument/2006/relationships" xmlns:p14="http://schemas.microsoft.com/office/powerpoint/2010/main" xmlns:p15="http://schemas.microsoft.com/office/powerpoint/2012/main" xmlns:mc="http://schemas.openxmlformats.org/markup-compatibility/2006" type="blank" preserve="1">
-  <p:cSld name="Title, 6 Content">
-    <p:spTree>
-      <p:nvGrpSpPr>
-        <p:cNvPr id="1" name=""/>
-        <p:cNvGrpSpPr/>
-        <p:nvPr/>
-      </p:nvGrpSpPr>
-      <p:grpSpPr>
-        <a:xfrm>
-          <a:off x="0" y="0"/>
-          <a:ext cx="0" cy="0"/>
-          <a:chOff x="0" y="0"/>
-          <a:chExt cx="0" cy="0"/>
-        </a:xfrm>
-      </p:grpSpPr>
-      <p:sp>
-        <p:nvSpPr>
-          <p:cNvPr id="265" name="PlaceHolder 1"/>
-          <p:cNvSpPr>
-            <a:spLocks noGrp="1"/>
-          </p:cNvSpPr>
-          <p:nvPr>
-            <p:ph type="title"/>
-          </p:nvPr>
-        </p:nvSpPr>
-        <p:spPr>
-          <a:xfrm>
-            <a:off x="457200" y="205200"/>
-            <a:ext cx="8229240" cy="858600"/>
-          </a:xfrm>
-          <a:prstGeom prst="rect">
-            <a:avLst/>
-          </a:prstGeom>
-          <a:noFill/>
-          <a:ln w="0">
-            <a:noFill/>
-          </a:ln>
-        </p:spPr>
-        <p:txBody>
-          <a:bodyPr lIns="0" rIns="0" tIns="0" bIns="0" anchor="ctr">
-            <a:noAutofit/>
-          </a:bodyPr>
-          <a:p>
-            <a:pPr algn="ctr">
-              <a:buNone/>
-            </a:pPr>
-            <a:endParaRPr b="0" lang="en-US" sz="4400" spc="-1" strike="noStrike">
-              <a:latin typeface="Arial"/>
-            </a:endParaRPr>
-          </a:p>
-        </p:txBody>
-      </p:sp>
-      <p:sp>
-        <p:nvSpPr>
-          <p:cNvPr id="266" name="PlaceHolder 2"/>
-          <p:cNvSpPr>
-            <a:spLocks noGrp="1"/>
-          </p:cNvSpPr>
-          <p:nvPr>
-            <p:ph/>
-          </p:nvPr>
-        </p:nvSpPr>
-        <p:spPr>
-          <a:xfrm>
-            <a:off x="457200" y="1203480"/>
-            <a:ext cx="2649600" cy="1422720"/>
-          </a:xfrm>
-          <a:prstGeom prst="rect">
-            <a:avLst/>
-          </a:prstGeom>
-          <a:noFill/>
-          <a:ln w="0">
-            <a:noFill/>
-          </a:ln>
-        </p:spPr>
-        <p:txBody>
-          <a:bodyPr lIns="0" rIns="0" tIns="0" bIns="0" anchor="t">
-            <a:normAutofit/>
-          </a:bodyPr>
-          <a:p>
-            <a:endParaRPr b="0" lang="en-US" sz="3200" spc="-1" strike="noStrike">
-              <a:latin typeface="Arial"/>
-            </a:endParaRPr>
-          </a:p>
-        </p:txBody>
-      </p:sp>
-      <p:sp>
-        <p:nvSpPr>
-          <p:cNvPr id="267" name="PlaceHolder 3"/>
-          <p:cNvSpPr>
-            <a:spLocks noGrp="1"/>
-          </p:cNvSpPr>
-          <p:nvPr>
-            <p:ph/>
-          </p:nvPr>
-        </p:nvSpPr>
-        <p:spPr>
-          <a:xfrm>
-            <a:off x="3239640" y="1203480"/>
-            <a:ext cx="2649600" cy="1422720"/>
-          </a:xfrm>
-          <a:prstGeom prst="rect">
-            <a:avLst/>
-          </a:prstGeom>
-          <a:noFill/>
-          <a:ln w="0">
-            <a:noFill/>
-          </a:ln>
-        </p:spPr>
-        <p:txBody>
-          <a:bodyPr lIns="0" rIns="0" tIns="0" bIns="0" anchor="t">
-            <a:normAutofit/>
-          </a:bodyPr>
-          <a:p>
-            <a:endParaRPr b="0" lang="en-US" sz="3200" spc="-1" strike="noStrike">
-              <a:latin typeface="Arial"/>
-            </a:endParaRPr>
-          </a:p>
-        </p:txBody>
-      </p:sp>
-      <p:sp>
-        <p:nvSpPr>
-          <p:cNvPr id="268" name="PlaceHolder 4"/>
-          <p:cNvSpPr>
-            <a:spLocks noGrp="1"/>
-          </p:cNvSpPr>
-          <p:nvPr>
-            <p:ph/>
-          </p:nvPr>
-        </p:nvSpPr>
-        <p:spPr>
-          <a:xfrm>
-            <a:off x="6022080" y="1203480"/>
-            <a:ext cx="2649600" cy="1422720"/>
-          </a:xfrm>
-          <a:prstGeom prst="rect">
-            <a:avLst/>
-          </a:prstGeom>
-          <a:noFill/>
-          <a:ln w="0">
-            <a:noFill/>
-          </a:ln>
-        </p:spPr>
-        <p:txBody>
-          <a:bodyPr lIns="0" rIns="0" tIns="0" bIns="0" anchor="t">
-            <a:normAutofit/>
-          </a:bodyPr>
-          <a:p>
-            <a:endParaRPr b="0" lang="en-US" sz="3200" spc="-1" strike="noStrike">
-              <a:latin typeface="Arial"/>
-            </a:endParaRPr>
-          </a:p>
-        </p:txBody>
-      </p:sp>
-      <p:sp>
-        <p:nvSpPr>
-          <p:cNvPr id="269" name="PlaceHolder 5"/>
-          <p:cNvSpPr>
-            <a:spLocks noGrp="1"/>
-          </p:cNvSpPr>
-          <p:nvPr>
-            <p:ph/>
-          </p:nvPr>
-        </p:nvSpPr>
-        <p:spPr>
-          <a:xfrm>
-            <a:off x="457200" y="2761920"/>
-            <a:ext cx="2649600" cy="1422720"/>
-          </a:xfrm>
-          <a:prstGeom prst="rect">
-            <a:avLst/>
-          </a:prstGeom>
-          <a:noFill/>
-          <a:ln w="0">
-            <a:noFill/>
-          </a:ln>
-        </p:spPr>
-        <p:txBody>
-          <a:bodyPr lIns="0" rIns="0" tIns="0" bIns="0" anchor="t">
-            <a:normAutofit/>
-          </a:bodyPr>
-          <a:p>
-            <a:endParaRPr b="0" lang="en-US" sz="3200" spc="-1" strike="noStrike">
-              <a:latin typeface="Arial"/>
-            </a:endParaRPr>
-          </a:p>
-        </p:txBody>
-      </p:sp>
-      <p:sp>
-        <p:nvSpPr>
-          <p:cNvPr id="270" name="PlaceHolder 6"/>
-          <p:cNvSpPr>
-            <a:spLocks noGrp="1"/>
-          </p:cNvSpPr>
-          <p:nvPr>
-            <p:ph/>
-          </p:nvPr>
-        </p:nvSpPr>
-        <p:spPr>
-          <a:xfrm>
-            <a:off x="3239640" y="2761920"/>
-            <a:ext cx="2649600" cy="1422720"/>
-          </a:xfrm>
-          <a:prstGeom prst="rect">
-            <a:avLst/>
-          </a:prstGeom>
-          <a:noFill/>
-          <a:ln w="0">
-            <a:noFill/>
-          </a:ln>
-        </p:spPr>
-        <p:txBody>
-          <a:bodyPr lIns="0" rIns="0" tIns="0" bIns="0" anchor="t">
-            <a:normAutofit/>
-          </a:bodyPr>
-          <a:p>
-            <a:endParaRPr b="0" lang="en-US" sz="3200" spc="-1" strike="noStrike">
-              <a:latin typeface="Arial"/>
-            </a:endParaRPr>
-          </a:p>
-        </p:txBody>
-      </p:sp>
-      <p:sp>
-        <p:nvSpPr>
-          <p:cNvPr id="271" name="PlaceHolder 7"/>
-          <p:cNvSpPr>
-            <a:spLocks noGrp="1"/>
-          </p:cNvSpPr>
-          <p:nvPr>
-            <p:ph/>
-          </p:nvPr>
-        </p:nvSpPr>
-        <p:spPr>
-          <a:xfrm>
-            <a:off x="6022080" y="2761920"/>
-            <a:ext cx="2649600" cy="1422720"/>
-          </a:xfrm>
-          <a:prstGeom prst="rect">
-            <a:avLst/>
-          </a:prstGeom>
-          <a:noFill/>
-          <a:ln w="0">
-            <a:noFill/>
-          </a:ln>
-        </p:spPr>
-        <p:txBody>
-          <a:bodyPr lIns="0" rIns="0" tIns="0" bIns="0" anchor="t">
-            <a:normAutofit/>
-          </a:bodyPr>
-          <a:p>
-            <a:endParaRPr b="0" lang="en-US" sz="3200" spc="-1" strike="noStrike">
-              <a:latin typeface="Arial"/>
-            </a:endParaRPr>
-          </a:p>
-        </p:txBody>
-      </p:sp>
-      <p:sp>
-        <p:nvSpPr>
-          <p:cNvPr id="9" name="PlaceHolder 8"/>
-          <p:cNvSpPr>
-            <a:spLocks noGrp="1"/>
-          </p:cNvSpPr>
-          <p:nvPr>
-            <p:ph type="sldNum" idx="4"/>
-          </p:nvPr>
-        </p:nvSpPr>
-        <p:spPr/>
-        <p:txBody>
-          <a:bodyPr/>
-          <a:p>
-            <a:fld id="{EE67A034-0099-4986-BEBC-F2F4B03C9F11}" type="slidenum">
+            <a:fld id="{3719A544-CA62-47CD-8CE1-E7953FD9F1D7}" type="slidenum">
               <a:t>&lt;#&gt;</a:t>
             </a:fld>
           </a:p>
@@ -11665,7 +10140,7 @@
         <p:txBody>
           <a:bodyPr/>
           <a:p>
-            <a:fld id="{59A3D521-B00C-4D13-B892-2A1D64BCCA4A}" type="slidenum">
+            <a:fld id="{CBB9D394-26B5-4589-B9AF-E16B03E3A84E}" type="slidenum">
               <a:t>&lt;#&gt;</a:t>
             </a:fld>
           </a:p>
@@ -11714,7 +10189,7 @@
         <p:spPr>
           <a:xfrm>
             <a:off x="8472600" y="4663080"/>
-            <a:ext cx="547920" cy="392760"/>
+            <a:ext cx="547560" cy="392400"/>
           </a:xfrm>
           <a:prstGeom prst="rect">
             <a:avLst/>
@@ -11756,7 +10231,7 @@
                 <a:tab algn="l" pos="0"/>
               </a:tabLst>
             </a:pPr>
-            <a:fld id="{CE7309AC-B6AD-4A92-86D9-F010039C473C}" type="slidenum">
+            <a:fld id="{CC210198-D833-4013-B1A1-3DAE974E5085}" type="slidenum">
               <a:rPr b="0" lang="ru" sz="1000" spc="-1" strike="noStrike">
                 <a:solidFill>
                   <a:srgbClr val="595959"/>
@@ -12462,7 +10937,7 @@
         <p:spPr>
           <a:xfrm>
             <a:off x="8472600" y="4663080"/>
-            <a:ext cx="547920" cy="392760"/>
+            <a:ext cx="547560" cy="392400"/>
           </a:xfrm>
           <a:prstGeom prst="rect">
             <a:avLst/>
@@ -12504,7 +10979,7 @@
                 <a:tab algn="l" pos="0"/>
               </a:tabLst>
             </a:pPr>
-            <a:fld id="{2D299745-A614-40A9-BC31-F3D5447D9253}" type="slidenum">
+            <a:fld id="{EF046734-D93C-432C-8289-87B28099EB14}" type="slidenum">
               <a:rPr b="0" lang="ru" sz="1000" spc="-1" strike="noStrike">
                 <a:solidFill>
                   <a:srgbClr val="595959"/>
@@ -13114,236 +11589,13 @@
             <a:spLocks noGrp="1"/>
           </p:cNvSpPr>
           <p:nvPr>
-            <p:ph type="title"/>
-          </p:nvPr>
-        </p:nvSpPr>
-        <p:spPr>
-          <a:xfrm>
-            <a:off x="457200" y="205200"/>
-            <a:ext cx="8228880" cy="858240"/>
-          </a:xfrm>
-          <a:prstGeom prst="rect">
-            <a:avLst/>
-          </a:prstGeom>
-          <a:noFill/>
-          <a:ln w="0">
-            <a:noFill/>
-          </a:ln>
-        </p:spPr>
-        <p:txBody>
-          <a:bodyPr lIns="0" rIns="0" tIns="0" bIns="0" anchor="ctr">
-            <a:noAutofit/>
-          </a:bodyPr>
-          <a:p>
-            <a:r>
-              <a:rPr b="0" lang="en-US" sz="1800" spc="-1" strike="noStrike">
-                <a:latin typeface="Arial"/>
-              </a:rPr>
-              <a:t>Click to edit the title text format</a:t>
-            </a:r>
-            <a:endParaRPr b="0" lang="en-US" sz="1800" spc="-1" strike="noStrike">
-              <a:latin typeface="Arial"/>
-            </a:endParaRPr>
-          </a:p>
-        </p:txBody>
-      </p:sp>
-      <p:sp>
-        <p:nvSpPr>
-          <p:cNvPr id="156" name="PlaceHolder 2"/>
-          <p:cNvSpPr>
-            <a:spLocks noGrp="1"/>
-          </p:cNvSpPr>
-          <p:nvPr>
-            <p:ph type="body"/>
-          </p:nvPr>
-        </p:nvSpPr>
-        <p:spPr>
-          <a:xfrm>
-            <a:off x="457200" y="1203480"/>
-            <a:ext cx="8228880" cy="2982600"/>
-          </a:xfrm>
-          <a:prstGeom prst="rect">
-            <a:avLst/>
-          </a:prstGeom>
-          <a:noFill/>
-          <a:ln w="0">
-            <a:noFill/>
-          </a:ln>
-        </p:spPr>
-        <p:txBody>
-          <a:bodyPr lIns="0" rIns="0" tIns="0" bIns="0" anchor="t">
-            <a:normAutofit/>
-          </a:bodyPr>
-          <a:p>
-            <a:pPr marL="432000" indent="-324000">
-              <a:spcBef>
-                <a:spcPts val="1417"/>
-              </a:spcBef>
-              <a:buClr>
-                <a:srgbClr val="000000"/>
-              </a:buClr>
-              <a:buSzPct val="45000"/>
-              <a:buFont typeface="Wingdings" charset="2"/>
-              <a:buChar char=""/>
-            </a:pPr>
-            <a:r>
-              <a:rPr b="0" lang="en-US" sz="1800" spc="-1" strike="noStrike">
-                <a:latin typeface="Arial"/>
-              </a:rPr>
-              <a:t>Click to edit the outline text format</a:t>
-            </a:r>
-            <a:endParaRPr b="0" lang="en-US" sz="1800" spc="-1" strike="noStrike">
-              <a:latin typeface="Arial"/>
-            </a:endParaRPr>
-          </a:p>
-          <a:p>
-            <a:pPr lvl="1" marL="864000" indent="-324000">
-              <a:spcBef>
-                <a:spcPts val="1134"/>
-              </a:spcBef>
-              <a:buClr>
-                <a:srgbClr val="000000"/>
-              </a:buClr>
-              <a:buSzPct val="75000"/>
-              <a:buFont typeface="Symbol" charset="2"/>
-              <a:buChar char=""/>
-            </a:pPr>
-            <a:r>
-              <a:rPr b="0" lang="en-US" sz="1800" spc="-1" strike="noStrike">
-                <a:latin typeface="Arial"/>
-              </a:rPr>
-              <a:t>Second Outline Level</a:t>
-            </a:r>
-            <a:endParaRPr b="0" lang="en-US" sz="1800" spc="-1" strike="noStrike">
-              <a:latin typeface="Arial"/>
-            </a:endParaRPr>
-          </a:p>
-          <a:p>
-            <a:pPr lvl="2" marL="1296000" indent="-288000">
-              <a:spcBef>
-                <a:spcPts val="850"/>
-              </a:spcBef>
-              <a:buClr>
-                <a:srgbClr val="000000"/>
-              </a:buClr>
-              <a:buSzPct val="45000"/>
-              <a:buFont typeface="Wingdings" charset="2"/>
-              <a:buChar char=""/>
-            </a:pPr>
-            <a:r>
-              <a:rPr b="0" lang="en-US" sz="1800" spc="-1" strike="noStrike">
-                <a:latin typeface="Arial"/>
-              </a:rPr>
-              <a:t>Third Outline Level</a:t>
-            </a:r>
-            <a:endParaRPr b="0" lang="en-US" sz="1800" spc="-1" strike="noStrike">
-              <a:latin typeface="Arial"/>
-            </a:endParaRPr>
-          </a:p>
-          <a:p>
-            <a:pPr lvl="3" marL="1728000" indent="-216000">
-              <a:spcBef>
-                <a:spcPts val="567"/>
-              </a:spcBef>
-              <a:buClr>
-                <a:srgbClr val="000000"/>
-              </a:buClr>
-              <a:buSzPct val="75000"/>
-              <a:buFont typeface="Symbol" charset="2"/>
-              <a:buChar char=""/>
-            </a:pPr>
-            <a:r>
-              <a:rPr b="0" lang="en-US" sz="1800" spc="-1" strike="noStrike">
-                <a:latin typeface="Arial"/>
-              </a:rPr>
-              <a:t>Fourth Outline Level</a:t>
-            </a:r>
-            <a:endParaRPr b="0" lang="en-US" sz="1800" spc="-1" strike="noStrike">
-              <a:latin typeface="Arial"/>
-            </a:endParaRPr>
-          </a:p>
-          <a:p>
-            <a:pPr lvl="4" marL="2160000" indent="-216000">
-              <a:spcBef>
-                <a:spcPts val="283"/>
-              </a:spcBef>
-              <a:buClr>
-                <a:srgbClr val="000000"/>
-              </a:buClr>
-              <a:buSzPct val="45000"/>
-              <a:buFont typeface="Wingdings" charset="2"/>
-              <a:buChar char=""/>
-            </a:pPr>
-            <a:r>
-              <a:rPr b="0" lang="en-US" sz="1800" spc="-1" strike="noStrike">
-                <a:latin typeface="Arial"/>
-              </a:rPr>
-              <a:t>Fifth Outline Level</a:t>
-            </a:r>
-            <a:endParaRPr b="0" lang="en-US" sz="1800" spc="-1" strike="noStrike">
-              <a:latin typeface="Arial"/>
-            </a:endParaRPr>
-          </a:p>
-          <a:p>
-            <a:pPr lvl="5" marL="2592000" indent="-216000">
-              <a:spcBef>
-                <a:spcPts val="283"/>
-              </a:spcBef>
-              <a:buClr>
-                <a:srgbClr val="000000"/>
-              </a:buClr>
-              <a:buSzPct val="45000"/>
-              <a:buFont typeface="Wingdings" charset="2"/>
-              <a:buChar char=""/>
-            </a:pPr>
-            <a:r>
-              <a:rPr b="0" lang="en-US" sz="1800" spc="-1" strike="noStrike">
-                <a:latin typeface="Arial"/>
-              </a:rPr>
-              <a:t>Sixth Outline Level</a:t>
-            </a:r>
-            <a:endParaRPr b="0" lang="en-US" sz="1800" spc="-1" strike="noStrike">
-              <a:latin typeface="Arial"/>
-            </a:endParaRPr>
-          </a:p>
-          <a:p>
-            <a:pPr lvl="6" marL="3024000" indent="-216000">
-              <a:spcBef>
-                <a:spcPts val="283"/>
-              </a:spcBef>
-              <a:buClr>
-                <a:srgbClr val="000000"/>
-              </a:buClr>
-              <a:buSzPct val="45000"/>
-              <a:buFont typeface="Wingdings" charset="2"/>
-              <a:buChar char=""/>
-            </a:pPr>
-            <a:r>
-              <a:rPr b="0" lang="en-US" sz="1800" spc="-1" strike="noStrike">
-                <a:latin typeface="Arial"/>
-              </a:rPr>
-              <a:t>Seventh Outline Level</a:t>
-            </a:r>
-            <a:endParaRPr b="0" lang="en-US" sz="1800" spc="-1" strike="noStrike">
-              <a:latin typeface="Arial"/>
-            </a:endParaRPr>
-          </a:p>
-        </p:txBody>
-      </p:sp>
-      <p:sp>
-        <p:nvSpPr>
-          <p:cNvPr id="157" name="PlaceHolder 3"/>
-          <p:cNvSpPr>
-            <a:spLocks noGrp="1"/>
-          </p:cNvSpPr>
-          <p:nvPr>
             <p:ph type="sldNum" idx="3"/>
           </p:nvPr>
         </p:nvSpPr>
         <p:spPr>
           <a:xfrm>
             <a:off x="8472600" y="4663080"/>
-            <a:ext cx="547920" cy="392760"/>
+            <a:ext cx="547560" cy="392400"/>
           </a:xfrm>
           <a:prstGeom prst="rect">
             <a:avLst/>
@@ -13385,7 +11637,7 @@
                 <a:tab algn="l" pos="0"/>
               </a:tabLst>
             </a:pPr>
-            <a:fld id="{4CDCFA64-0F3F-4EDD-AE82-D605C530B22E}" type="slidenum">
+            <a:fld id="{8EA0CCF0-75ED-4438-9060-1FC2D7EA2E24}" type="slidenum">
               <a:rPr b="0" lang="ru" sz="1000" spc="-1" strike="noStrike">
                 <a:solidFill>
                   <a:srgbClr val="595959"/>
@@ -13397,6 +11649,232 @@
             </a:fld>
             <a:endParaRPr b="0" lang="en-US" sz="1000" spc="-1" strike="noStrike">
               <a:latin typeface="Times New Roman"/>
+            </a:endParaRPr>
+          </a:p>
+        </p:txBody>
+      </p:sp>
+      <p:sp>
+        <p:nvSpPr>
+          <p:cNvPr id="156" name="PlaceHolder 2"/>
+          <p:cNvSpPr>
+            <a:spLocks noGrp="1"/>
+          </p:cNvSpPr>
+          <p:nvPr>
+            <p:ph type="title"/>
+          </p:nvPr>
+        </p:nvSpPr>
+        <p:spPr>
+          <a:xfrm>
+            <a:off x="457200" y="205200"/>
+            <a:ext cx="8229240" cy="858600"/>
+          </a:xfrm>
+          <a:prstGeom prst="rect">
+            <a:avLst/>
+          </a:prstGeom>
+          <a:noFill/>
+          <a:ln w="0">
+            <a:noFill/>
+          </a:ln>
+        </p:spPr>
+        <p:txBody>
+          <a:bodyPr lIns="0" rIns="0" tIns="0" bIns="0" anchor="ctr">
+            <a:noAutofit/>
+          </a:bodyPr>
+          <a:p>
+            <a:pPr algn="ctr">
+              <a:buNone/>
+            </a:pPr>
+            <a:r>
+              <a:rPr b="0" lang="en-US" sz="4400" spc="-1" strike="noStrike">
+                <a:latin typeface="Arial"/>
+              </a:rPr>
+              <a:t>Click to edit the title text format</a:t>
+            </a:r>
+            <a:endParaRPr b="0" lang="en-US" sz="4400" spc="-1" strike="noStrike">
+              <a:latin typeface="Arial"/>
+            </a:endParaRPr>
+          </a:p>
+        </p:txBody>
+      </p:sp>
+      <p:sp>
+        <p:nvSpPr>
+          <p:cNvPr id="157" name="PlaceHolder 3"/>
+          <p:cNvSpPr>
+            <a:spLocks noGrp="1"/>
+          </p:cNvSpPr>
+          <p:nvPr>
+            <p:ph type="body"/>
+          </p:nvPr>
+        </p:nvSpPr>
+        <p:spPr>
+          <a:xfrm>
+            <a:off x="457200" y="1203480"/>
+            <a:ext cx="8229240" cy="2982960"/>
+          </a:xfrm>
+          <a:prstGeom prst="rect">
+            <a:avLst/>
+          </a:prstGeom>
+          <a:noFill/>
+          <a:ln w="0">
+            <a:noFill/>
+          </a:ln>
+        </p:spPr>
+        <p:txBody>
+          <a:bodyPr lIns="0" rIns="0" tIns="0" bIns="0" anchor="t">
+            <a:normAutofit/>
+          </a:bodyPr>
+          <a:p>
+            <a:pPr marL="432000" indent="-324000">
+              <a:spcBef>
+                <a:spcPts val="1417"/>
+              </a:spcBef>
+              <a:buClr>
+                <a:srgbClr val="000000"/>
+              </a:buClr>
+              <a:buSzPct val="45000"/>
+              <a:buFont typeface="Wingdings" charset="2"/>
+              <a:buChar char=""/>
+            </a:pPr>
+            <a:r>
+              <a:rPr b="0" lang="en-US" sz="3200" spc="-1" strike="noStrike">
+                <a:latin typeface="Arial"/>
+              </a:rPr>
+              <a:t>Click to edit the outline text format</a:t>
+            </a:r>
+            <a:endParaRPr b="0" lang="en-US" sz="3200" spc="-1" strike="noStrike">
+              <a:latin typeface="Arial"/>
+            </a:endParaRPr>
+          </a:p>
+          <a:p>
+            <a:pPr lvl="1" marL="864000" indent="-324000">
+              <a:spcBef>
+                <a:spcPts val="1134"/>
+              </a:spcBef>
+              <a:buClr>
+                <a:srgbClr val="000000"/>
+              </a:buClr>
+              <a:buSzPct val="75000"/>
+              <a:buFont typeface="Symbol" charset="2"/>
+              <a:buChar char=""/>
+            </a:pPr>
+            <a:r>
+              <a:rPr b="0" lang="en-US" sz="2800" spc="-1" strike="noStrike">
+                <a:latin typeface="Arial"/>
+              </a:rPr>
+              <a:t>Second Outline Level</a:t>
+            </a:r>
+            <a:endParaRPr b="0" lang="en-US" sz="2800" spc="-1" strike="noStrike">
+              <a:latin typeface="Arial"/>
+            </a:endParaRPr>
+          </a:p>
+          <a:p>
+            <a:pPr lvl="2" marL="1296000" indent="-288000">
+              <a:spcBef>
+                <a:spcPts val="850"/>
+              </a:spcBef>
+              <a:buClr>
+                <a:srgbClr val="000000"/>
+              </a:buClr>
+              <a:buSzPct val="45000"/>
+              <a:buFont typeface="Wingdings" charset="2"/>
+              <a:buChar char=""/>
+            </a:pPr>
+            <a:r>
+              <a:rPr b="0" lang="en-US" sz="2400" spc="-1" strike="noStrike">
+                <a:latin typeface="Arial"/>
+              </a:rPr>
+              <a:t>Third Outline Level</a:t>
+            </a:r>
+            <a:endParaRPr b="0" lang="en-US" sz="2400" spc="-1" strike="noStrike">
+              <a:latin typeface="Arial"/>
+            </a:endParaRPr>
+          </a:p>
+          <a:p>
+            <a:pPr lvl="3" marL="1728000" indent="-216000">
+              <a:spcBef>
+                <a:spcPts val="567"/>
+              </a:spcBef>
+              <a:buClr>
+                <a:srgbClr val="000000"/>
+              </a:buClr>
+              <a:buSzPct val="75000"/>
+              <a:buFont typeface="Symbol" charset="2"/>
+              <a:buChar char=""/>
+            </a:pPr>
+            <a:r>
+              <a:rPr b="0" lang="en-US" sz="2000" spc="-1" strike="noStrike">
+                <a:latin typeface="Arial"/>
+              </a:rPr>
+              <a:t>Fourth Outline Level</a:t>
+            </a:r>
+            <a:endParaRPr b="0" lang="en-US" sz="2000" spc="-1" strike="noStrike">
+              <a:latin typeface="Arial"/>
+            </a:endParaRPr>
+          </a:p>
+          <a:p>
+            <a:pPr lvl="4" marL="2160000" indent="-216000">
+              <a:spcBef>
+                <a:spcPts val="283"/>
+              </a:spcBef>
+              <a:buClr>
+                <a:srgbClr val="000000"/>
+              </a:buClr>
+              <a:buSzPct val="45000"/>
+              <a:buFont typeface="Wingdings" charset="2"/>
+              <a:buChar char=""/>
+            </a:pPr>
+            <a:r>
+              <a:rPr b="0" lang="en-US" sz="2000" spc="-1" strike="noStrike">
+                <a:latin typeface="Arial"/>
+              </a:rPr>
+              <a:t>Fifth Outline Level</a:t>
+            </a:r>
+            <a:endParaRPr b="0" lang="en-US" sz="2000" spc="-1" strike="noStrike">
+              <a:latin typeface="Arial"/>
+            </a:endParaRPr>
+          </a:p>
+          <a:p>
+            <a:pPr lvl="5" marL="2592000" indent="-216000">
+              <a:spcBef>
+                <a:spcPts val="283"/>
+              </a:spcBef>
+              <a:buClr>
+                <a:srgbClr val="000000"/>
+              </a:buClr>
+              <a:buSzPct val="45000"/>
+              <a:buFont typeface="Wingdings" charset="2"/>
+              <a:buChar char=""/>
+            </a:pPr>
+            <a:r>
+              <a:rPr b="0" lang="en-US" sz="2000" spc="-1" strike="noStrike">
+                <a:latin typeface="Arial"/>
+              </a:rPr>
+              <a:t>Sixth Outline Level</a:t>
+            </a:r>
+            <a:endParaRPr b="0" lang="en-US" sz="2000" spc="-1" strike="noStrike">
+              <a:latin typeface="Arial"/>
+            </a:endParaRPr>
+          </a:p>
+          <a:p>
+            <a:pPr lvl="6" marL="3024000" indent="-216000">
+              <a:spcBef>
+                <a:spcPts val="283"/>
+              </a:spcBef>
+              <a:buClr>
+                <a:srgbClr val="000000"/>
+              </a:buClr>
+              <a:buSzPct val="45000"/>
+              <a:buFont typeface="Wingdings" charset="2"/>
+              <a:buChar char=""/>
+            </a:pPr>
+            <a:r>
+              <a:rPr b="0" lang="en-US" sz="2000" spc="-1" strike="noStrike">
+                <a:latin typeface="Arial"/>
+              </a:rPr>
+              <a:t>Seventh Outline Level</a:t>
+            </a:r>
+            <a:endParaRPr b="0" lang="en-US" sz="2000" spc="-1" strike="noStrike">
+              <a:latin typeface="Arial"/>
             </a:endParaRPr>
           </a:p>
         </p:txBody>
@@ -13448,35 +11926,78 @@
       </p:grpSpPr>
       <p:sp>
         <p:nvSpPr>
-          <p:cNvPr id="194" name="Google Shape;352;p88"/>
-          <p:cNvSpPr/>
-          <p:nvPr/>
-        </p:nvSpPr>
-        <p:spPr>
-          <a:xfrm>
-            <a:off x="590400" y="1365120"/>
-            <a:ext cx="7987680" cy="3411720"/>
-          </a:xfrm>
-          <a:prstGeom prst="rect">
-            <a:avLst/>
-          </a:prstGeom>
-          <a:solidFill>
-            <a:srgbClr val="fbfbfe"/>
-          </a:solidFill>
-          <a:ln w="0">
-            <a:noFill/>
-          </a:ln>
-        </p:spPr>
-        <p:style>
-          <a:lnRef idx="0"/>
-          <a:fillRef idx="0"/>
-          <a:effectRef idx="0"/>
-          <a:fontRef idx="minor"/>
-        </p:style>
-      </p:sp>
-      <p:sp>
-        <p:nvSpPr>
-          <p:cNvPr id="195" name="PlaceHolder 1"/>
+          <p:cNvPr id="194" name="PlaceHolder 1"/>
+          <p:cNvSpPr>
+            <a:spLocks noGrp="1"/>
+          </p:cNvSpPr>
+          <p:nvPr>
+            <p:ph type="sldNum" idx="4"/>
+          </p:nvPr>
+        </p:nvSpPr>
+        <p:spPr>
+          <a:xfrm>
+            <a:off x="8472600" y="4663080"/>
+            <a:ext cx="547560" cy="392400"/>
+          </a:xfrm>
+          <a:prstGeom prst="rect">
+            <a:avLst/>
+          </a:prstGeom>
+          <a:noFill/>
+          <a:ln w="0">
+            <a:noFill/>
+          </a:ln>
+        </p:spPr>
+        <p:txBody>
+          <a:bodyPr lIns="90000" rIns="90000" tIns="91440" bIns="91440" anchor="ctr">
+            <a:noAutofit/>
+          </a:bodyPr>
+          <a:lstStyle>
+            <a:lvl1pPr algn="r">
+              <a:lnSpc>
+                <a:spcPct val="100000"/>
+              </a:lnSpc>
+              <a:buNone/>
+              <a:tabLst>
+                <a:tab algn="l" pos="0"/>
+              </a:tabLst>
+              <a:defRPr b="0" lang="ru" sz="1000" spc="-1" strike="noStrike">
+                <a:solidFill>
+                  <a:srgbClr val="595959"/>
+                </a:solidFill>
+                <a:latin typeface="Arial"/>
+                <a:ea typeface="Arial"/>
+              </a:defRPr>
+            </a:lvl1pPr>
+          </a:lstStyle>
+          <a:p>
+            <a:pPr algn="r">
+              <a:lnSpc>
+                <a:spcPct val="100000"/>
+              </a:lnSpc>
+              <a:buNone/>
+              <a:tabLst>
+                <a:tab algn="l" pos="0"/>
+              </a:tabLst>
+            </a:pPr>
+            <a:fld id="{7024BE1A-77C9-47F3-AFB9-538BE887D93E}" type="slidenum">
+              <a:rPr b="0" lang="ru" sz="1000" spc="-1" strike="noStrike">
+                <a:solidFill>
+                  <a:srgbClr val="595959"/>
+                </a:solidFill>
+                <a:latin typeface="Arial"/>
+                <a:ea typeface="Arial"/>
+              </a:rPr>
+              <a:t>&lt;number&gt;</a:t>
+            </a:fld>
+            <a:endParaRPr b="0" lang="en-US" sz="1000" spc="-1" strike="noStrike">
+              <a:latin typeface="Times New Roman"/>
+            </a:endParaRPr>
+          </a:p>
+        </p:txBody>
+      </p:sp>
+      <p:sp>
+        <p:nvSpPr>
+          <p:cNvPr id="195" name="PlaceHolder 2"/>
           <p:cNvSpPr>
             <a:spLocks noGrp="1"/>
           </p:cNvSpPr>
@@ -13519,7 +12040,7 @@
       </p:sp>
       <p:sp>
         <p:nvSpPr>
-          <p:cNvPr id="196" name="PlaceHolder 2"/>
+          <p:cNvPr id="196" name="PlaceHolder 3"/>
           <p:cNvSpPr>
             <a:spLocks noGrp="1"/>
           </p:cNvSpPr>
@@ -13716,348 +12237,6 @@
     <p:sldLayoutId id="2147483723" r:id="rId12"/>
     <p:sldLayoutId id="2147483724" r:id="rId13"/>
     <p:sldLayoutId id="2147483725" r:id="rId14"/>
-  </p:sldLayoutIdLst>
-</p:sldMaster>
-</file>
-
-<file path=ppt/slideMasters/slideMaster7.xml><?xml version="1.0" encoding="utf-8"?>
-<p:sldMaster xmlns:a="http://schemas.openxmlformats.org/drawingml/2006/main" xmlns:p="http://schemas.openxmlformats.org/presentationml/2006/main" xmlns:r="http://schemas.openxmlformats.org/officeDocument/2006/relationships" xmlns:p14="http://schemas.microsoft.com/office/powerpoint/2010/main" xmlns:p15="http://schemas.microsoft.com/office/powerpoint/2012/main" xmlns:mc="http://schemas.openxmlformats.org/markup-compatibility/2006">
-  <p:cSld>
-    <p:bg>
-      <p:bgPr>
-        <a:blipFill rotWithShape="0">
-          <a:blip r:embed="rId2"/>
-          <a:stretch/>
-        </a:blipFill>
-      </p:bgPr>
-    </p:bg>
-    <p:spTree>
-      <p:nvGrpSpPr>
-        <p:cNvPr id="1" name=""/>
-        <p:cNvGrpSpPr/>
-        <p:nvPr/>
-      </p:nvGrpSpPr>
-      <p:grpSpPr>
-        <a:xfrm>
-          <a:off x="0" y="0"/>
-          <a:ext cx="0" cy="0"/>
-          <a:chOff x="0" y="0"/>
-          <a:chExt cx="0" cy="0"/>
-        </a:xfrm>
-      </p:grpSpPr>
-      <p:sp>
-        <p:nvSpPr>
-          <p:cNvPr id="233" name="PlaceHolder 1"/>
-          <p:cNvSpPr>
-            <a:spLocks noGrp="1"/>
-          </p:cNvSpPr>
-          <p:nvPr>
-            <p:ph type="sldNum" idx="4"/>
-          </p:nvPr>
-        </p:nvSpPr>
-        <p:spPr>
-          <a:xfrm>
-            <a:off x="8472600" y="4663080"/>
-            <a:ext cx="547920" cy="392760"/>
-          </a:xfrm>
-          <a:prstGeom prst="rect">
-            <a:avLst/>
-          </a:prstGeom>
-          <a:noFill/>
-          <a:ln w="0">
-            <a:noFill/>
-          </a:ln>
-        </p:spPr>
-        <p:txBody>
-          <a:bodyPr lIns="90000" rIns="90000" tIns="91440" bIns="91440" anchor="ctr">
-            <a:noAutofit/>
-          </a:bodyPr>
-          <a:lstStyle>
-            <a:lvl1pPr algn="r">
-              <a:lnSpc>
-                <a:spcPct val="100000"/>
-              </a:lnSpc>
-              <a:buNone/>
-              <a:tabLst>
-                <a:tab algn="l" pos="0"/>
-              </a:tabLst>
-              <a:defRPr b="0" lang="ru" sz="1000" spc="-1" strike="noStrike">
-                <a:solidFill>
-                  <a:srgbClr val="595959"/>
-                </a:solidFill>
-                <a:latin typeface="Arial"/>
-                <a:ea typeface="Arial"/>
-              </a:defRPr>
-            </a:lvl1pPr>
-          </a:lstStyle>
-          <a:p>
-            <a:pPr algn="r">
-              <a:lnSpc>
-                <a:spcPct val="100000"/>
-              </a:lnSpc>
-              <a:buNone/>
-              <a:tabLst>
-                <a:tab algn="l" pos="0"/>
-              </a:tabLst>
-            </a:pPr>
-            <a:fld id="{55FA73F3-363E-4210-BE8E-3FBFA614EED1}" type="slidenum">
-              <a:rPr b="0" lang="ru" sz="1000" spc="-1" strike="noStrike">
-                <a:solidFill>
-                  <a:srgbClr val="595959"/>
-                </a:solidFill>
-                <a:latin typeface="Arial"/>
-                <a:ea typeface="Arial"/>
-              </a:rPr>
-              <a:t>&lt;number&gt;</a:t>
-            </a:fld>
-            <a:endParaRPr b="0" lang="en-US" sz="1000" spc="-1" strike="noStrike">
-              <a:latin typeface="Times New Roman"/>
-            </a:endParaRPr>
-          </a:p>
-        </p:txBody>
-      </p:sp>
-      <p:sp>
-        <p:nvSpPr>
-          <p:cNvPr id="234" name="PlaceHolder 2"/>
-          <p:cNvSpPr>
-            <a:spLocks noGrp="1"/>
-          </p:cNvSpPr>
-          <p:nvPr>
-            <p:ph type="title"/>
-          </p:nvPr>
-        </p:nvSpPr>
-        <p:spPr>
-          <a:xfrm>
-            <a:off x="457200" y="205200"/>
-            <a:ext cx="8229240" cy="858600"/>
-          </a:xfrm>
-          <a:prstGeom prst="rect">
-            <a:avLst/>
-          </a:prstGeom>
-          <a:noFill/>
-          <a:ln w="0">
-            <a:noFill/>
-          </a:ln>
-        </p:spPr>
-        <p:txBody>
-          <a:bodyPr lIns="0" rIns="0" tIns="0" bIns="0" anchor="ctr">
-            <a:noAutofit/>
-          </a:bodyPr>
-          <a:p>
-            <a:pPr algn="ctr">
-              <a:buNone/>
-            </a:pPr>
-            <a:r>
-              <a:rPr b="0" lang="en-US" sz="4400" spc="-1" strike="noStrike">
-                <a:latin typeface="Arial"/>
-              </a:rPr>
-              <a:t>Click to edit the title text format</a:t>
-            </a:r>
-            <a:endParaRPr b="0" lang="en-US" sz="4400" spc="-1" strike="noStrike">
-              <a:latin typeface="Arial"/>
-            </a:endParaRPr>
-          </a:p>
-        </p:txBody>
-      </p:sp>
-      <p:sp>
-        <p:nvSpPr>
-          <p:cNvPr id="235" name="PlaceHolder 3"/>
-          <p:cNvSpPr>
-            <a:spLocks noGrp="1"/>
-          </p:cNvSpPr>
-          <p:nvPr>
-            <p:ph type="body"/>
-          </p:nvPr>
-        </p:nvSpPr>
-        <p:spPr>
-          <a:xfrm>
-            <a:off x="457200" y="1203480"/>
-            <a:ext cx="8229240" cy="2982960"/>
-          </a:xfrm>
-          <a:prstGeom prst="rect">
-            <a:avLst/>
-          </a:prstGeom>
-          <a:noFill/>
-          <a:ln w="0">
-            <a:noFill/>
-          </a:ln>
-        </p:spPr>
-        <p:txBody>
-          <a:bodyPr lIns="0" rIns="0" tIns="0" bIns="0" anchor="t">
-            <a:normAutofit/>
-          </a:bodyPr>
-          <a:p>
-            <a:pPr marL="432000" indent="-324000">
-              <a:spcBef>
-                <a:spcPts val="1417"/>
-              </a:spcBef>
-              <a:buClr>
-                <a:srgbClr val="000000"/>
-              </a:buClr>
-              <a:buSzPct val="45000"/>
-              <a:buFont typeface="Wingdings" charset="2"/>
-              <a:buChar char=""/>
-            </a:pPr>
-            <a:r>
-              <a:rPr b="0" lang="en-US" sz="3200" spc="-1" strike="noStrike">
-                <a:latin typeface="Arial"/>
-              </a:rPr>
-              <a:t>Click to edit the outline text format</a:t>
-            </a:r>
-            <a:endParaRPr b="0" lang="en-US" sz="3200" spc="-1" strike="noStrike">
-              <a:latin typeface="Arial"/>
-            </a:endParaRPr>
-          </a:p>
-          <a:p>
-            <a:pPr lvl="1" marL="864000" indent="-324000">
-              <a:spcBef>
-                <a:spcPts val="1134"/>
-              </a:spcBef>
-              <a:buClr>
-                <a:srgbClr val="000000"/>
-              </a:buClr>
-              <a:buSzPct val="75000"/>
-              <a:buFont typeface="Symbol" charset="2"/>
-              <a:buChar char=""/>
-            </a:pPr>
-            <a:r>
-              <a:rPr b="0" lang="en-US" sz="2800" spc="-1" strike="noStrike">
-                <a:latin typeface="Arial"/>
-              </a:rPr>
-              <a:t>Second Outline Level</a:t>
-            </a:r>
-            <a:endParaRPr b="0" lang="en-US" sz="2800" spc="-1" strike="noStrike">
-              <a:latin typeface="Arial"/>
-            </a:endParaRPr>
-          </a:p>
-          <a:p>
-            <a:pPr lvl="2" marL="1296000" indent="-288000">
-              <a:spcBef>
-                <a:spcPts val="850"/>
-              </a:spcBef>
-              <a:buClr>
-                <a:srgbClr val="000000"/>
-              </a:buClr>
-              <a:buSzPct val="45000"/>
-              <a:buFont typeface="Wingdings" charset="2"/>
-              <a:buChar char=""/>
-            </a:pPr>
-            <a:r>
-              <a:rPr b="0" lang="en-US" sz="2400" spc="-1" strike="noStrike">
-                <a:latin typeface="Arial"/>
-              </a:rPr>
-              <a:t>Third Outline Level</a:t>
-            </a:r>
-            <a:endParaRPr b="0" lang="en-US" sz="2400" spc="-1" strike="noStrike">
-              <a:latin typeface="Arial"/>
-            </a:endParaRPr>
-          </a:p>
-          <a:p>
-            <a:pPr lvl="3" marL="1728000" indent="-216000">
-              <a:spcBef>
-                <a:spcPts val="567"/>
-              </a:spcBef>
-              <a:buClr>
-                <a:srgbClr val="000000"/>
-              </a:buClr>
-              <a:buSzPct val="75000"/>
-              <a:buFont typeface="Symbol" charset="2"/>
-              <a:buChar char=""/>
-            </a:pPr>
-            <a:r>
-              <a:rPr b="0" lang="en-US" sz="2000" spc="-1" strike="noStrike">
-                <a:latin typeface="Arial"/>
-              </a:rPr>
-              <a:t>Fourth Outline Level</a:t>
-            </a:r>
-            <a:endParaRPr b="0" lang="en-US" sz="2000" spc="-1" strike="noStrike">
-              <a:latin typeface="Arial"/>
-            </a:endParaRPr>
-          </a:p>
-          <a:p>
-            <a:pPr lvl="4" marL="2160000" indent="-216000">
-              <a:spcBef>
-                <a:spcPts val="283"/>
-              </a:spcBef>
-              <a:buClr>
-                <a:srgbClr val="000000"/>
-              </a:buClr>
-              <a:buSzPct val="45000"/>
-              <a:buFont typeface="Wingdings" charset="2"/>
-              <a:buChar char=""/>
-            </a:pPr>
-            <a:r>
-              <a:rPr b="0" lang="en-US" sz="2000" spc="-1" strike="noStrike">
-                <a:latin typeface="Arial"/>
-              </a:rPr>
-              <a:t>Fifth Outline Level</a:t>
-            </a:r>
-            <a:endParaRPr b="0" lang="en-US" sz="2000" spc="-1" strike="noStrike">
-              <a:latin typeface="Arial"/>
-            </a:endParaRPr>
-          </a:p>
-          <a:p>
-            <a:pPr lvl="5" marL="2592000" indent="-216000">
-              <a:spcBef>
-                <a:spcPts val="283"/>
-              </a:spcBef>
-              <a:buClr>
-                <a:srgbClr val="000000"/>
-              </a:buClr>
-              <a:buSzPct val="45000"/>
-              <a:buFont typeface="Wingdings" charset="2"/>
-              <a:buChar char=""/>
-            </a:pPr>
-            <a:r>
-              <a:rPr b="0" lang="en-US" sz="2000" spc="-1" strike="noStrike">
-                <a:latin typeface="Arial"/>
-              </a:rPr>
-              <a:t>Sixth Outline Level</a:t>
-            </a:r>
-            <a:endParaRPr b="0" lang="en-US" sz="2000" spc="-1" strike="noStrike">
-              <a:latin typeface="Arial"/>
-            </a:endParaRPr>
-          </a:p>
-          <a:p>
-            <a:pPr lvl="6" marL="3024000" indent="-216000">
-              <a:spcBef>
-                <a:spcPts val="283"/>
-              </a:spcBef>
-              <a:buClr>
-                <a:srgbClr val="000000"/>
-              </a:buClr>
-              <a:buSzPct val="45000"/>
-              <a:buFont typeface="Wingdings" charset="2"/>
-              <a:buChar char=""/>
-            </a:pPr>
-            <a:r>
-              <a:rPr b="0" lang="en-US" sz="2000" spc="-1" strike="noStrike">
-                <a:latin typeface="Arial"/>
-              </a:rPr>
-              <a:t>Seventh Outline Level</a:t>
-            </a:r>
-            <a:endParaRPr b="0" lang="en-US" sz="2000" spc="-1" strike="noStrike">
-              <a:latin typeface="Arial"/>
-            </a:endParaRPr>
-          </a:p>
-        </p:txBody>
-      </p:sp>
-    </p:spTree>
-  </p:cSld>
-  <p:clrMap bg1="lt1" bg2="lt2" tx1="dk1" tx2="dk2" accent1="accent1" accent2="accent2" accent3="accent3" accent4="accent4" accent5="accent5" accent6="accent6" hlink="hlink" folHlink="folHlink"/>
-  <p:sldLayoutIdLst>
-    <p:sldLayoutId id="2147483727" r:id="rId3"/>
-    <p:sldLayoutId id="2147483728" r:id="rId4"/>
-    <p:sldLayoutId id="2147483729" r:id="rId5"/>
-    <p:sldLayoutId id="2147483730" r:id="rId6"/>
-    <p:sldLayoutId id="2147483731" r:id="rId7"/>
-    <p:sldLayoutId id="2147483732" r:id="rId8"/>
-    <p:sldLayoutId id="2147483733" r:id="rId9"/>
-    <p:sldLayoutId id="2147483734" r:id="rId10"/>
-    <p:sldLayoutId id="2147483735" r:id="rId11"/>
-    <p:sldLayoutId id="2147483736" r:id="rId12"/>
-    <p:sldLayoutId id="2147483737" r:id="rId13"/>
-    <p:sldLayoutId id="2147483738" r:id="rId14"/>
   </p:sldLayoutIdLst>
 </p:sldMaster>
 </file>
@@ -14081,7 +12260,7 @@
       </p:grpSpPr>
       <p:pic>
         <p:nvPicPr>
-          <p:cNvPr id="272" name="Google Shape;372;p92" descr=""/>
+          <p:cNvPr id="233" name="Google Shape;372;p92" descr=""/>
           <p:cNvPicPr/>
           <p:nvPr/>
         </p:nvPicPr>
@@ -14093,7 +12272,7 @@
         <p:spPr>
           <a:xfrm>
             <a:off x="-75960" y="0"/>
-            <a:ext cx="9219240" cy="5142960"/>
+            <a:ext cx="9218880" cy="5142600"/>
           </a:xfrm>
           <a:prstGeom prst="rect">
             <a:avLst/>
@@ -14105,14 +12284,14 @@
       </p:pic>
       <p:sp>
         <p:nvSpPr>
-          <p:cNvPr id="273" name="Google Shape;373;p92"/>
+          <p:cNvPr id="234" name="Google Shape;373;p92"/>
           <p:cNvSpPr/>
           <p:nvPr/>
         </p:nvSpPr>
         <p:spPr>
           <a:xfrm>
             <a:off x="433080" y="553680"/>
-            <a:ext cx="4160880" cy="414720"/>
+            <a:ext cx="4160520" cy="414360"/>
           </a:xfrm>
           <a:prstGeom prst="roundRect">
             <a:avLst>
@@ -14142,14 +12321,14 @@
       </p:sp>
       <p:sp>
         <p:nvSpPr>
-          <p:cNvPr id="274" name="Google Shape;374;p92"/>
+          <p:cNvPr id="235" name="Google Shape;374;p92"/>
           <p:cNvSpPr/>
           <p:nvPr/>
         </p:nvSpPr>
         <p:spPr>
           <a:xfrm>
             <a:off x="428400" y="1890720"/>
-            <a:ext cx="7583760" cy="2056320"/>
+            <a:ext cx="7583400" cy="2056320"/>
           </a:xfrm>
           <a:prstGeom prst="rect">
             <a:avLst/>
@@ -14197,14 +12376,14 @@
       </p:sp>
       <p:sp>
         <p:nvSpPr>
-          <p:cNvPr id="275" name="Google Shape;375;p92"/>
+          <p:cNvPr id="236" name="Google Shape;375;p92"/>
           <p:cNvSpPr/>
           <p:nvPr/>
         </p:nvSpPr>
         <p:spPr>
           <a:xfrm>
             <a:off x="572040" y="553680"/>
-            <a:ext cx="4340520" cy="410760"/>
+            <a:ext cx="4340160" cy="410760"/>
           </a:xfrm>
           <a:prstGeom prst="rect">
             <a:avLst/>
@@ -14252,7 +12431,7 @@
       </p:sp>
       <p:pic>
         <p:nvPicPr>
-          <p:cNvPr id="276" name="Google Shape;376;p92" descr=""/>
+          <p:cNvPr id="237" name="Google Shape;376;p92" descr=""/>
           <p:cNvPicPr/>
           <p:nvPr/>
         </p:nvPicPr>
@@ -14263,7 +12442,7 @@
         <p:spPr>
           <a:xfrm>
             <a:off x="7913880" y="268920"/>
-            <a:ext cx="821520" cy="284040"/>
+            <a:ext cx="821160" cy="283680"/>
           </a:xfrm>
           <a:prstGeom prst="rect">
             <a:avLst/>
@@ -14305,7 +12484,7 @@
       </p:grpSpPr>
       <p:sp>
         <p:nvSpPr>
-          <p:cNvPr id="300" name="PlaceHolder 1"/>
+          <p:cNvPr id="260" name="PlaceHolder 1"/>
           <p:cNvSpPr>
             <a:spLocks noGrp="1"/>
           </p:cNvSpPr>
@@ -14316,7 +12495,7 @@
         <p:spPr>
           <a:xfrm>
             <a:off x="500400" y="330840"/>
-            <a:ext cx="8519760" cy="1095120"/>
+            <a:ext cx="8519400" cy="1094760"/>
           </a:xfrm>
           <a:prstGeom prst="rect">
             <a:avLst/>
@@ -14358,7 +12537,7 @@
       </p:sp>
       <p:pic>
         <p:nvPicPr>
-          <p:cNvPr id="301" name="" descr=""/>
+          <p:cNvPr id="261" name="" descr=""/>
           <p:cNvPicPr/>
           <p:nvPr/>
         </p:nvPicPr>
@@ -14369,7 +12548,7 @@
         <p:spPr>
           <a:xfrm>
             <a:off x="457200" y="914400"/>
-            <a:ext cx="4542480" cy="3997080"/>
+            <a:ext cx="4542120" cy="3996720"/>
           </a:xfrm>
           <a:prstGeom prst="rect">
             <a:avLst/>
@@ -14381,28 +12560,40 @@
       </p:pic>
       <p:sp>
         <p:nvSpPr>
-          <p:cNvPr id="302" name=""/>
-          <p:cNvSpPr txBox="1"/>
+          <p:cNvPr id="262" name=""/>
+          <p:cNvSpPr/>
           <p:nvPr/>
         </p:nvSpPr>
         <p:spPr>
           <a:xfrm>
             <a:off x="5257800" y="1371600"/>
-            <a:ext cx="3200400" cy="3657600"/>
-          </a:xfrm>
-          <a:prstGeom prst="rect">
-            <a:avLst/>
-          </a:prstGeom>
-          <a:noFill/>
-          <a:ln w="0">
-            <a:noFill/>
-          </a:ln>
-        </p:spPr>
+            <a:ext cx="3200040" cy="3657240"/>
+          </a:xfrm>
+          <a:prstGeom prst="rect">
+            <a:avLst/>
+          </a:prstGeom>
+          <a:noFill/>
+          <a:ln w="0">
+            <a:noFill/>
+          </a:ln>
+        </p:spPr>
+        <p:style>
+          <a:lnRef idx="0"/>
+          <a:fillRef idx="0"/>
+          <a:effectRef idx="0"/>
+          <a:fontRef idx="minor"/>
+        </p:style>
         <p:txBody>
           <a:bodyPr lIns="90000" rIns="90000" tIns="45000" bIns="45000" anchor="t">
             <a:noAutofit/>
           </a:bodyPr>
           <a:p>
+            <a:pPr>
+              <a:lnSpc>
+                <a:spcPct val="100000"/>
+              </a:lnSpc>
+              <a:buNone/>
+            </a:pPr>
             <a:r>
               <a:rPr b="0" lang="en-US" sz="1800" spc="-1" strike="noStrike">
                 <a:latin typeface="Arial"/>
@@ -14414,6 +12605,12 @@
             </a:endParaRPr>
           </a:p>
           <a:p>
+            <a:pPr>
+              <a:lnSpc>
+                <a:spcPct val="100000"/>
+              </a:lnSpc>
+              <a:buNone/>
+            </a:pPr>
             <a:r>
               <a:rPr b="0" lang="en-US" sz="1800" spc="-1" strike="noStrike">
                 <a:latin typeface="Arial"/>
@@ -14425,6 +12622,12 @@
             </a:endParaRPr>
           </a:p>
           <a:p>
+            <a:pPr>
+              <a:lnSpc>
+                <a:spcPct val="100000"/>
+              </a:lnSpc>
+              <a:buNone/>
+            </a:pPr>
             <a:endParaRPr b="0" lang="en-US" sz="1800" spc="-1" strike="noStrike">
               <a:latin typeface="Arial"/>
             </a:endParaRPr>
@@ -14463,7 +12666,7 @@
       </p:grpSpPr>
       <p:sp>
         <p:nvSpPr>
-          <p:cNvPr id="303" name="PlaceHolder 1"/>
+          <p:cNvPr id="263" name="PlaceHolder 1"/>
           <p:cNvSpPr>
             <a:spLocks noGrp="1"/>
           </p:cNvSpPr>
@@ -14474,7 +12677,7 @@
         <p:spPr>
           <a:xfrm>
             <a:off x="500400" y="330840"/>
-            <a:ext cx="8519760" cy="1095120"/>
+            <a:ext cx="8519400" cy="1094760"/>
           </a:xfrm>
           <a:prstGeom prst="rect">
             <a:avLst/>
@@ -14516,7 +12719,7 @@
       </p:sp>
       <p:pic>
         <p:nvPicPr>
-          <p:cNvPr id="304" name="" descr=""/>
+          <p:cNvPr id="264" name="" descr=""/>
           <p:cNvPicPr/>
           <p:nvPr/>
         </p:nvPicPr>
@@ -14527,7 +12730,7 @@
         <p:spPr>
           <a:xfrm>
             <a:off x="249120" y="1143000"/>
-            <a:ext cx="5008680" cy="3790440"/>
+            <a:ext cx="5008320" cy="3790080"/>
           </a:xfrm>
           <a:prstGeom prst="rect">
             <a:avLst/>
@@ -14539,28 +12742,40 @@
       </p:pic>
       <p:sp>
         <p:nvSpPr>
-          <p:cNvPr id="305" name=""/>
-          <p:cNvSpPr txBox="1"/>
+          <p:cNvPr id="265" name=""/>
+          <p:cNvSpPr/>
           <p:nvPr/>
         </p:nvSpPr>
         <p:spPr>
           <a:xfrm>
             <a:off x="5486400" y="1171800"/>
-            <a:ext cx="3200400" cy="1114200"/>
-          </a:xfrm>
-          <a:prstGeom prst="rect">
-            <a:avLst/>
-          </a:prstGeom>
-          <a:noFill/>
-          <a:ln w="0">
-            <a:noFill/>
-          </a:ln>
-        </p:spPr>
+            <a:ext cx="3200040" cy="1113840"/>
+          </a:xfrm>
+          <a:prstGeom prst="rect">
+            <a:avLst/>
+          </a:prstGeom>
+          <a:noFill/>
+          <a:ln w="0">
+            <a:noFill/>
+          </a:ln>
+        </p:spPr>
+        <p:style>
+          <a:lnRef idx="0"/>
+          <a:fillRef idx="0"/>
+          <a:effectRef idx="0"/>
+          <a:fontRef idx="minor"/>
+        </p:style>
         <p:txBody>
           <a:bodyPr lIns="90000" rIns="90000" tIns="45000" bIns="45000" anchor="t">
             <a:noAutofit/>
           </a:bodyPr>
           <a:p>
+            <a:pPr>
+              <a:lnSpc>
+                <a:spcPct val="100000"/>
+              </a:lnSpc>
+              <a:buNone/>
+            </a:pPr>
             <a:r>
               <a:rPr b="0" lang="en-US" sz="1800" spc="-1" strike="noStrike">
                 <a:latin typeface="Arial"/>
@@ -14572,6 +12787,12 @@
             </a:endParaRPr>
           </a:p>
           <a:p>
+            <a:pPr>
+              <a:lnSpc>
+                <a:spcPct val="100000"/>
+              </a:lnSpc>
+              <a:buNone/>
+            </a:pPr>
             <a:r>
               <a:rPr b="0" lang="en-US" sz="1800" spc="-1" strike="noStrike">
                 <a:latin typeface="Arial"/>
@@ -14616,7 +12837,7 @@
       </p:grpSpPr>
       <p:sp>
         <p:nvSpPr>
-          <p:cNvPr id="306" name="PlaceHolder 1"/>
+          <p:cNvPr id="266" name="PlaceHolder 1"/>
           <p:cNvSpPr>
             <a:spLocks noGrp="1"/>
           </p:cNvSpPr>
@@ -14627,7 +12848,7 @@
         <p:spPr>
           <a:xfrm>
             <a:off x="500400" y="330840"/>
-            <a:ext cx="8519760" cy="1095120"/>
+            <a:ext cx="8519400" cy="1094760"/>
           </a:xfrm>
           <a:prstGeom prst="rect">
             <a:avLst/>
@@ -14669,7 +12890,7 @@
       </p:sp>
       <p:pic>
         <p:nvPicPr>
-          <p:cNvPr id="307" name="" descr=""/>
+          <p:cNvPr id="267" name="" descr=""/>
           <p:cNvPicPr/>
           <p:nvPr/>
         </p:nvPicPr>
@@ -14680,7 +12901,7 @@
         <p:spPr>
           <a:xfrm>
             <a:off x="237600" y="1143000"/>
-            <a:ext cx="4984200" cy="3790440"/>
+            <a:ext cx="4983840" cy="3790080"/>
           </a:xfrm>
           <a:prstGeom prst="rect">
             <a:avLst/>
@@ -14692,28 +12913,40 @@
       </p:pic>
       <p:sp>
         <p:nvSpPr>
-          <p:cNvPr id="308" name=""/>
-          <p:cNvSpPr txBox="1"/>
+          <p:cNvPr id="268" name=""/>
+          <p:cNvSpPr/>
           <p:nvPr/>
         </p:nvSpPr>
         <p:spPr>
           <a:xfrm>
             <a:off x="5486400" y="1143000"/>
-            <a:ext cx="3200400" cy="602280"/>
-          </a:xfrm>
-          <a:prstGeom prst="rect">
-            <a:avLst/>
-          </a:prstGeom>
-          <a:noFill/>
-          <a:ln w="0">
-            <a:noFill/>
-          </a:ln>
-        </p:spPr>
+            <a:ext cx="3200040" cy="601920"/>
+          </a:xfrm>
+          <a:prstGeom prst="rect">
+            <a:avLst/>
+          </a:prstGeom>
+          <a:noFill/>
+          <a:ln w="0">
+            <a:noFill/>
+          </a:ln>
+        </p:spPr>
+        <p:style>
+          <a:lnRef idx="0"/>
+          <a:fillRef idx="0"/>
+          <a:effectRef idx="0"/>
+          <a:fontRef idx="minor"/>
+        </p:style>
         <p:txBody>
           <a:bodyPr lIns="90000" rIns="90000" tIns="45000" bIns="45000" anchor="t">
             <a:noAutofit/>
           </a:bodyPr>
           <a:p>
+            <a:pPr>
+              <a:lnSpc>
+                <a:spcPct val="100000"/>
+              </a:lnSpc>
+              <a:buNone/>
+            </a:pPr>
             <a:r>
               <a:rPr b="0" lang="en-US" sz="1800" spc="-1" strike="noStrike">
                 <a:latin typeface="Arial"/>
@@ -14758,7 +12991,7 @@
       </p:grpSpPr>
       <p:sp>
         <p:nvSpPr>
-          <p:cNvPr id="309" name="PlaceHolder 1"/>
+          <p:cNvPr id="269" name="PlaceHolder 1"/>
           <p:cNvSpPr>
             <a:spLocks noGrp="1"/>
           </p:cNvSpPr>
@@ -14769,7 +13002,7 @@
         <p:spPr>
           <a:xfrm>
             <a:off x="500400" y="330840"/>
-            <a:ext cx="8519760" cy="1095120"/>
+            <a:ext cx="8519400" cy="1094760"/>
           </a:xfrm>
           <a:prstGeom prst="rect">
             <a:avLst/>
@@ -14811,13 +13044,13 @@
       </p:sp>
       <p:graphicFrame>
         <p:nvGraphicFramePr>
-          <p:cNvPr id="310" name=""/>
+          <p:cNvPr id="270" name=""/>
           <p:cNvGraphicFramePr/>
           <p:nvPr/>
         </p:nvGraphicFramePr>
         <p:xfrm>
           <a:off x="781200" y="1165320"/>
-          <a:ext cx="7772040" cy="2035080"/>
+          <a:ext cx="7772040" cy="3135960"/>
         </p:xfrm>
         <a:graphic>
           <a:graphicData uri="http://schemas.openxmlformats.org/drawingml/2006/table">
@@ -14833,10 +13066,16 @@
               <a:tr h="522720">
                 <a:tc>
                   <a:txBody>
-                    <a:bodyPr lIns="90000" rIns="90000" tIns="46800" bIns="46800" anchor="t">
+                    <a:bodyPr lIns="90000" rIns="90000" anchor="t">
                       <a:noAutofit/>
                     </a:bodyPr>
                     <a:p>
+                      <a:pPr>
+                        <a:lnSpc>
+                          <a:spcPct val="100000"/>
+                        </a:lnSpc>
+                        <a:buNone/>
+                      </a:pPr>
                       <a:r>
                         <a:rPr b="0" lang="en-US" sz="1800" spc="-1" strike="noStrike">
                           <a:latin typeface="Arial"/>
@@ -14876,10 +13115,16 @@
                 </a:tc>
                 <a:tc>
                   <a:txBody>
-                    <a:bodyPr lIns="90000" rIns="90000" tIns="46800" bIns="46800" anchor="t">
+                    <a:bodyPr lIns="90000" rIns="90000" anchor="t">
                       <a:noAutofit/>
                     </a:bodyPr>
                     <a:p>
+                      <a:pPr>
+                        <a:lnSpc>
+                          <a:spcPct val="100000"/>
+                        </a:lnSpc>
+                        <a:buNone/>
+                      </a:pPr>
                       <a:r>
                         <a:rPr b="0" lang="en-US" sz="1800" spc="-1" strike="noStrike">
                           <a:latin typeface="Arial"/>
@@ -14919,10 +13164,16 @@
                 </a:tc>
                 <a:tc>
                   <a:txBody>
-                    <a:bodyPr lIns="90000" rIns="90000" tIns="46800" bIns="46800" anchor="t">
+                    <a:bodyPr lIns="90000" rIns="90000" anchor="t">
                       <a:noAutofit/>
                     </a:bodyPr>
                     <a:p>
+                      <a:pPr>
+                        <a:lnSpc>
+                          <a:spcPct val="100000"/>
+                        </a:lnSpc>
+                        <a:buNone/>
+                      </a:pPr>
                       <a:r>
                         <a:rPr b="0" lang="en-US" sz="1800" spc="-1" strike="noStrike">
                           <a:latin typeface="Arial"/>
@@ -14962,10 +13213,16 @@
                 </a:tc>
                 <a:tc>
                   <a:txBody>
-                    <a:bodyPr lIns="90000" rIns="90000" tIns="46800" bIns="46800" anchor="t">
+                    <a:bodyPr lIns="90000" rIns="90000" anchor="t">
                       <a:noAutofit/>
                     </a:bodyPr>
                     <a:p>
+                      <a:pPr>
+                        <a:lnSpc>
+                          <a:spcPct val="100000"/>
+                        </a:lnSpc>
+                        <a:buNone/>
+                      </a:pPr>
                       <a:r>
                         <a:rPr b="0" lang="en-US" sz="1800" spc="-1" strike="noStrike">
                           <a:latin typeface="Arial"/>
@@ -15005,10 +13262,16 @@
                 </a:tc>
                 <a:tc>
                   <a:txBody>
-                    <a:bodyPr lIns="90000" rIns="90000" tIns="46800" bIns="46800" anchor="t">
+                    <a:bodyPr lIns="90000" rIns="90000" anchor="t">
                       <a:noAutofit/>
                     </a:bodyPr>
                     <a:p>
+                      <a:pPr>
+                        <a:lnSpc>
+                          <a:spcPct val="100000"/>
+                        </a:lnSpc>
+                        <a:buNone/>
+                      </a:pPr>
                       <a:r>
                         <a:rPr b="0" lang="en-US" sz="1800" spc="-1" strike="noStrike">
                           <a:latin typeface="Arial"/>
@@ -15050,10 +13313,16 @@
               <a:tr h="522720">
                 <a:tc>
                   <a:txBody>
-                    <a:bodyPr lIns="90000" rIns="90000" tIns="46800" bIns="46800" anchor="t">
+                    <a:bodyPr lIns="90000" rIns="90000" anchor="t">
                       <a:noAutofit/>
                     </a:bodyPr>
                     <a:p>
+                      <a:pPr>
+                        <a:lnSpc>
+                          <a:spcPct val="100000"/>
+                        </a:lnSpc>
+                        <a:buNone/>
+                      </a:pPr>
                       <a:r>
                         <a:rPr b="0" lang="en-US" sz="1800" spc="-1" strike="noStrike">
                           <a:latin typeface="Arial"/>
@@ -15093,10 +13362,16 @@
                 </a:tc>
                 <a:tc>
                   <a:txBody>
-                    <a:bodyPr lIns="90000" rIns="90000" tIns="46800" bIns="46800" anchor="t">
+                    <a:bodyPr lIns="90000" rIns="90000" anchor="t">
                       <a:noAutofit/>
                     </a:bodyPr>
                     <a:p>
+                      <a:pPr>
+                        <a:lnSpc>
+                          <a:spcPct val="100000"/>
+                        </a:lnSpc>
+                        <a:buNone/>
+                      </a:pPr>
                       <a:r>
                         <a:rPr b="0" lang="en-US" sz="1800" spc="-1" strike="noStrike">
                           <a:latin typeface="Arial"/>
@@ -15136,10 +13411,16 @@
                 </a:tc>
                 <a:tc>
                   <a:txBody>
-                    <a:bodyPr lIns="90000" rIns="90000" tIns="46800" bIns="46800" anchor="t">
+                    <a:bodyPr lIns="90000" rIns="90000" anchor="t">
                       <a:noAutofit/>
                     </a:bodyPr>
                     <a:p>
+                      <a:pPr>
+                        <a:lnSpc>
+                          <a:spcPct val="100000"/>
+                        </a:lnSpc>
+                        <a:buNone/>
+                      </a:pPr>
                       <a:r>
                         <a:rPr b="0" lang="en-US" sz="1800" spc="-1" strike="noStrike">
                           <a:latin typeface="Arial"/>
@@ -15179,10 +13460,16 @@
                 </a:tc>
                 <a:tc>
                   <a:txBody>
-                    <a:bodyPr lIns="90000" rIns="90000" tIns="46800" bIns="46800" anchor="t">
+                    <a:bodyPr lIns="90000" rIns="90000" anchor="t">
                       <a:noAutofit/>
                     </a:bodyPr>
                     <a:p>
+                      <a:pPr>
+                        <a:lnSpc>
+                          <a:spcPct val="100000"/>
+                        </a:lnSpc>
+                        <a:buNone/>
+                      </a:pPr>
                       <a:r>
                         <a:rPr b="0" lang="en-US" sz="1800" spc="-1" strike="noStrike">
                           <a:latin typeface="Arial"/>
@@ -15222,10 +13509,16 @@
                 </a:tc>
                 <a:tc>
                   <a:txBody>
-                    <a:bodyPr lIns="90000" rIns="90000" tIns="46800" bIns="46800" anchor="t">
+                    <a:bodyPr lIns="90000" rIns="90000" anchor="t">
                       <a:noAutofit/>
                     </a:bodyPr>
                     <a:p>
+                      <a:pPr>
+                        <a:lnSpc>
+                          <a:spcPct val="100000"/>
+                        </a:lnSpc>
+                        <a:buNone/>
+                      </a:pPr>
                       <a:r>
                         <a:rPr b="0" lang="en-US" sz="1800" spc="-1" strike="noStrike">
                           <a:latin typeface="Arial"/>
@@ -15267,10 +13560,16 @@
               <a:tr h="522720">
                 <a:tc>
                   <a:txBody>
-                    <a:bodyPr lIns="90000" rIns="90000" tIns="46800" bIns="46800" anchor="t">
+                    <a:bodyPr lIns="90000" rIns="90000" anchor="t">
                       <a:noAutofit/>
                     </a:bodyPr>
                     <a:p>
+                      <a:pPr>
+                        <a:lnSpc>
+                          <a:spcPct val="100000"/>
+                        </a:lnSpc>
+                        <a:buNone/>
+                      </a:pPr>
                       <a:r>
                         <a:rPr b="0" lang="en-US" sz="1800" spc="-1" strike="noStrike">
                           <a:latin typeface="Arial"/>
@@ -15310,10 +13609,16 @@
                 </a:tc>
                 <a:tc>
                   <a:txBody>
-                    <a:bodyPr lIns="90000" rIns="90000" tIns="46800" bIns="46800" anchor="t">
+                    <a:bodyPr lIns="90000" rIns="90000" anchor="t">
                       <a:noAutofit/>
                     </a:bodyPr>
                     <a:p>
+                      <a:pPr>
+                        <a:lnSpc>
+                          <a:spcPct val="100000"/>
+                        </a:lnSpc>
+                        <a:buNone/>
+                      </a:pPr>
                       <a:r>
                         <a:rPr b="0" lang="en-US" sz="1800" spc="-1" strike="noStrike">
                           <a:latin typeface="Arial"/>
@@ -15353,10 +13658,16 @@
                 </a:tc>
                 <a:tc>
                   <a:txBody>
-                    <a:bodyPr lIns="90000" rIns="90000" tIns="46800" bIns="46800" anchor="t">
+                    <a:bodyPr lIns="90000" rIns="90000" anchor="t">
                       <a:noAutofit/>
                     </a:bodyPr>
                     <a:p>
+                      <a:pPr>
+                        <a:lnSpc>
+                          <a:spcPct val="100000"/>
+                        </a:lnSpc>
+                        <a:buNone/>
+                      </a:pPr>
                       <a:r>
                         <a:rPr b="0" lang="en-US" sz="1800" spc="-1" strike="noStrike">
                           <a:latin typeface="Arial"/>
@@ -15396,10 +13707,16 @@
                 </a:tc>
                 <a:tc>
                   <a:txBody>
-                    <a:bodyPr lIns="90000" rIns="90000" tIns="46800" bIns="46800" anchor="t">
+                    <a:bodyPr lIns="90000" rIns="90000" anchor="t">
                       <a:noAutofit/>
                     </a:bodyPr>
                     <a:p>
+                      <a:pPr>
+                        <a:lnSpc>
+                          <a:spcPct val="100000"/>
+                        </a:lnSpc>
+                        <a:buNone/>
+                      </a:pPr>
                       <a:r>
                         <a:rPr b="0" lang="en-US" sz="1800" spc="-1" strike="noStrike">
                           <a:latin typeface="Arial"/>
@@ -15439,10 +13756,16 @@
                 </a:tc>
                 <a:tc>
                   <a:txBody>
-                    <a:bodyPr lIns="90000" rIns="90000" tIns="46800" bIns="46800" anchor="t">
+                    <a:bodyPr lIns="90000" rIns="90000" anchor="t">
                       <a:noAutofit/>
                     </a:bodyPr>
                     <a:p>
+                      <a:pPr>
+                        <a:lnSpc>
+                          <a:spcPct val="100000"/>
+                        </a:lnSpc>
+                        <a:buNone/>
+                      </a:pPr>
                       <a:r>
                         <a:rPr b="0" lang="en-US" sz="1800" spc="-1" strike="noStrike">
                           <a:latin typeface="Arial"/>
@@ -15484,10 +13807,16 @@
               <a:tr h="522720">
                 <a:tc>
                   <a:txBody>
-                    <a:bodyPr lIns="90000" rIns="90000" tIns="46800" bIns="46800" anchor="t">
+                    <a:bodyPr lIns="90000" rIns="90000" anchor="t">
                       <a:noAutofit/>
                     </a:bodyPr>
                     <a:p>
+                      <a:pPr>
+                        <a:lnSpc>
+                          <a:spcPct val="100000"/>
+                        </a:lnSpc>
+                        <a:buNone/>
+                      </a:pPr>
                       <a:r>
                         <a:rPr b="0" lang="en-US" sz="1800" spc="-1" strike="noStrike">
                           <a:latin typeface="Arial"/>
@@ -15527,10 +13856,16 @@
                 </a:tc>
                 <a:tc>
                   <a:txBody>
-                    <a:bodyPr lIns="90000" rIns="90000" tIns="46800" bIns="46800" anchor="t">
+                    <a:bodyPr lIns="90000" rIns="90000" anchor="t">
                       <a:noAutofit/>
                     </a:bodyPr>
                     <a:p>
+                      <a:pPr>
+                        <a:lnSpc>
+                          <a:spcPct val="100000"/>
+                        </a:lnSpc>
+                        <a:buNone/>
+                      </a:pPr>
                       <a:r>
                         <a:rPr b="0" lang="en-US" sz="1800" spc="-1" strike="noStrike">
                           <a:latin typeface="Arial"/>
@@ -15570,10 +13905,16 @@
                 </a:tc>
                 <a:tc>
                   <a:txBody>
-                    <a:bodyPr lIns="90000" rIns="90000" tIns="46800" bIns="46800" anchor="t">
+                    <a:bodyPr lIns="90000" rIns="90000" anchor="t">
                       <a:noAutofit/>
                     </a:bodyPr>
                     <a:p>
+                      <a:pPr>
+                        <a:lnSpc>
+                          <a:spcPct val="100000"/>
+                        </a:lnSpc>
+                        <a:buNone/>
+                      </a:pPr>
                       <a:r>
                         <a:rPr b="0" lang="en-US" sz="1800" spc="-1" strike="noStrike">
                           <a:latin typeface="Arial"/>
@@ -15613,10 +13954,16 @@
                 </a:tc>
                 <a:tc>
                   <a:txBody>
-                    <a:bodyPr lIns="90000" rIns="90000" tIns="46800" bIns="46800" anchor="t">
+                    <a:bodyPr lIns="90000" rIns="90000" anchor="t">
                       <a:noAutofit/>
                     </a:bodyPr>
                     <a:p>
+                      <a:pPr>
+                        <a:lnSpc>
+                          <a:spcPct val="100000"/>
+                        </a:lnSpc>
+                        <a:buNone/>
+                      </a:pPr>
                       <a:r>
                         <a:rPr b="0" lang="en-US" sz="1800" spc="-1" strike="noStrike">
                           <a:latin typeface="Arial"/>
@@ -15656,10 +14003,16 @@
                 </a:tc>
                 <a:tc>
                   <a:txBody>
-                    <a:bodyPr lIns="90000" rIns="90000" tIns="46800" bIns="46800" anchor="t">
+                    <a:bodyPr lIns="90000" rIns="90000" anchor="t">
                       <a:noAutofit/>
                     </a:bodyPr>
                     <a:p>
+                      <a:pPr>
+                        <a:lnSpc>
+                          <a:spcPct val="100000"/>
+                        </a:lnSpc>
+                        <a:buNone/>
+                      </a:pPr>
                       <a:r>
                         <a:rPr b="0" lang="en-US" sz="1800" spc="-1" strike="noStrike">
                           <a:latin typeface="Arial"/>
@@ -15701,10 +14054,16 @@
               <a:tr h="522720">
                 <a:tc>
                   <a:txBody>
-                    <a:bodyPr lIns="90000" rIns="90000" tIns="46800" bIns="46800" anchor="t">
+                    <a:bodyPr lIns="90000" rIns="90000" anchor="t">
                       <a:noAutofit/>
                     </a:bodyPr>
                     <a:p>
+                      <a:pPr>
+                        <a:lnSpc>
+                          <a:spcPct val="100000"/>
+                        </a:lnSpc>
+                        <a:buNone/>
+                      </a:pPr>
                       <a:r>
                         <a:rPr b="0" lang="en-US" sz="1800" spc="-1" strike="noStrike">
                           <a:latin typeface="Arial"/>
@@ -15744,10 +14103,16 @@
                 </a:tc>
                 <a:tc>
                   <a:txBody>
-                    <a:bodyPr lIns="90000" rIns="90000" tIns="46800" bIns="46800" anchor="t">
+                    <a:bodyPr lIns="90000" rIns="90000" anchor="t">
                       <a:noAutofit/>
                     </a:bodyPr>
                     <a:p>
+                      <a:pPr>
+                        <a:lnSpc>
+                          <a:spcPct val="100000"/>
+                        </a:lnSpc>
+                        <a:buNone/>
+                      </a:pPr>
                       <a:r>
                         <a:rPr b="0" lang="en-US" sz="1800" spc="-1" strike="noStrike">
                           <a:latin typeface="Arial"/>
@@ -15787,10 +14152,16 @@
                 </a:tc>
                 <a:tc>
                   <a:txBody>
-                    <a:bodyPr lIns="90000" rIns="90000" tIns="46800" bIns="46800" anchor="t">
+                    <a:bodyPr lIns="90000" rIns="90000" anchor="t">
                       <a:noAutofit/>
                     </a:bodyPr>
                     <a:p>
+                      <a:pPr>
+                        <a:lnSpc>
+                          <a:spcPct val="100000"/>
+                        </a:lnSpc>
+                        <a:buNone/>
+                      </a:pPr>
                       <a:r>
                         <a:rPr b="0" lang="en-US" sz="1800" spc="-1" strike="noStrike">
                           <a:latin typeface="Arial"/>
@@ -15830,10 +14201,16 @@
                 </a:tc>
                 <a:tc>
                   <a:txBody>
-                    <a:bodyPr lIns="90000" rIns="90000" tIns="46800" bIns="46800" anchor="t">
+                    <a:bodyPr lIns="90000" rIns="90000" anchor="t">
                       <a:noAutofit/>
                     </a:bodyPr>
                     <a:p>
+                      <a:pPr>
+                        <a:lnSpc>
+                          <a:spcPct val="100000"/>
+                        </a:lnSpc>
+                        <a:buNone/>
+                      </a:pPr>
                       <a:r>
                         <a:rPr b="0" lang="en-US" sz="1800" spc="-1" strike="noStrike">
                           <a:latin typeface="Arial"/>
@@ -15873,10 +14250,16 @@
                 </a:tc>
                 <a:tc>
                   <a:txBody>
-                    <a:bodyPr lIns="90000" rIns="90000" tIns="46800" bIns="46800" anchor="t">
+                    <a:bodyPr lIns="90000" rIns="90000" anchor="t">
                       <a:noAutofit/>
                     </a:bodyPr>
                     <a:p>
+                      <a:pPr>
+                        <a:lnSpc>
+                          <a:spcPct val="100000"/>
+                        </a:lnSpc>
+                        <a:buNone/>
+                      </a:pPr>
                       <a:r>
                         <a:rPr b="0" lang="en-US" sz="1800" spc="-1" strike="noStrike">
                           <a:latin typeface="Arial"/>
@@ -15918,10 +14301,16 @@
               <a:tr h="522720">
                 <a:tc>
                   <a:txBody>
-                    <a:bodyPr lIns="90000" rIns="90000" tIns="46800" bIns="46800" anchor="t">
+                    <a:bodyPr lIns="90000" rIns="90000" anchor="t">
                       <a:noAutofit/>
                     </a:bodyPr>
                     <a:p>
+                      <a:pPr>
+                        <a:lnSpc>
+                          <a:spcPct val="100000"/>
+                        </a:lnSpc>
+                        <a:buNone/>
+                      </a:pPr>
                       <a:r>
                         <a:rPr b="0" lang="en-US" sz="1800" spc="-1" strike="noStrike">
                           <a:latin typeface="Arial"/>
@@ -15961,10 +14350,16 @@
                 </a:tc>
                 <a:tc>
                   <a:txBody>
-                    <a:bodyPr lIns="90000" rIns="90000" tIns="46800" bIns="46800" anchor="t">
+                    <a:bodyPr lIns="90000" rIns="90000" anchor="t">
                       <a:noAutofit/>
                     </a:bodyPr>
                     <a:p>
+                      <a:pPr>
+                        <a:lnSpc>
+                          <a:spcPct val="100000"/>
+                        </a:lnSpc>
+                        <a:buNone/>
+                      </a:pPr>
                       <a:r>
                         <a:rPr b="0" lang="en-US" sz="1800" spc="-1" strike="noStrike">
                           <a:latin typeface="Arial"/>
@@ -16004,10 +14399,16 @@
                 </a:tc>
                 <a:tc>
                   <a:txBody>
-                    <a:bodyPr lIns="90000" rIns="90000" tIns="46800" bIns="46800" anchor="t">
+                    <a:bodyPr lIns="90000" rIns="90000" anchor="t">
                       <a:noAutofit/>
                     </a:bodyPr>
                     <a:p>
+                      <a:pPr>
+                        <a:lnSpc>
+                          <a:spcPct val="100000"/>
+                        </a:lnSpc>
+                        <a:buNone/>
+                      </a:pPr>
                       <a:r>
                         <a:rPr b="0" lang="en-US" sz="1800" spc="-1" strike="noStrike">
                           <a:latin typeface="Arial"/>
@@ -16047,10 +14448,16 @@
                 </a:tc>
                 <a:tc>
                   <a:txBody>
-                    <a:bodyPr lIns="90000" rIns="90000" tIns="46800" bIns="46800" anchor="t">
+                    <a:bodyPr lIns="90000" rIns="90000" anchor="t">
                       <a:noAutofit/>
                     </a:bodyPr>
                     <a:p>
+                      <a:pPr>
+                        <a:lnSpc>
+                          <a:spcPct val="100000"/>
+                        </a:lnSpc>
+                        <a:buNone/>
+                      </a:pPr>
                       <a:r>
                         <a:rPr b="0" lang="en-US" sz="1800" spc="-1" strike="noStrike">
                           <a:latin typeface="Arial"/>
@@ -16090,10 +14497,16 @@
                 </a:tc>
                 <a:tc>
                   <a:txBody>
-                    <a:bodyPr lIns="90000" rIns="90000" tIns="46800" bIns="46800" anchor="t">
+                    <a:bodyPr lIns="90000" rIns="90000" anchor="t">
                       <a:noAutofit/>
                     </a:bodyPr>
                     <a:p>
+                      <a:pPr>
+                        <a:lnSpc>
+                          <a:spcPct val="100000"/>
+                        </a:lnSpc>
+                        <a:buNone/>
+                      </a:pPr>
                       <a:r>
                         <a:rPr b="0" lang="en-US" sz="1800" spc="-1" strike="noStrike">
                           <a:latin typeface="Arial"/>
@@ -16168,7 +14581,7 @@
       </p:grpSpPr>
       <p:sp>
         <p:nvSpPr>
-          <p:cNvPr id="311" name="PlaceHolder 1"/>
+          <p:cNvPr id="271" name="PlaceHolder 1"/>
           <p:cNvSpPr>
             <a:spLocks noGrp="1"/>
           </p:cNvSpPr>
@@ -16179,7 +14592,7 @@
         <p:spPr>
           <a:xfrm>
             <a:off x="500400" y="330840"/>
-            <a:ext cx="8519760" cy="1095120"/>
+            <a:ext cx="8519400" cy="1094760"/>
           </a:xfrm>
           <a:prstGeom prst="rect">
             <a:avLst/>
@@ -16221,7 +14634,7 @@
       </p:sp>
       <p:pic>
         <p:nvPicPr>
-          <p:cNvPr id="312" name="" descr=""/>
+          <p:cNvPr id="272" name="" descr=""/>
           <p:cNvPicPr/>
           <p:nvPr/>
         </p:nvPicPr>
@@ -16232,7 +14645,7 @@
         <p:spPr>
           <a:xfrm>
             <a:off x="876240" y="885960"/>
-            <a:ext cx="7581960" cy="4143240"/>
+            <a:ext cx="7581600" cy="4142880"/>
           </a:xfrm>
           <a:prstGeom prst="rect">
             <a:avLst/>
@@ -16274,7 +14687,7 @@
       </p:grpSpPr>
       <p:sp>
         <p:nvSpPr>
-          <p:cNvPr id="313" name="PlaceHolder 1"/>
+          <p:cNvPr id="273" name="PlaceHolder 1"/>
           <p:cNvSpPr>
             <a:spLocks noGrp="1"/>
           </p:cNvSpPr>
@@ -16285,7 +14698,7 @@
         <p:spPr>
           <a:xfrm>
             <a:off x="500400" y="330840"/>
-            <a:ext cx="8519760" cy="1095120"/>
+            <a:ext cx="8519400" cy="1094760"/>
           </a:xfrm>
           <a:prstGeom prst="rect">
             <a:avLst/>
@@ -16327,7 +14740,7 @@
       </p:sp>
       <p:pic>
         <p:nvPicPr>
-          <p:cNvPr id="314" name="" descr=""/>
+          <p:cNvPr id="274" name="" descr=""/>
           <p:cNvPicPr/>
           <p:nvPr/>
         </p:nvPicPr>
@@ -16338,7 +14751,7 @@
         <p:spPr>
           <a:xfrm>
             <a:off x="914400" y="906840"/>
-            <a:ext cx="7543800" cy="4122360"/>
+            <a:ext cx="7543440" cy="4122000"/>
           </a:xfrm>
           <a:prstGeom prst="rect">
             <a:avLst/>
@@ -16380,7 +14793,7 @@
       </p:grpSpPr>
       <p:sp>
         <p:nvSpPr>
-          <p:cNvPr id="315" name="PlaceHolder 1"/>
+          <p:cNvPr id="275" name="PlaceHolder 1"/>
           <p:cNvSpPr>
             <a:spLocks noGrp="1"/>
           </p:cNvSpPr>
@@ -16391,7 +14804,7 @@
         <p:spPr>
           <a:xfrm>
             <a:off x="500400" y="330840"/>
-            <a:ext cx="8519760" cy="1095120"/>
+            <a:ext cx="8519400" cy="1094760"/>
           </a:xfrm>
           <a:prstGeom prst="rect">
             <a:avLst/>
@@ -16433,7 +14846,7 @@
       </p:sp>
       <p:pic>
         <p:nvPicPr>
-          <p:cNvPr id="316" name="" descr=""/>
+          <p:cNvPr id="276" name="" descr=""/>
           <p:cNvPicPr/>
           <p:nvPr/>
         </p:nvPicPr>
@@ -16444,7 +14857,7 @@
         <p:spPr>
           <a:xfrm>
             <a:off x="914400" y="885960"/>
-            <a:ext cx="7581960" cy="4143240"/>
+            <a:ext cx="7581600" cy="4142880"/>
           </a:xfrm>
           <a:prstGeom prst="rect">
             <a:avLst/>
@@ -16486,7 +14899,7 @@
       </p:grpSpPr>
       <p:sp>
         <p:nvSpPr>
-          <p:cNvPr id="317" name="PlaceHolder 1"/>
+          <p:cNvPr id="277" name="PlaceHolder 1"/>
           <p:cNvSpPr>
             <a:spLocks noGrp="1"/>
           </p:cNvSpPr>
@@ -16497,7 +14910,7 @@
         <p:spPr>
           <a:xfrm>
             <a:off x="500400" y="330840"/>
-            <a:ext cx="8519760" cy="1095120"/>
+            <a:ext cx="8519400" cy="1094760"/>
           </a:xfrm>
           <a:prstGeom prst="rect">
             <a:avLst/>
@@ -16539,7 +14952,7 @@
       </p:sp>
       <p:pic>
         <p:nvPicPr>
-          <p:cNvPr id="318" name="" descr=""/>
+          <p:cNvPr id="278" name="" descr=""/>
           <p:cNvPicPr/>
           <p:nvPr/>
         </p:nvPicPr>
@@ -16550,7 +14963,7 @@
         <p:spPr>
           <a:xfrm>
             <a:off x="908640" y="914400"/>
-            <a:ext cx="7529760" cy="4114800"/>
+            <a:ext cx="7529400" cy="4114440"/>
           </a:xfrm>
           <a:prstGeom prst="rect">
             <a:avLst/>
@@ -16592,7 +15005,7 @@
       </p:grpSpPr>
       <p:sp>
         <p:nvSpPr>
-          <p:cNvPr id="319" name="PlaceHolder 1"/>
+          <p:cNvPr id="279" name="PlaceHolder 1"/>
           <p:cNvSpPr>
             <a:spLocks noGrp="1"/>
           </p:cNvSpPr>
@@ -16603,7 +15016,7 @@
         <p:spPr>
           <a:xfrm>
             <a:off x="500400" y="330840"/>
-            <a:ext cx="8519760" cy="1095120"/>
+            <a:ext cx="8519400" cy="1094760"/>
           </a:xfrm>
           <a:prstGeom prst="rect">
             <a:avLst/>
@@ -16645,7 +15058,7 @@
       </p:sp>
       <p:pic>
         <p:nvPicPr>
-          <p:cNvPr id="320" name="" descr=""/>
+          <p:cNvPr id="280" name="" descr=""/>
           <p:cNvPicPr/>
           <p:nvPr/>
         </p:nvPicPr>
@@ -16656,7 +15069,7 @@
         <p:spPr>
           <a:xfrm>
             <a:off x="914400" y="906840"/>
-            <a:ext cx="7543800" cy="4122360"/>
+            <a:ext cx="7543440" cy="4122000"/>
           </a:xfrm>
           <a:prstGeom prst="rect">
             <a:avLst/>
@@ -16698,7 +15111,7 @@
       </p:grpSpPr>
       <p:sp>
         <p:nvSpPr>
-          <p:cNvPr id="321" name="PlaceHolder 1"/>
+          <p:cNvPr id="281" name="PlaceHolder 1"/>
           <p:cNvSpPr>
             <a:spLocks noGrp="1"/>
           </p:cNvSpPr>
@@ -16709,7 +15122,7 @@
         <p:spPr>
           <a:xfrm>
             <a:off x="500400" y="330840"/>
-            <a:ext cx="8519760" cy="1095120"/>
+            <a:ext cx="8519400" cy="1094760"/>
           </a:xfrm>
           <a:prstGeom prst="rect">
             <a:avLst/>
@@ -16751,28 +15164,40 @@
       </p:sp>
       <p:sp>
         <p:nvSpPr>
-          <p:cNvPr id="322" name=""/>
-          <p:cNvSpPr txBox="1"/>
+          <p:cNvPr id="282" name=""/>
+          <p:cNvSpPr/>
           <p:nvPr/>
         </p:nvSpPr>
         <p:spPr>
           <a:xfrm>
             <a:off x="457200" y="1469880"/>
-            <a:ext cx="8001000" cy="3417840"/>
-          </a:xfrm>
-          <a:prstGeom prst="rect">
-            <a:avLst/>
-          </a:prstGeom>
-          <a:noFill/>
-          <a:ln w="0">
-            <a:noFill/>
-          </a:ln>
-        </p:spPr>
+            <a:ext cx="8000640" cy="3417480"/>
+          </a:xfrm>
+          <a:prstGeom prst="rect">
+            <a:avLst/>
+          </a:prstGeom>
+          <a:noFill/>
+          <a:ln w="0">
+            <a:noFill/>
+          </a:ln>
+        </p:spPr>
+        <p:style>
+          <a:lnRef idx="0"/>
+          <a:fillRef idx="0"/>
+          <a:effectRef idx="0"/>
+          <a:fontRef idx="minor"/>
+        </p:style>
         <p:txBody>
           <a:bodyPr lIns="90000" rIns="90000" tIns="45000" bIns="45000" anchor="t">
             <a:noAutofit/>
           </a:bodyPr>
           <a:p>
+            <a:pPr>
+              <a:lnSpc>
+                <a:spcPct val="100000"/>
+              </a:lnSpc>
+              <a:buNone/>
+            </a:pPr>
             <a:r>
               <a:rPr b="0" lang="en-US" sz="1800" spc="-1" strike="noStrike">
                 <a:latin typeface="Arial"/>
@@ -16808,6 +15233,12 @@
             </a:endParaRPr>
           </a:p>
           <a:p>
+            <a:pPr>
+              <a:lnSpc>
+                <a:spcPct val="100000"/>
+              </a:lnSpc>
+              <a:buNone/>
+            </a:pPr>
             <a:r>
               <a:rPr b="0" lang="en-US" sz="1800" spc="-1" strike="noStrike">
                 <a:latin typeface="Arial"/>
@@ -16843,6 +15274,12 @@
             </a:endParaRPr>
           </a:p>
           <a:p>
+            <a:pPr>
+              <a:lnSpc>
+                <a:spcPct val="100000"/>
+              </a:lnSpc>
+              <a:buNone/>
+            </a:pPr>
             <a:r>
               <a:rPr b="0" lang="en-US" sz="1800" spc="-1" strike="noStrike">
                 <a:latin typeface="Arial"/>
@@ -16878,6 +15315,12 @@
             </a:endParaRPr>
           </a:p>
           <a:p>
+            <a:pPr>
+              <a:lnSpc>
+                <a:spcPct val="100000"/>
+              </a:lnSpc>
+              <a:buNone/>
+            </a:pPr>
             <a:r>
               <a:rPr b="0" lang="en-US" sz="1800" spc="-1" strike="noStrike">
                 <a:latin typeface="Arial"/>
@@ -16913,6 +15356,12 @@
             </a:endParaRPr>
           </a:p>
           <a:p>
+            <a:pPr>
+              <a:lnSpc>
+                <a:spcPct val="100000"/>
+              </a:lnSpc>
+              <a:buNone/>
+            </a:pPr>
             <a:r>
               <a:rPr b="0" lang="en-US" sz="1800" spc="-1" strike="noStrike">
                 <a:latin typeface="Arial"/>
@@ -16948,6 +15397,12 @@
             </a:endParaRPr>
           </a:p>
           <a:p>
+            <a:pPr>
+              <a:lnSpc>
+                <a:spcPct val="100000"/>
+              </a:lnSpc>
+              <a:buNone/>
+            </a:pPr>
             <a:r>
               <a:rPr b="0" lang="en-US" sz="1800" spc="-1" strike="noStrike">
                 <a:latin typeface="Arial"/>
@@ -16995,6 +15450,12 @@
             </a:endParaRPr>
           </a:p>
           <a:p>
+            <a:pPr>
+              <a:lnSpc>
+                <a:spcPct val="100000"/>
+              </a:lnSpc>
+              <a:buNone/>
+            </a:pPr>
             <a:r>
               <a:rPr b="0" lang="en-US" sz="1800" spc="-1" strike="noStrike">
                 <a:latin typeface="Arial"/>
@@ -17030,6 +15491,12 @@
             </a:endParaRPr>
           </a:p>
           <a:p>
+            <a:pPr>
+              <a:lnSpc>
+                <a:spcPct val="100000"/>
+              </a:lnSpc>
+              <a:buNone/>
+            </a:pPr>
             <a:endParaRPr b="0" lang="en-US" sz="1800" spc="-1" strike="noStrike">
               <a:latin typeface="Arial"/>
             </a:endParaRPr>
@@ -17068,7 +15535,7 @@
       </p:grpSpPr>
       <p:sp>
         <p:nvSpPr>
-          <p:cNvPr id="277" name="PlaceHolder 1"/>
+          <p:cNvPr id="238" name="PlaceHolder 1"/>
           <p:cNvSpPr>
             <a:spLocks noGrp="1"/>
           </p:cNvSpPr>
@@ -17079,7 +15546,7 @@
         <p:spPr>
           <a:xfrm>
             <a:off x="500400" y="821160"/>
-            <a:ext cx="8519760" cy="1841040"/>
+            <a:ext cx="8519400" cy="1840680"/>
           </a:xfrm>
           <a:prstGeom prst="rect">
             <a:avLst/>
@@ -17143,69 +15610,14 @@
       </p:sp>
       <p:sp>
         <p:nvSpPr>
-          <p:cNvPr id="278" name="Google Shape;391;p94"/>
+          <p:cNvPr id="239" name="Google Shape;392;p94"/>
           <p:cNvSpPr/>
           <p:nvPr/>
         </p:nvSpPr>
         <p:spPr>
           <a:xfrm>
-            <a:off x="4299480" y="3510720"/>
-            <a:ext cx="3701160" cy="375120"/>
-          </a:xfrm>
-          <a:prstGeom prst="rect">
-            <a:avLst/>
-          </a:prstGeom>
-          <a:noFill/>
-          <a:ln w="0">
-            <a:noFill/>
-          </a:ln>
-        </p:spPr>
-        <p:style>
-          <a:lnRef idx="0"/>
-          <a:fillRef idx="0"/>
-          <a:effectRef idx="0"/>
-          <a:fontRef idx="minor"/>
-        </p:style>
-        <p:txBody>
-          <a:bodyPr lIns="90000" rIns="90000" tIns="91440" bIns="91440" anchor="t">
-            <a:noAutofit/>
-          </a:bodyPr>
-          <a:p>
-            <a:pPr>
-              <a:lnSpc>
-                <a:spcPct val="80000"/>
-              </a:lnSpc>
-              <a:buNone/>
-              <a:tabLst>
-                <a:tab algn="l" pos="0"/>
-              </a:tabLst>
-            </a:pPr>
-            <a:r>
-              <a:rPr b="1" lang="ru" sz="2300" spc="-1" strike="noStrike">
-                <a:solidFill>
-                  <a:srgbClr val="9857f3"/>
-                </a:solidFill>
-                <a:latin typeface="Roboto"/>
-                <a:ea typeface="Roboto"/>
-              </a:rPr>
-              <a:t>Михайленко Евгений</a:t>
-            </a:r>
-            <a:endParaRPr b="0" lang="en-US" sz="2300" spc="-1" strike="noStrike">
-              <a:latin typeface="Arial"/>
-            </a:endParaRPr>
-          </a:p>
-        </p:txBody>
-      </p:sp>
-      <p:sp>
-        <p:nvSpPr>
-          <p:cNvPr id="279" name="Google Shape;392;p94"/>
-          <p:cNvSpPr/>
-          <p:nvPr/>
-        </p:nvSpPr>
-        <p:spPr>
-          <a:xfrm>
             <a:off x="4536360" y="3850200"/>
-            <a:ext cx="1407240" cy="420120"/>
+            <a:ext cx="1406880" cy="420120"/>
           </a:xfrm>
           <a:prstGeom prst="rect">
             <a:avLst/>
@@ -17253,28 +15665,40 @@
       </p:sp>
       <p:sp>
         <p:nvSpPr>
-          <p:cNvPr id="280" name=""/>
-          <p:cNvSpPr txBox="1"/>
+          <p:cNvPr id="240" name=""/>
+          <p:cNvSpPr/>
           <p:nvPr/>
         </p:nvSpPr>
         <p:spPr>
           <a:xfrm>
             <a:off x="4299480" y="3626640"/>
-            <a:ext cx="2405880" cy="346320"/>
-          </a:xfrm>
-          <a:prstGeom prst="rect">
-            <a:avLst/>
-          </a:prstGeom>
-          <a:noFill/>
-          <a:ln w="0">
-            <a:noFill/>
-          </a:ln>
-        </p:spPr>
+            <a:ext cx="2405520" cy="345960"/>
+          </a:xfrm>
+          <a:prstGeom prst="rect">
+            <a:avLst/>
+          </a:prstGeom>
+          <a:noFill/>
+          <a:ln w="0">
+            <a:noFill/>
+          </a:ln>
+        </p:spPr>
+        <p:style>
+          <a:lnRef idx="0"/>
+          <a:fillRef idx="0"/>
+          <a:effectRef idx="0"/>
+          <a:fontRef idx="minor"/>
+        </p:style>
         <p:txBody>
           <a:bodyPr lIns="90000" rIns="90000" tIns="45000" bIns="45000" anchor="t">
             <a:noAutofit/>
           </a:bodyPr>
           <a:p>
+            <a:pPr>
+              <a:lnSpc>
+                <a:spcPct val="100000"/>
+              </a:lnSpc>
+              <a:buNone/>
+            </a:pPr>
             <a:r>
               <a:rPr b="0" lang="en-US" sz="1800" spc="-1" strike="noStrike">
                 <a:latin typeface="Arial"/>
@@ -17319,7 +15743,7 @@
       </p:grpSpPr>
       <p:sp>
         <p:nvSpPr>
-          <p:cNvPr id="323" name="PlaceHolder 1"/>
+          <p:cNvPr id="283" name="PlaceHolder 1"/>
           <p:cNvSpPr>
             <a:spLocks noGrp="1"/>
           </p:cNvSpPr>
@@ -17330,7 +15754,7 @@
         <p:spPr>
           <a:xfrm>
             <a:off x="500400" y="330840"/>
-            <a:ext cx="8519760" cy="1095120"/>
+            <a:ext cx="8519400" cy="1094760"/>
           </a:xfrm>
           <a:prstGeom prst="rect">
             <a:avLst/>
@@ -17372,28 +15796,40 @@
       </p:sp>
       <p:sp>
         <p:nvSpPr>
-          <p:cNvPr id="324" name=""/>
-          <p:cNvSpPr txBox="1"/>
+          <p:cNvPr id="284" name=""/>
+          <p:cNvSpPr/>
           <p:nvPr/>
         </p:nvSpPr>
         <p:spPr>
           <a:xfrm>
             <a:off x="457200" y="1469880"/>
-            <a:ext cx="8001000" cy="2889720"/>
-          </a:xfrm>
-          <a:prstGeom prst="rect">
-            <a:avLst/>
-          </a:prstGeom>
-          <a:noFill/>
-          <a:ln w="0">
-            <a:noFill/>
-          </a:ln>
-        </p:spPr>
+            <a:ext cx="8000640" cy="2889360"/>
+          </a:xfrm>
+          <a:prstGeom prst="rect">
+            <a:avLst/>
+          </a:prstGeom>
+          <a:noFill/>
+          <a:ln w="0">
+            <a:noFill/>
+          </a:ln>
+        </p:spPr>
+        <p:style>
+          <a:lnRef idx="0"/>
+          <a:fillRef idx="0"/>
+          <a:effectRef idx="0"/>
+          <a:fontRef idx="minor"/>
+        </p:style>
         <p:txBody>
           <a:bodyPr lIns="90000" rIns="90000" tIns="45000" bIns="45000" anchor="t">
             <a:noAutofit/>
           </a:bodyPr>
           <a:p>
+            <a:pPr>
+              <a:lnSpc>
+                <a:spcPct val="100000"/>
+              </a:lnSpc>
+              <a:buNone/>
+            </a:pPr>
             <a:r>
               <a:rPr b="0" lang="en-US" sz="1800" spc="-1" strike="noStrike">
                 <a:latin typeface="JetBrains Mono"/>
@@ -17406,6 +15842,12 @@
             </a:endParaRPr>
           </a:p>
           <a:p>
+            <a:pPr>
+              <a:lnSpc>
+                <a:spcPct val="100000"/>
+              </a:lnSpc>
+              <a:buNone/>
+            </a:pPr>
             <a:r>
               <a:rPr b="0" lang="en-US" sz="1800" spc="-1" strike="noStrike">
                 <a:latin typeface="JetBrains Mono"/>
@@ -17418,6 +15860,12 @@
             </a:endParaRPr>
           </a:p>
           <a:p>
+            <a:pPr>
+              <a:lnSpc>
+                <a:spcPct val="100000"/>
+              </a:lnSpc>
+              <a:buNone/>
+            </a:pPr>
             <a:r>
               <a:rPr b="0" lang="en-US" sz="1800" spc="-1" strike="noStrike">
                 <a:latin typeface="JetBrains Mono"/>
@@ -17430,6 +15878,12 @@
             </a:endParaRPr>
           </a:p>
           <a:p>
+            <a:pPr>
+              <a:lnSpc>
+                <a:spcPct val="100000"/>
+              </a:lnSpc>
+              <a:buNone/>
+            </a:pPr>
             <a:r>
               <a:rPr b="0" lang="en-US" sz="1800" spc="-1" strike="noStrike">
                 <a:latin typeface="JetBrains Mono"/>
@@ -17442,6 +15896,12 @@
             </a:endParaRPr>
           </a:p>
           <a:p>
+            <a:pPr>
+              <a:lnSpc>
+                <a:spcPct val="100000"/>
+              </a:lnSpc>
+              <a:buNone/>
+            </a:pPr>
             <a:r>
               <a:rPr b="0" lang="en-US" sz="1800" spc="-1" strike="noStrike">
                 <a:latin typeface="JetBrains Mono"/>
@@ -17454,6 +15914,12 @@
             </a:endParaRPr>
           </a:p>
           <a:p>
+            <a:pPr>
+              <a:lnSpc>
+                <a:spcPct val="100000"/>
+              </a:lnSpc>
+              <a:buNone/>
+            </a:pPr>
             <a:r>
               <a:rPr b="0" lang="en-US" sz="1800" spc="-1" strike="noStrike">
                 <a:latin typeface="JetBrains Mono"/>
@@ -17466,6 +15932,12 @@
             </a:endParaRPr>
           </a:p>
           <a:p>
+            <a:pPr>
+              <a:lnSpc>
+                <a:spcPct val="100000"/>
+              </a:lnSpc>
+              <a:buNone/>
+            </a:pPr>
             <a:r>
               <a:rPr b="0" lang="en-US" sz="1800" spc="-1" strike="noStrike">
                 <a:latin typeface="JetBrains Mono"/>
@@ -17478,6 +15950,12 @@
             </a:endParaRPr>
           </a:p>
           <a:p>
+            <a:pPr>
+              <a:lnSpc>
+                <a:spcPct val="100000"/>
+              </a:lnSpc>
+              <a:buNone/>
+            </a:pPr>
             <a:r>
               <a:rPr b="0" lang="en-US" sz="1800" spc="-1" strike="noStrike">
                 <a:latin typeface="JetBrains Mono"/>
@@ -17490,6 +15968,12 @@
             </a:endParaRPr>
           </a:p>
           <a:p>
+            <a:pPr>
+              <a:lnSpc>
+                <a:spcPct val="100000"/>
+              </a:lnSpc>
+              <a:buNone/>
+            </a:pPr>
             <a:r>
               <a:rPr b="0" lang="en-US" sz="1800" spc="-1" strike="noStrike">
                 <a:latin typeface="JetBrains Mono"/>
@@ -17535,7 +16019,7 @@
       </p:grpSpPr>
       <p:sp>
         <p:nvSpPr>
-          <p:cNvPr id="325" name="PlaceHolder 1"/>
+          <p:cNvPr id="285" name="PlaceHolder 1"/>
           <p:cNvSpPr>
             <a:spLocks noGrp="1"/>
           </p:cNvSpPr>
@@ -17546,7 +16030,7 @@
         <p:spPr>
           <a:xfrm>
             <a:off x="500400" y="330840"/>
-            <a:ext cx="8519760" cy="1095120"/>
+            <a:ext cx="8519400" cy="1094760"/>
           </a:xfrm>
           <a:prstGeom prst="rect">
             <a:avLst/>
@@ -17588,13 +16072,13 @@
       </p:sp>
       <p:graphicFrame>
         <p:nvGraphicFramePr>
-          <p:cNvPr id="326" name=""/>
+          <p:cNvPr id="286" name=""/>
           <p:cNvGraphicFramePr/>
           <p:nvPr/>
         </p:nvGraphicFramePr>
         <p:xfrm>
           <a:off x="781200" y="1165320"/>
-          <a:ext cx="7772040" cy="3657600"/>
+          <a:ext cx="7772040" cy="2090520"/>
         </p:xfrm>
         <a:graphic>
           <a:graphicData uri="http://schemas.openxmlformats.org/drawingml/2006/table">
@@ -17610,10 +16094,16 @@
               <a:tr h="522720">
                 <a:tc>
                   <a:txBody>
-                    <a:bodyPr lIns="90000" rIns="90000" tIns="46800" bIns="46800" anchor="t">
+                    <a:bodyPr lIns="90000" rIns="90000" anchor="t">
                       <a:noAutofit/>
                     </a:bodyPr>
                     <a:p>
+                      <a:pPr>
+                        <a:lnSpc>
+                          <a:spcPct val="100000"/>
+                        </a:lnSpc>
+                        <a:buNone/>
+                      </a:pPr>
                       <a:r>
                         <a:rPr b="0" lang="en-US" sz="1800" spc="-1" strike="noStrike">
                           <a:latin typeface="Arial"/>
@@ -17653,10 +16143,16 @@
                 </a:tc>
                 <a:tc>
                   <a:txBody>
-                    <a:bodyPr lIns="90000" rIns="90000" tIns="46800" bIns="46800" anchor="t">
+                    <a:bodyPr lIns="90000" rIns="90000" anchor="t">
                       <a:noAutofit/>
                     </a:bodyPr>
                     <a:p>
+                      <a:pPr>
+                        <a:lnSpc>
+                          <a:spcPct val="100000"/>
+                        </a:lnSpc>
+                        <a:buNone/>
+                      </a:pPr>
                       <a:r>
                         <a:rPr b="0" lang="en-US" sz="1800" spc="-1" strike="noStrike">
                           <a:latin typeface="Arial"/>
@@ -17696,10 +16192,16 @@
                 </a:tc>
                 <a:tc>
                   <a:txBody>
-                    <a:bodyPr lIns="90000" rIns="90000" tIns="46800" bIns="46800" anchor="t">
+                    <a:bodyPr lIns="90000" rIns="90000" anchor="t">
                       <a:noAutofit/>
                     </a:bodyPr>
                     <a:p>
+                      <a:pPr>
+                        <a:lnSpc>
+                          <a:spcPct val="100000"/>
+                        </a:lnSpc>
+                        <a:buNone/>
+                      </a:pPr>
                       <a:r>
                         <a:rPr b="0" lang="en-US" sz="1800" spc="-1" strike="noStrike">
                           <a:latin typeface="Arial"/>
@@ -17739,10 +16241,16 @@
                 </a:tc>
                 <a:tc>
                   <a:txBody>
-                    <a:bodyPr lIns="90000" rIns="90000" tIns="46800" bIns="46800" anchor="t">
+                    <a:bodyPr lIns="90000" rIns="90000" anchor="t">
                       <a:noAutofit/>
                     </a:bodyPr>
                     <a:p>
+                      <a:pPr>
+                        <a:lnSpc>
+                          <a:spcPct val="100000"/>
+                        </a:lnSpc>
+                        <a:buNone/>
+                      </a:pPr>
                       <a:r>
                         <a:rPr b="0" lang="en-US" sz="1800" spc="-1" strike="noStrike">
                           <a:latin typeface="Arial"/>
@@ -17782,10 +16290,16 @@
                 </a:tc>
                 <a:tc>
                   <a:txBody>
-                    <a:bodyPr lIns="90000" rIns="90000" tIns="46800" bIns="46800" anchor="t">
+                    <a:bodyPr lIns="90000" rIns="90000" anchor="t">
                       <a:noAutofit/>
                     </a:bodyPr>
                     <a:p>
+                      <a:pPr>
+                        <a:lnSpc>
+                          <a:spcPct val="100000"/>
+                        </a:lnSpc>
+                        <a:buNone/>
+                      </a:pPr>
                       <a:r>
                         <a:rPr b="0" lang="en-US" sz="1800" spc="-1" strike="noStrike">
                           <a:latin typeface="Arial"/>
@@ -17827,10 +16341,16 @@
               <a:tr h="522720">
                 <a:tc>
                   <a:txBody>
-                    <a:bodyPr lIns="90000" rIns="90000" tIns="46800" bIns="46800" anchor="t">
+                    <a:bodyPr lIns="90000" rIns="90000" anchor="t">
                       <a:noAutofit/>
                     </a:bodyPr>
                     <a:p>
+                      <a:pPr>
+                        <a:lnSpc>
+                          <a:spcPct val="100000"/>
+                        </a:lnSpc>
+                        <a:buNone/>
+                      </a:pPr>
                       <a:r>
                         <a:rPr b="0" lang="en-US" sz="1800" spc="-1" strike="noStrike">
                           <a:latin typeface="Arial"/>
@@ -17870,10 +16390,16 @@
                 </a:tc>
                 <a:tc>
                   <a:txBody>
-                    <a:bodyPr lIns="90000" rIns="90000" tIns="46800" bIns="46800" anchor="t">
+                    <a:bodyPr lIns="90000" rIns="90000" anchor="t">
                       <a:noAutofit/>
                     </a:bodyPr>
                     <a:p>
+                      <a:pPr>
+                        <a:lnSpc>
+                          <a:spcPct val="100000"/>
+                        </a:lnSpc>
+                        <a:buNone/>
+                      </a:pPr>
                       <a:r>
                         <a:rPr b="0" lang="en-US" sz="1800" spc="-1" strike="noStrike">
                           <a:latin typeface="Arial"/>
@@ -17913,10 +16439,16 @@
                 </a:tc>
                 <a:tc>
                   <a:txBody>
-                    <a:bodyPr lIns="90000" rIns="90000" tIns="46800" bIns="46800" anchor="t">
+                    <a:bodyPr lIns="90000" rIns="90000" anchor="t">
                       <a:noAutofit/>
                     </a:bodyPr>
                     <a:p>
+                      <a:pPr>
+                        <a:lnSpc>
+                          <a:spcPct val="100000"/>
+                        </a:lnSpc>
+                        <a:buNone/>
+                      </a:pPr>
                       <a:r>
                         <a:rPr b="0" lang="en-US" sz="1800" spc="-1" strike="noStrike">
                           <a:latin typeface="Arial"/>
@@ -17956,10 +16488,16 @@
                 </a:tc>
                 <a:tc>
                   <a:txBody>
-                    <a:bodyPr lIns="90000" rIns="90000" tIns="46800" bIns="46800" anchor="t">
+                    <a:bodyPr lIns="90000" rIns="90000" anchor="t">
                       <a:noAutofit/>
                     </a:bodyPr>
                     <a:p>
+                      <a:pPr>
+                        <a:lnSpc>
+                          <a:spcPct val="100000"/>
+                        </a:lnSpc>
+                        <a:buNone/>
+                      </a:pPr>
                       <a:r>
                         <a:rPr b="0" lang="en-US" sz="1800" spc="-1" strike="noStrike">
                           <a:latin typeface="Arial"/>
@@ -17999,10 +16537,16 @@
                 </a:tc>
                 <a:tc>
                   <a:txBody>
-                    <a:bodyPr lIns="90000" rIns="90000" tIns="46800" bIns="46800" anchor="t">
+                    <a:bodyPr lIns="90000" rIns="90000" anchor="t">
                       <a:noAutofit/>
                     </a:bodyPr>
                     <a:p>
+                      <a:pPr>
+                        <a:lnSpc>
+                          <a:spcPct val="100000"/>
+                        </a:lnSpc>
+                        <a:buNone/>
+                      </a:pPr>
                       <a:r>
                         <a:rPr b="0" lang="en-US" sz="1800" spc="-1" strike="noStrike">
                           <a:latin typeface="Arial"/>
@@ -18044,10 +16588,16 @@
               <a:tr h="522720">
                 <a:tc>
                   <a:txBody>
-                    <a:bodyPr lIns="90000" rIns="90000" tIns="46800" bIns="46800" anchor="t">
+                    <a:bodyPr lIns="90000" rIns="90000" anchor="t">
                       <a:noAutofit/>
                     </a:bodyPr>
                     <a:p>
+                      <a:pPr>
+                        <a:lnSpc>
+                          <a:spcPct val="100000"/>
+                        </a:lnSpc>
+                        <a:buNone/>
+                      </a:pPr>
                       <a:r>
                         <a:rPr b="0" lang="en-US" sz="1800" spc="-1" strike="noStrike">
                           <a:latin typeface="Arial"/>
@@ -18087,10 +16637,16 @@
                 </a:tc>
                 <a:tc>
                   <a:txBody>
-                    <a:bodyPr lIns="90000" rIns="90000" tIns="46800" bIns="46800" anchor="t">
+                    <a:bodyPr lIns="90000" rIns="90000" anchor="t">
                       <a:noAutofit/>
                     </a:bodyPr>
                     <a:p>
+                      <a:pPr>
+                        <a:lnSpc>
+                          <a:spcPct val="100000"/>
+                        </a:lnSpc>
+                        <a:buNone/>
+                      </a:pPr>
                       <a:r>
                         <a:rPr b="0" lang="en-US" sz="1800" spc="-1" strike="noStrike">
                           <a:latin typeface="Arial"/>
@@ -18130,10 +16686,16 @@
                 </a:tc>
                 <a:tc>
                   <a:txBody>
-                    <a:bodyPr lIns="90000" rIns="90000" tIns="46800" bIns="46800" anchor="t">
+                    <a:bodyPr lIns="90000" rIns="90000" anchor="t">
                       <a:noAutofit/>
                     </a:bodyPr>
                     <a:p>
+                      <a:pPr>
+                        <a:lnSpc>
+                          <a:spcPct val="100000"/>
+                        </a:lnSpc>
+                        <a:buNone/>
+                      </a:pPr>
                       <a:r>
                         <a:rPr b="0" lang="en-US" sz="1800" spc="-1" strike="noStrike">
                           <a:latin typeface="Arial"/>
@@ -18173,10 +16735,16 @@
                 </a:tc>
                 <a:tc>
                   <a:txBody>
-                    <a:bodyPr lIns="90000" rIns="90000" tIns="46800" bIns="46800" anchor="t">
+                    <a:bodyPr lIns="90000" rIns="90000" anchor="t">
                       <a:noAutofit/>
                     </a:bodyPr>
                     <a:p>
+                      <a:pPr>
+                        <a:lnSpc>
+                          <a:spcPct val="100000"/>
+                        </a:lnSpc>
+                        <a:buNone/>
+                      </a:pPr>
                       <a:r>
                         <a:rPr b="0" lang="en-US" sz="1800" spc="-1" strike="noStrike">
                           <a:latin typeface="Arial"/>
@@ -18216,10 +16784,16 @@
                 </a:tc>
                 <a:tc>
                   <a:txBody>
-                    <a:bodyPr lIns="90000" rIns="90000" tIns="46800" bIns="46800" anchor="t">
+                    <a:bodyPr lIns="90000" rIns="90000" anchor="t">
                       <a:noAutofit/>
                     </a:bodyPr>
                     <a:p>
+                      <a:pPr>
+                        <a:lnSpc>
+                          <a:spcPct val="100000"/>
+                        </a:lnSpc>
+                        <a:buNone/>
+                      </a:pPr>
                       <a:r>
                         <a:rPr b="0" lang="en-US" sz="1800" spc="-1" strike="noStrike">
                           <a:latin typeface="Arial"/>
@@ -18261,10 +16835,16 @@
               <a:tr h="522720">
                 <a:tc>
                   <a:txBody>
-                    <a:bodyPr lIns="90000" rIns="90000" tIns="46800" bIns="46800" anchor="t">
+                    <a:bodyPr lIns="90000" rIns="90000" anchor="t">
                       <a:noAutofit/>
                     </a:bodyPr>
                     <a:p>
+                      <a:pPr>
+                        <a:lnSpc>
+                          <a:spcPct val="100000"/>
+                        </a:lnSpc>
+                        <a:buNone/>
+                      </a:pPr>
                       <a:r>
                         <a:rPr b="0" lang="en-US" sz="1800" spc="-1" strike="noStrike">
                           <a:latin typeface="Arial"/>
@@ -18304,10 +16884,16 @@
                 </a:tc>
                 <a:tc>
                   <a:txBody>
-                    <a:bodyPr lIns="90000" rIns="90000" tIns="46800" bIns="46800" anchor="t">
+                    <a:bodyPr lIns="90000" rIns="90000" anchor="t">
                       <a:noAutofit/>
                     </a:bodyPr>
                     <a:p>
+                      <a:pPr>
+                        <a:lnSpc>
+                          <a:spcPct val="100000"/>
+                        </a:lnSpc>
+                        <a:buNone/>
+                      </a:pPr>
                       <a:r>
                         <a:rPr b="0" lang="en-US" sz="1800" spc="-1" strike="noStrike">
                           <a:latin typeface="Arial"/>
@@ -18347,10 +16933,16 @@
                 </a:tc>
                 <a:tc>
                   <a:txBody>
-                    <a:bodyPr lIns="90000" rIns="90000" tIns="46800" bIns="46800" anchor="t">
+                    <a:bodyPr lIns="90000" rIns="90000" anchor="t">
                       <a:noAutofit/>
                     </a:bodyPr>
                     <a:p>
+                      <a:pPr>
+                        <a:lnSpc>
+                          <a:spcPct val="100000"/>
+                        </a:lnSpc>
+                        <a:buNone/>
+                      </a:pPr>
                       <a:r>
                         <a:rPr b="0" lang="en-US" sz="1800" spc="-1" strike="noStrike">
                           <a:latin typeface="Arial"/>
@@ -18390,10 +16982,16 @@
                 </a:tc>
                 <a:tc>
                   <a:txBody>
-                    <a:bodyPr lIns="90000" rIns="90000" tIns="46800" bIns="46800" anchor="t">
+                    <a:bodyPr lIns="90000" rIns="90000" anchor="t">
                       <a:noAutofit/>
                     </a:bodyPr>
                     <a:p>
+                      <a:pPr>
+                        <a:lnSpc>
+                          <a:spcPct val="100000"/>
+                        </a:lnSpc>
+                        <a:buNone/>
+                      </a:pPr>
                       <a:r>
                         <a:rPr b="0" lang="en-US" sz="1800" spc="-1" strike="noStrike">
                           <a:latin typeface="Arial"/>
@@ -18433,10 +17031,16 @@
                 </a:tc>
                 <a:tc>
                   <a:txBody>
-                    <a:bodyPr lIns="90000" rIns="90000" tIns="46800" bIns="46800" anchor="t">
+                    <a:bodyPr lIns="90000" rIns="90000" anchor="t">
                       <a:noAutofit/>
                     </a:bodyPr>
                     <a:p>
+                      <a:pPr>
+                        <a:lnSpc>
+                          <a:spcPct val="100000"/>
+                        </a:lnSpc>
+                        <a:buNone/>
+                      </a:pPr>
                       <a:r>
                         <a:rPr b="0" lang="en-US" sz="1800" spc="-1" strike="noStrike">
                           <a:latin typeface="Arial"/>
@@ -18511,7 +17115,7 @@
       </p:grpSpPr>
       <p:sp>
         <p:nvSpPr>
-          <p:cNvPr id="327" name="PlaceHolder 1"/>
+          <p:cNvPr id="287" name="PlaceHolder 1"/>
           <p:cNvSpPr>
             <a:spLocks noGrp="1"/>
           </p:cNvSpPr>
@@ -18522,7 +17126,7 @@
         <p:spPr>
           <a:xfrm>
             <a:off x="500400" y="330840"/>
-            <a:ext cx="8519760" cy="1095120"/>
+            <a:ext cx="8519400" cy="1094760"/>
           </a:xfrm>
           <a:prstGeom prst="rect">
             <a:avLst/>
@@ -18564,7 +17168,7 @@
       </p:sp>
       <p:pic>
         <p:nvPicPr>
-          <p:cNvPr id="328" name="" descr=""/>
+          <p:cNvPr id="288" name="" descr=""/>
           <p:cNvPicPr/>
           <p:nvPr/>
         </p:nvPicPr>
@@ -18575,7 +17179,7 @@
         <p:spPr>
           <a:xfrm>
             <a:off x="927000" y="1116000"/>
-            <a:ext cx="7062120" cy="3756600"/>
+            <a:ext cx="7061760" cy="3756240"/>
           </a:xfrm>
           <a:prstGeom prst="rect">
             <a:avLst/>
@@ -18617,7 +17221,7 @@
       </p:grpSpPr>
       <p:sp>
         <p:nvSpPr>
-          <p:cNvPr id="329" name="PlaceHolder 1"/>
+          <p:cNvPr id="289" name="PlaceHolder 1"/>
           <p:cNvSpPr>
             <a:spLocks noGrp="1"/>
           </p:cNvSpPr>
@@ -18628,7 +17232,7 @@
         <p:spPr>
           <a:xfrm>
             <a:off x="500400" y="330840"/>
-            <a:ext cx="8519760" cy="1095120"/>
+            <a:ext cx="8519400" cy="1094760"/>
           </a:xfrm>
           <a:prstGeom prst="rect">
             <a:avLst/>
@@ -18670,28 +17274,40 @@
       </p:sp>
       <p:sp>
         <p:nvSpPr>
-          <p:cNvPr id="330" name=""/>
-          <p:cNvSpPr txBox="1"/>
+          <p:cNvPr id="290" name=""/>
+          <p:cNvSpPr/>
           <p:nvPr/>
         </p:nvSpPr>
         <p:spPr>
           <a:xfrm>
             <a:off x="457200" y="1469880"/>
-            <a:ext cx="8001000" cy="3511800"/>
-          </a:xfrm>
-          <a:prstGeom prst="rect">
-            <a:avLst/>
-          </a:prstGeom>
-          <a:noFill/>
-          <a:ln w="0">
-            <a:noFill/>
-          </a:ln>
-        </p:spPr>
+            <a:ext cx="8000640" cy="3511440"/>
+          </a:xfrm>
+          <a:prstGeom prst="rect">
+            <a:avLst/>
+          </a:prstGeom>
+          <a:noFill/>
+          <a:ln w="0">
+            <a:noFill/>
+          </a:ln>
+        </p:spPr>
+        <p:style>
+          <a:lnRef idx="0"/>
+          <a:fillRef idx="0"/>
+          <a:effectRef idx="0"/>
+          <a:fontRef idx="minor"/>
+        </p:style>
         <p:txBody>
           <a:bodyPr lIns="90000" rIns="90000" tIns="45000" bIns="45000" anchor="t">
             <a:noAutofit/>
           </a:bodyPr>
           <a:p>
+            <a:pPr>
+              <a:lnSpc>
+                <a:spcPct val="100000"/>
+              </a:lnSpc>
+              <a:buNone/>
+            </a:pPr>
             <a:r>
               <a:rPr b="0" lang="en-US" sz="1800" spc="-1" strike="noStrike">
                 <a:latin typeface="JetBrains Mono"/>
@@ -18718,6 +17334,12 @@
             </a:endParaRPr>
           </a:p>
           <a:p>
+            <a:pPr>
+              <a:lnSpc>
+                <a:spcPct val="100000"/>
+              </a:lnSpc>
+              <a:buNone/>
+            </a:pPr>
             <a:r>
               <a:rPr b="0" lang="en-US" sz="1800" spc="-1" strike="noStrike">
                 <a:latin typeface="JetBrains Mono"/>
@@ -18744,6 +17366,12 @@
             </a:endParaRPr>
           </a:p>
           <a:p>
+            <a:pPr>
+              <a:lnSpc>
+                <a:spcPct val="100000"/>
+              </a:lnSpc>
+              <a:buNone/>
+            </a:pPr>
             <a:r>
               <a:rPr b="0" lang="en-US" sz="1800" spc="-1" strike="noStrike">
                 <a:latin typeface="JetBrains Mono"/>
@@ -18770,6 +17398,12 @@
             </a:endParaRPr>
           </a:p>
           <a:p>
+            <a:pPr>
+              <a:lnSpc>
+                <a:spcPct val="100000"/>
+              </a:lnSpc>
+              <a:buNone/>
+            </a:pPr>
             <a:r>
               <a:rPr b="0" lang="en-US" sz="1800" spc="-1" strike="noStrike">
                 <a:latin typeface="JetBrains Mono"/>
@@ -18832,21 +17466,7 @@
                 <a:latin typeface="JetBrains Mono"/>
                 <a:ea typeface="JetBrains Mono"/>
               </a:rPr>
-              <a:t> </a:t>
-            </a:r>
-            <a:r>
-              <a:rPr b="0" lang="en-US" sz="1800" spc="-1" strike="noStrike">
-                <a:latin typeface="JetBrains Mono"/>
-                <a:ea typeface="JetBrains Mono"/>
-              </a:rPr>
-              <a:t> - и</a:t>
-            </a:r>
-            <a:r>
-              <a:rPr b="0" lang="en-US" sz="1800" spc="-1" strike="noStrike">
-                <a:latin typeface="JetBrains Mono"/>
-                <a:ea typeface="JetBrains Mono"/>
-              </a:rPr>
-              <a:t>спользование информации в двух направлениях</a:t>
+              <a:t>  - использование информации в двух направлениях</a:t>
             </a:r>
             <a:endParaRPr b="0" lang="en-US" sz="1800" spc="-1" strike="noStrike">
               <a:latin typeface="Arial"/>
@@ -18946,14 +17566,7 @@
                 <a:latin typeface="JetBrains Mono"/>
                 <a:ea typeface="JetBrains Mono"/>
               </a:rPr>
-              <a:t> - </a:t>
-            </a:r>
-            <a:r>
-              <a:rPr b="0" lang="en-US" sz="1800" spc="-1" strike="noStrike">
-                <a:latin typeface="JetBrains Mono"/>
-                <a:ea typeface="JetBrains Mono"/>
-              </a:rPr>
-              <a:t>Стабилизация обучения</a:t>
+              <a:t> - Стабилизация обучения</a:t>
             </a:r>
             <a:endParaRPr b="0" lang="en-US" sz="1800" spc="-1" strike="noStrike">
               <a:latin typeface="Arial"/>
@@ -18993,7 +17606,7 @@
       </p:grpSpPr>
       <p:sp>
         <p:nvSpPr>
-          <p:cNvPr id="331" name="PlaceHolder 1"/>
+          <p:cNvPr id="291" name="PlaceHolder 1"/>
           <p:cNvSpPr>
             <a:spLocks noGrp="1"/>
           </p:cNvSpPr>
@@ -19004,7 +17617,7 @@
         <p:spPr>
           <a:xfrm>
             <a:off x="500400" y="330840"/>
-            <a:ext cx="8519760" cy="1095120"/>
+            <a:ext cx="8519400" cy="1094760"/>
           </a:xfrm>
           <a:prstGeom prst="rect">
             <a:avLst/>
@@ -19046,13 +17659,13 @@
       </p:sp>
       <p:graphicFrame>
         <p:nvGraphicFramePr>
-          <p:cNvPr id="332" name=""/>
+          <p:cNvPr id="292" name=""/>
           <p:cNvGraphicFramePr/>
           <p:nvPr/>
         </p:nvGraphicFramePr>
         <p:xfrm>
           <a:off x="781200" y="1165320"/>
-          <a:ext cx="7772040" cy="3657600"/>
+          <a:ext cx="7772040" cy="2090520"/>
         </p:xfrm>
         <a:graphic>
           <a:graphicData uri="http://schemas.openxmlformats.org/drawingml/2006/table">
@@ -19068,10 +17681,16 @@
               <a:tr h="522720">
                 <a:tc>
                   <a:txBody>
-                    <a:bodyPr lIns="90000" rIns="90000" tIns="46800" bIns="46800" anchor="t">
+                    <a:bodyPr lIns="90000" rIns="90000" anchor="t">
                       <a:noAutofit/>
                     </a:bodyPr>
                     <a:p>
+                      <a:pPr>
+                        <a:lnSpc>
+                          <a:spcPct val="100000"/>
+                        </a:lnSpc>
+                        <a:buNone/>
+                      </a:pPr>
                       <a:r>
                         <a:rPr b="0" lang="en-US" sz="1800" spc="-1" strike="noStrike">
                           <a:latin typeface="Arial"/>
@@ -19111,10 +17730,16 @@
                 </a:tc>
                 <a:tc>
                   <a:txBody>
-                    <a:bodyPr lIns="90000" rIns="90000" tIns="46800" bIns="46800" anchor="t">
+                    <a:bodyPr lIns="90000" rIns="90000" anchor="t">
                       <a:noAutofit/>
                     </a:bodyPr>
                     <a:p>
+                      <a:pPr>
+                        <a:lnSpc>
+                          <a:spcPct val="100000"/>
+                        </a:lnSpc>
+                        <a:buNone/>
+                      </a:pPr>
                       <a:r>
                         <a:rPr b="0" lang="en-US" sz="1800" spc="-1" strike="noStrike">
                           <a:latin typeface="Arial"/>
@@ -19154,10 +17779,16 @@
                 </a:tc>
                 <a:tc>
                   <a:txBody>
-                    <a:bodyPr lIns="90000" rIns="90000" tIns="46800" bIns="46800" anchor="t">
+                    <a:bodyPr lIns="90000" rIns="90000" anchor="t">
                       <a:noAutofit/>
                     </a:bodyPr>
                     <a:p>
+                      <a:pPr>
+                        <a:lnSpc>
+                          <a:spcPct val="100000"/>
+                        </a:lnSpc>
+                        <a:buNone/>
+                      </a:pPr>
                       <a:r>
                         <a:rPr b="0" lang="en-US" sz="1800" spc="-1" strike="noStrike">
                           <a:latin typeface="Arial"/>
@@ -19197,10 +17828,16 @@
                 </a:tc>
                 <a:tc>
                   <a:txBody>
-                    <a:bodyPr lIns="90000" rIns="90000" tIns="46800" bIns="46800" anchor="t">
+                    <a:bodyPr lIns="90000" rIns="90000" anchor="t">
                       <a:noAutofit/>
                     </a:bodyPr>
                     <a:p>
+                      <a:pPr>
+                        <a:lnSpc>
+                          <a:spcPct val="100000"/>
+                        </a:lnSpc>
+                        <a:buNone/>
+                      </a:pPr>
                       <a:r>
                         <a:rPr b="0" lang="en-US" sz="1800" spc="-1" strike="noStrike">
                           <a:latin typeface="Arial"/>
@@ -19240,10 +17877,16 @@
                 </a:tc>
                 <a:tc>
                   <a:txBody>
-                    <a:bodyPr lIns="90000" rIns="90000" tIns="46800" bIns="46800" anchor="t">
+                    <a:bodyPr lIns="90000" rIns="90000" anchor="t">
                       <a:noAutofit/>
                     </a:bodyPr>
                     <a:p>
+                      <a:pPr>
+                        <a:lnSpc>
+                          <a:spcPct val="100000"/>
+                        </a:lnSpc>
+                        <a:buNone/>
+                      </a:pPr>
                       <a:r>
                         <a:rPr b="0" lang="en-US" sz="1800" spc="-1" strike="noStrike">
                           <a:latin typeface="Arial"/>
@@ -19285,10 +17928,16 @@
               <a:tr h="522720">
                 <a:tc>
                   <a:txBody>
-                    <a:bodyPr lIns="90000" rIns="90000" tIns="46800" bIns="46800" anchor="t">
+                    <a:bodyPr lIns="90000" rIns="90000" anchor="t">
                       <a:noAutofit/>
                     </a:bodyPr>
                     <a:p>
+                      <a:pPr>
+                        <a:lnSpc>
+                          <a:spcPct val="100000"/>
+                        </a:lnSpc>
+                        <a:buNone/>
+                      </a:pPr>
                       <a:r>
                         <a:rPr b="0" lang="en-US" sz="1800" spc="-1" strike="noStrike">
                           <a:latin typeface="Arial"/>
@@ -19328,10 +17977,16 @@
                 </a:tc>
                 <a:tc>
                   <a:txBody>
-                    <a:bodyPr lIns="90000" rIns="90000" tIns="46800" bIns="46800" anchor="t">
+                    <a:bodyPr lIns="90000" rIns="90000" anchor="t">
                       <a:noAutofit/>
                     </a:bodyPr>
                     <a:p>
+                      <a:pPr>
+                        <a:lnSpc>
+                          <a:spcPct val="100000"/>
+                        </a:lnSpc>
+                        <a:buNone/>
+                      </a:pPr>
                       <a:r>
                         <a:rPr b="0" lang="en-US" sz="1800" spc="-1" strike="noStrike">
                           <a:latin typeface="Arial"/>
@@ -19371,10 +18026,16 @@
                 </a:tc>
                 <a:tc>
                   <a:txBody>
-                    <a:bodyPr lIns="90000" rIns="90000" tIns="46800" bIns="46800" anchor="t">
+                    <a:bodyPr lIns="90000" rIns="90000" anchor="t">
                       <a:noAutofit/>
                     </a:bodyPr>
                     <a:p>
+                      <a:pPr>
+                        <a:lnSpc>
+                          <a:spcPct val="100000"/>
+                        </a:lnSpc>
+                        <a:buNone/>
+                      </a:pPr>
                       <a:r>
                         <a:rPr b="0" lang="en-US" sz="1800" spc="-1" strike="noStrike">
                           <a:latin typeface="Arial"/>
@@ -19414,10 +18075,16 @@
                 </a:tc>
                 <a:tc>
                   <a:txBody>
-                    <a:bodyPr lIns="90000" rIns="90000" tIns="46800" bIns="46800" anchor="t">
+                    <a:bodyPr lIns="90000" rIns="90000" anchor="t">
                       <a:noAutofit/>
                     </a:bodyPr>
                     <a:p>
+                      <a:pPr>
+                        <a:lnSpc>
+                          <a:spcPct val="100000"/>
+                        </a:lnSpc>
+                        <a:buNone/>
+                      </a:pPr>
                       <a:r>
                         <a:rPr b="0" lang="en-US" sz="1800" spc="-1" strike="noStrike">
                           <a:latin typeface="Arial"/>
@@ -19457,10 +18124,16 @@
                 </a:tc>
                 <a:tc>
                   <a:txBody>
-                    <a:bodyPr lIns="90000" rIns="90000" tIns="46800" bIns="46800" anchor="t">
+                    <a:bodyPr lIns="90000" rIns="90000" anchor="t">
                       <a:noAutofit/>
                     </a:bodyPr>
                     <a:p>
+                      <a:pPr>
+                        <a:lnSpc>
+                          <a:spcPct val="100000"/>
+                        </a:lnSpc>
+                        <a:buNone/>
+                      </a:pPr>
                       <a:r>
                         <a:rPr b="0" lang="en-US" sz="1800" spc="-1" strike="noStrike">
                           <a:latin typeface="Arial"/>
@@ -19502,10 +18175,16 @@
               <a:tr h="522720">
                 <a:tc>
                   <a:txBody>
-                    <a:bodyPr lIns="90000" rIns="90000" tIns="46800" bIns="46800" anchor="t">
+                    <a:bodyPr lIns="90000" rIns="90000" anchor="t">
                       <a:noAutofit/>
                     </a:bodyPr>
                     <a:p>
+                      <a:pPr>
+                        <a:lnSpc>
+                          <a:spcPct val="100000"/>
+                        </a:lnSpc>
+                        <a:buNone/>
+                      </a:pPr>
                       <a:r>
                         <a:rPr b="0" lang="en-US" sz="1800" spc="-1" strike="noStrike">
                           <a:latin typeface="Arial"/>
@@ -19545,10 +18224,16 @@
                 </a:tc>
                 <a:tc>
                   <a:txBody>
-                    <a:bodyPr lIns="90000" rIns="90000" tIns="46800" bIns="46800" anchor="t">
+                    <a:bodyPr lIns="90000" rIns="90000" anchor="t">
                       <a:noAutofit/>
                     </a:bodyPr>
                     <a:p>
+                      <a:pPr>
+                        <a:lnSpc>
+                          <a:spcPct val="100000"/>
+                        </a:lnSpc>
+                        <a:buNone/>
+                      </a:pPr>
                       <a:r>
                         <a:rPr b="0" lang="en-US" sz="1800" spc="-1" strike="noStrike">
                           <a:latin typeface="Arial"/>
@@ -19588,10 +18273,16 @@
                 </a:tc>
                 <a:tc>
                   <a:txBody>
-                    <a:bodyPr lIns="90000" rIns="90000" tIns="46800" bIns="46800" anchor="t">
+                    <a:bodyPr lIns="90000" rIns="90000" anchor="t">
                       <a:noAutofit/>
                     </a:bodyPr>
                     <a:p>
+                      <a:pPr>
+                        <a:lnSpc>
+                          <a:spcPct val="100000"/>
+                        </a:lnSpc>
+                        <a:buNone/>
+                      </a:pPr>
                       <a:r>
                         <a:rPr b="0" lang="en-US" sz="1800" spc="-1" strike="noStrike">
                           <a:latin typeface="Arial"/>
@@ -19631,10 +18322,16 @@
                 </a:tc>
                 <a:tc>
                   <a:txBody>
-                    <a:bodyPr lIns="90000" rIns="90000" tIns="46800" bIns="46800" anchor="t">
+                    <a:bodyPr lIns="90000" rIns="90000" anchor="t">
                       <a:noAutofit/>
                     </a:bodyPr>
                     <a:p>
+                      <a:pPr>
+                        <a:lnSpc>
+                          <a:spcPct val="100000"/>
+                        </a:lnSpc>
+                        <a:buNone/>
+                      </a:pPr>
                       <a:r>
                         <a:rPr b="0" lang="en-US" sz="1800" spc="-1" strike="noStrike">
                           <a:latin typeface="Arial"/>
@@ -19674,10 +18371,16 @@
                 </a:tc>
                 <a:tc>
                   <a:txBody>
-                    <a:bodyPr lIns="90000" rIns="90000" tIns="46800" bIns="46800" anchor="t">
+                    <a:bodyPr lIns="90000" rIns="90000" anchor="t">
                       <a:noAutofit/>
                     </a:bodyPr>
                     <a:p>
+                      <a:pPr>
+                        <a:lnSpc>
+                          <a:spcPct val="100000"/>
+                        </a:lnSpc>
+                        <a:buNone/>
+                      </a:pPr>
                       <a:r>
                         <a:rPr b="0" lang="en-US" sz="1800" spc="-1" strike="noStrike">
                           <a:latin typeface="Arial"/>
@@ -19719,10 +18422,16 @@
               <a:tr h="522720">
                 <a:tc>
                   <a:txBody>
-                    <a:bodyPr lIns="90000" rIns="90000" tIns="46800" bIns="46800" anchor="t">
+                    <a:bodyPr lIns="90000" rIns="90000" anchor="t">
                       <a:noAutofit/>
                     </a:bodyPr>
                     <a:p>
+                      <a:pPr>
+                        <a:lnSpc>
+                          <a:spcPct val="100000"/>
+                        </a:lnSpc>
+                        <a:buNone/>
+                      </a:pPr>
                       <a:r>
                         <a:rPr b="0" lang="en-US" sz="1800" spc="-1" strike="noStrike">
                           <a:latin typeface="Arial"/>
@@ -19762,10 +18471,16 @@
                 </a:tc>
                 <a:tc>
                   <a:txBody>
-                    <a:bodyPr lIns="90000" rIns="90000" tIns="46800" bIns="46800" anchor="t">
+                    <a:bodyPr lIns="90000" rIns="90000" anchor="t">
                       <a:noAutofit/>
                     </a:bodyPr>
                     <a:p>
+                      <a:pPr>
+                        <a:lnSpc>
+                          <a:spcPct val="100000"/>
+                        </a:lnSpc>
+                        <a:buNone/>
+                      </a:pPr>
                       <a:r>
                         <a:rPr b="0" lang="en-US" sz="1800" spc="-1" strike="noStrike">
                           <a:latin typeface="Arial"/>
@@ -19805,10 +18520,16 @@
                 </a:tc>
                 <a:tc>
                   <a:txBody>
-                    <a:bodyPr lIns="90000" rIns="90000" tIns="46800" bIns="46800" anchor="t">
+                    <a:bodyPr lIns="90000" rIns="90000" anchor="t">
                       <a:noAutofit/>
                     </a:bodyPr>
                     <a:p>
+                      <a:pPr>
+                        <a:lnSpc>
+                          <a:spcPct val="100000"/>
+                        </a:lnSpc>
+                        <a:buNone/>
+                      </a:pPr>
                       <a:r>
                         <a:rPr b="0" lang="en-US" sz="1800" spc="-1" strike="noStrike">
                           <a:latin typeface="Arial"/>
@@ -19848,10 +18569,16 @@
                 </a:tc>
                 <a:tc>
                   <a:txBody>
-                    <a:bodyPr lIns="90000" rIns="90000" tIns="46800" bIns="46800" anchor="t">
+                    <a:bodyPr lIns="90000" rIns="90000" anchor="t">
                       <a:noAutofit/>
                     </a:bodyPr>
                     <a:p>
+                      <a:pPr>
+                        <a:lnSpc>
+                          <a:spcPct val="100000"/>
+                        </a:lnSpc>
+                        <a:buNone/>
+                      </a:pPr>
                       <a:r>
                         <a:rPr b="0" lang="en-US" sz="1800" spc="-1" strike="noStrike">
                           <a:latin typeface="Arial"/>
@@ -19891,10 +18618,16 @@
                 </a:tc>
                 <a:tc>
                   <a:txBody>
-                    <a:bodyPr lIns="90000" rIns="90000" tIns="46800" bIns="46800" anchor="t">
+                    <a:bodyPr lIns="90000" rIns="90000" anchor="t">
                       <a:noAutofit/>
                     </a:bodyPr>
                     <a:p>
+                      <a:pPr>
+                        <a:lnSpc>
+                          <a:spcPct val="100000"/>
+                        </a:lnSpc>
+                        <a:buNone/>
+                      </a:pPr>
                       <a:r>
                         <a:rPr b="0" lang="en-US" sz="1800" spc="-1" strike="noStrike">
                           <a:latin typeface="Arial"/>
@@ -19969,7 +18702,7 @@
       </p:grpSpPr>
       <p:sp>
         <p:nvSpPr>
-          <p:cNvPr id="333" name="PlaceHolder 1"/>
+          <p:cNvPr id="293" name="PlaceHolder 1"/>
           <p:cNvSpPr>
             <a:spLocks noGrp="1"/>
           </p:cNvSpPr>
@@ -19980,7 +18713,7 @@
         <p:spPr>
           <a:xfrm>
             <a:off x="500400" y="330840"/>
-            <a:ext cx="8519760" cy="1095120"/>
+            <a:ext cx="8519400" cy="1094760"/>
           </a:xfrm>
           <a:prstGeom prst="rect">
             <a:avLst/>
@@ -20022,7 +18755,7 @@
       </p:sp>
       <p:pic>
         <p:nvPicPr>
-          <p:cNvPr id="334" name="" descr=""/>
+          <p:cNvPr id="294" name="" descr=""/>
           <p:cNvPicPr/>
           <p:nvPr/>
         </p:nvPicPr>
@@ -20033,7 +18766,7 @@
         <p:spPr>
           <a:xfrm>
             <a:off x="914400" y="1143000"/>
-            <a:ext cx="7086600" cy="3753360"/>
+            <a:ext cx="7086240" cy="3753000"/>
           </a:xfrm>
           <a:prstGeom prst="rect">
             <a:avLst/>
@@ -20075,7 +18808,7 @@
       </p:grpSpPr>
       <p:sp>
         <p:nvSpPr>
-          <p:cNvPr id="335" name="PlaceHolder 1"/>
+          <p:cNvPr id="295" name="PlaceHolder 1"/>
           <p:cNvSpPr>
             <a:spLocks noGrp="1"/>
           </p:cNvSpPr>
@@ -20086,7 +18819,7 @@
         <p:spPr>
           <a:xfrm>
             <a:off x="500400" y="330840"/>
-            <a:ext cx="8519760" cy="1095120"/>
+            <a:ext cx="8519400" cy="1094760"/>
           </a:xfrm>
           <a:prstGeom prst="rect">
             <a:avLst/>
@@ -20128,28 +18861,40 @@
       </p:sp>
       <p:sp>
         <p:nvSpPr>
-          <p:cNvPr id="336" name=""/>
-          <p:cNvSpPr txBox="1"/>
+          <p:cNvPr id="296" name=""/>
+          <p:cNvSpPr/>
           <p:nvPr/>
         </p:nvSpPr>
         <p:spPr>
           <a:xfrm>
             <a:off x="450360" y="1910880"/>
-            <a:ext cx="8001000" cy="2267640"/>
-          </a:xfrm>
-          <a:prstGeom prst="rect">
-            <a:avLst/>
-          </a:prstGeom>
-          <a:noFill/>
-          <a:ln w="0">
-            <a:noFill/>
-          </a:ln>
-        </p:spPr>
+            <a:ext cx="8000640" cy="2267280"/>
+          </a:xfrm>
+          <a:prstGeom prst="rect">
+            <a:avLst/>
+          </a:prstGeom>
+          <a:noFill/>
+          <a:ln w="0">
+            <a:noFill/>
+          </a:ln>
+        </p:spPr>
+        <p:style>
+          <a:lnRef idx="0"/>
+          <a:fillRef idx="0"/>
+          <a:effectRef idx="0"/>
+          <a:fontRef idx="minor"/>
+        </p:style>
         <p:txBody>
           <a:bodyPr lIns="90000" rIns="90000" tIns="45000" bIns="45000" anchor="t">
             <a:noAutofit/>
           </a:bodyPr>
           <a:p>
+            <a:pPr>
+              <a:lnSpc>
+                <a:spcPct val="100000"/>
+              </a:lnSpc>
+              <a:buNone/>
+            </a:pPr>
             <a:r>
               <a:rPr b="0" lang="en-US" sz="1800" spc="-1" strike="noStrike">
                 <a:latin typeface="JetBrains Mono"/>
@@ -20180,14 +18925,7 @@
                 <a:latin typeface="JetBrains Mono"/>
                 <a:ea typeface="JetBrains Mono"/>
               </a:rPr>
-              <a:t> - </a:t>
-            </a:r>
-            <a:r>
-              <a:rPr b="0" lang="en-US" sz="1800" spc="-1" strike="noStrike">
-                <a:latin typeface="JetBrains Mono"/>
-                <a:ea typeface="JetBrains Mono"/>
-              </a:rPr>
-              <a:t>Добавление нелинейности улучшает способность модели работать с более сложными зависимостями</a:t>
+              <a:t> - Добавление нелинейности улучшает способность модели работать с более сложными зависимостями</a:t>
             </a:r>
             <a:endParaRPr b="0" lang="en-US" sz="1800" spc="-1" strike="noStrike">
               <a:latin typeface="Arial"/>
@@ -20230,14 +18968,7 @@
                 <a:latin typeface="JetBrains Mono"/>
                 <a:ea typeface="JetBrains Mono"/>
               </a:rPr>
-              <a:t> - </a:t>
-            </a:r>
-            <a:r>
-              <a:rPr b="0" lang="en-US" sz="1800" spc="-1" strike="noStrike">
-                <a:latin typeface="JetBrains Mono"/>
-                <a:ea typeface="JetBrains Mono"/>
-              </a:rPr>
-              <a:t>Удален для предотвращения потери информации при генерации итогового результата</a:t>
+              <a:t> - Удален для предотвращения потери информации при генерации итогового результата</a:t>
             </a:r>
             <a:endParaRPr b="0" lang="en-US" sz="1800" spc="-1" strike="noStrike">
               <a:latin typeface="Arial"/>
@@ -20277,7 +19008,7 @@
       </p:grpSpPr>
       <p:sp>
         <p:nvSpPr>
-          <p:cNvPr id="337" name="PlaceHolder 1"/>
+          <p:cNvPr id="297" name="PlaceHolder 1"/>
           <p:cNvSpPr>
             <a:spLocks noGrp="1"/>
           </p:cNvSpPr>
@@ -20288,7 +19019,7 @@
         <p:spPr>
           <a:xfrm>
             <a:off x="500400" y="330840"/>
-            <a:ext cx="8519760" cy="1095120"/>
+            <a:ext cx="8519400" cy="1094760"/>
           </a:xfrm>
           <a:prstGeom prst="rect">
             <a:avLst/>
@@ -20330,7 +19061,7 @@
       </p:sp>
       <p:pic>
         <p:nvPicPr>
-          <p:cNvPr id="338" name="" descr=""/>
+          <p:cNvPr id="298" name="" descr=""/>
           <p:cNvPicPr/>
           <p:nvPr/>
         </p:nvPicPr>
@@ -20341,7 +19072,7 @@
         <p:spPr>
           <a:xfrm>
             <a:off x="914400" y="1143000"/>
-            <a:ext cx="7086600" cy="3753360"/>
+            <a:ext cx="7086240" cy="3753000"/>
           </a:xfrm>
           <a:prstGeom prst="rect">
             <a:avLst/>
@@ -20383,7 +19114,7 @@
       </p:grpSpPr>
       <p:sp>
         <p:nvSpPr>
-          <p:cNvPr id="339" name="PlaceHolder 1"/>
+          <p:cNvPr id="299" name="PlaceHolder 1"/>
           <p:cNvSpPr>
             <a:spLocks noGrp="1"/>
           </p:cNvSpPr>
@@ -20394,7 +19125,7 @@
         <p:spPr>
           <a:xfrm>
             <a:off x="500400" y="330840"/>
-            <a:ext cx="8519760" cy="1095120"/>
+            <a:ext cx="8519400" cy="1094760"/>
           </a:xfrm>
           <a:prstGeom prst="rect">
             <a:avLst/>
@@ -20436,13 +19167,13 @@
       </p:sp>
       <p:graphicFrame>
         <p:nvGraphicFramePr>
-          <p:cNvPr id="340" name=""/>
+          <p:cNvPr id="300" name=""/>
           <p:cNvGraphicFramePr/>
           <p:nvPr/>
         </p:nvGraphicFramePr>
         <p:xfrm>
           <a:off x="781200" y="1165320"/>
-          <a:ext cx="7772040" cy="3657600"/>
+          <a:ext cx="7772040" cy="2090520"/>
         </p:xfrm>
         <a:graphic>
           <a:graphicData uri="http://schemas.openxmlformats.org/drawingml/2006/table">
@@ -20458,10 +19189,16 @@
               <a:tr h="522720">
                 <a:tc>
                   <a:txBody>
-                    <a:bodyPr lIns="90000" rIns="90000" tIns="46800" bIns="46800" anchor="t">
+                    <a:bodyPr lIns="90000" rIns="90000" anchor="t">
                       <a:noAutofit/>
                     </a:bodyPr>
                     <a:p>
+                      <a:pPr>
+                        <a:lnSpc>
+                          <a:spcPct val="100000"/>
+                        </a:lnSpc>
+                        <a:buNone/>
+                      </a:pPr>
                       <a:r>
                         <a:rPr b="0" lang="en-US" sz="1800" spc="-1" strike="noStrike">
                           <a:latin typeface="Arial"/>
@@ -20501,10 +19238,16 @@
                 </a:tc>
                 <a:tc>
                   <a:txBody>
-                    <a:bodyPr lIns="90000" rIns="90000" tIns="46800" bIns="46800" anchor="t">
+                    <a:bodyPr lIns="90000" rIns="90000" anchor="t">
                       <a:noAutofit/>
                     </a:bodyPr>
                     <a:p>
+                      <a:pPr>
+                        <a:lnSpc>
+                          <a:spcPct val="100000"/>
+                        </a:lnSpc>
+                        <a:buNone/>
+                      </a:pPr>
                       <a:r>
                         <a:rPr b="0" lang="en-US" sz="1800" spc="-1" strike="noStrike">
                           <a:latin typeface="Arial"/>
@@ -20544,10 +19287,16 @@
                 </a:tc>
                 <a:tc>
                   <a:txBody>
-                    <a:bodyPr lIns="90000" rIns="90000" tIns="46800" bIns="46800" anchor="t">
+                    <a:bodyPr lIns="90000" rIns="90000" anchor="t">
                       <a:noAutofit/>
                     </a:bodyPr>
                     <a:p>
+                      <a:pPr>
+                        <a:lnSpc>
+                          <a:spcPct val="100000"/>
+                        </a:lnSpc>
+                        <a:buNone/>
+                      </a:pPr>
                       <a:r>
                         <a:rPr b="0" lang="en-US" sz="1800" spc="-1" strike="noStrike">
                           <a:latin typeface="Arial"/>
@@ -20587,10 +19336,16 @@
                 </a:tc>
                 <a:tc>
                   <a:txBody>
-                    <a:bodyPr lIns="90000" rIns="90000" tIns="46800" bIns="46800" anchor="t">
+                    <a:bodyPr lIns="90000" rIns="90000" anchor="t">
                       <a:noAutofit/>
                     </a:bodyPr>
                     <a:p>
+                      <a:pPr>
+                        <a:lnSpc>
+                          <a:spcPct val="100000"/>
+                        </a:lnSpc>
+                        <a:buNone/>
+                      </a:pPr>
                       <a:r>
                         <a:rPr b="0" lang="en-US" sz="1800" spc="-1" strike="noStrike">
                           <a:latin typeface="Arial"/>
@@ -20630,10 +19385,16 @@
                 </a:tc>
                 <a:tc>
                   <a:txBody>
-                    <a:bodyPr lIns="90000" rIns="90000" tIns="46800" bIns="46800" anchor="t">
+                    <a:bodyPr lIns="90000" rIns="90000" anchor="t">
                       <a:noAutofit/>
                     </a:bodyPr>
                     <a:p>
+                      <a:pPr>
+                        <a:lnSpc>
+                          <a:spcPct val="100000"/>
+                        </a:lnSpc>
+                        <a:buNone/>
+                      </a:pPr>
                       <a:r>
                         <a:rPr b="0" lang="en-US" sz="1800" spc="-1" strike="noStrike">
                           <a:latin typeface="Arial"/>
@@ -20675,10 +19436,16 @@
               <a:tr h="522720">
                 <a:tc>
                   <a:txBody>
-                    <a:bodyPr lIns="90000" rIns="90000" tIns="46800" bIns="46800" anchor="t">
+                    <a:bodyPr lIns="90000" rIns="90000" anchor="t">
                       <a:noAutofit/>
                     </a:bodyPr>
                     <a:p>
+                      <a:pPr>
+                        <a:lnSpc>
+                          <a:spcPct val="100000"/>
+                        </a:lnSpc>
+                        <a:buNone/>
+                      </a:pPr>
                       <a:r>
                         <a:rPr b="0" lang="en-US" sz="1800" spc="-1" strike="noStrike">
                           <a:latin typeface="Arial"/>
@@ -20718,10 +19485,16 @@
                 </a:tc>
                 <a:tc>
                   <a:txBody>
-                    <a:bodyPr lIns="90000" rIns="90000" tIns="46800" bIns="46800" anchor="t">
+                    <a:bodyPr lIns="90000" rIns="90000" anchor="t">
                       <a:noAutofit/>
                     </a:bodyPr>
                     <a:p>
+                      <a:pPr>
+                        <a:lnSpc>
+                          <a:spcPct val="100000"/>
+                        </a:lnSpc>
+                        <a:buNone/>
+                      </a:pPr>
                       <a:r>
                         <a:rPr b="0" lang="en-US" sz="1800" spc="-1" strike="noStrike">
                           <a:latin typeface="Arial"/>
@@ -20761,10 +19534,16 @@
                 </a:tc>
                 <a:tc>
                   <a:txBody>
-                    <a:bodyPr lIns="90000" rIns="90000" tIns="46800" bIns="46800" anchor="t">
+                    <a:bodyPr lIns="90000" rIns="90000" anchor="t">
                       <a:noAutofit/>
                     </a:bodyPr>
                     <a:p>
+                      <a:pPr>
+                        <a:lnSpc>
+                          <a:spcPct val="100000"/>
+                        </a:lnSpc>
+                        <a:buNone/>
+                      </a:pPr>
                       <a:r>
                         <a:rPr b="0" lang="en-US" sz="1800" spc="-1" strike="noStrike">
                           <a:latin typeface="Arial"/>
@@ -20804,10 +19583,16 @@
                 </a:tc>
                 <a:tc>
                   <a:txBody>
-                    <a:bodyPr lIns="90000" rIns="90000" tIns="46800" bIns="46800" anchor="t">
+                    <a:bodyPr lIns="90000" rIns="90000" anchor="t">
                       <a:noAutofit/>
                     </a:bodyPr>
                     <a:p>
+                      <a:pPr>
+                        <a:lnSpc>
+                          <a:spcPct val="100000"/>
+                        </a:lnSpc>
+                        <a:buNone/>
+                      </a:pPr>
                       <a:r>
                         <a:rPr b="0" lang="en-US" sz="1800" spc="-1" strike="noStrike">
                           <a:latin typeface="Arial"/>
@@ -20847,10 +19632,16 @@
                 </a:tc>
                 <a:tc>
                   <a:txBody>
-                    <a:bodyPr lIns="90000" rIns="90000" tIns="46800" bIns="46800" anchor="t">
+                    <a:bodyPr lIns="90000" rIns="90000" anchor="t">
                       <a:noAutofit/>
                     </a:bodyPr>
                     <a:p>
+                      <a:pPr>
+                        <a:lnSpc>
+                          <a:spcPct val="100000"/>
+                        </a:lnSpc>
+                        <a:buNone/>
+                      </a:pPr>
                       <a:r>
                         <a:rPr b="0" lang="en-US" sz="1800" spc="-1" strike="noStrike">
                           <a:latin typeface="Arial"/>
@@ -20892,10 +19683,16 @@
               <a:tr h="522720">
                 <a:tc>
                   <a:txBody>
-                    <a:bodyPr lIns="90000" rIns="90000" tIns="46800" bIns="46800" anchor="t">
+                    <a:bodyPr lIns="90000" rIns="90000" anchor="t">
                       <a:noAutofit/>
                     </a:bodyPr>
                     <a:p>
+                      <a:pPr>
+                        <a:lnSpc>
+                          <a:spcPct val="100000"/>
+                        </a:lnSpc>
+                        <a:buNone/>
+                      </a:pPr>
                       <a:r>
                         <a:rPr b="0" lang="en-US" sz="1800" spc="-1" strike="noStrike">
                           <a:latin typeface="Arial"/>
@@ -20935,10 +19732,16 @@
                 </a:tc>
                 <a:tc>
                   <a:txBody>
-                    <a:bodyPr lIns="90000" rIns="90000" tIns="46800" bIns="46800" anchor="t">
+                    <a:bodyPr lIns="90000" rIns="90000" anchor="t">
                       <a:noAutofit/>
                     </a:bodyPr>
                     <a:p>
+                      <a:pPr>
+                        <a:lnSpc>
+                          <a:spcPct val="100000"/>
+                        </a:lnSpc>
+                        <a:buNone/>
+                      </a:pPr>
                       <a:r>
                         <a:rPr b="0" lang="en-US" sz="1800" spc="-1" strike="noStrike">
                           <a:latin typeface="Arial"/>
@@ -20978,10 +19781,16 @@
                 </a:tc>
                 <a:tc>
                   <a:txBody>
-                    <a:bodyPr lIns="90000" rIns="90000" tIns="46800" bIns="46800" anchor="t">
+                    <a:bodyPr lIns="90000" rIns="90000" anchor="t">
                       <a:noAutofit/>
                     </a:bodyPr>
                     <a:p>
+                      <a:pPr>
+                        <a:lnSpc>
+                          <a:spcPct val="100000"/>
+                        </a:lnSpc>
+                        <a:buNone/>
+                      </a:pPr>
                       <a:r>
                         <a:rPr b="0" lang="en-US" sz="1800" spc="-1" strike="noStrike">
                           <a:latin typeface="Arial"/>
@@ -21021,10 +19830,16 @@
                 </a:tc>
                 <a:tc>
                   <a:txBody>
-                    <a:bodyPr lIns="90000" rIns="90000" tIns="46800" bIns="46800" anchor="t">
+                    <a:bodyPr lIns="90000" rIns="90000" anchor="t">
                       <a:noAutofit/>
                     </a:bodyPr>
                     <a:p>
+                      <a:pPr>
+                        <a:lnSpc>
+                          <a:spcPct val="100000"/>
+                        </a:lnSpc>
+                        <a:buNone/>
+                      </a:pPr>
                       <a:r>
                         <a:rPr b="0" lang="en-US" sz="1800" spc="-1" strike="noStrike">
                           <a:latin typeface="Arial"/>
@@ -21064,10 +19879,16 @@
                 </a:tc>
                 <a:tc>
                   <a:txBody>
-                    <a:bodyPr lIns="90000" rIns="90000" tIns="46800" bIns="46800" anchor="t">
+                    <a:bodyPr lIns="90000" rIns="90000" anchor="t">
                       <a:noAutofit/>
                     </a:bodyPr>
                     <a:p>
+                      <a:pPr>
+                        <a:lnSpc>
+                          <a:spcPct val="100000"/>
+                        </a:lnSpc>
+                        <a:buNone/>
+                      </a:pPr>
                       <a:r>
                         <a:rPr b="0" lang="en-US" sz="1800" spc="-1" strike="noStrike">
                           <a:latin typeface="Arial"/>
@@ -21109,10 +19930,16 @@
               <a:tr h="522720">
                 <a:tc>
                   <a:txBody>
-                    <a:bodyPr lIns="90000" rIns="90000" tIns="46800" bIns="46800" anchor="t">
+                    <a:bodyPr lIns="90000" rIns="90000" anchor="t">
                       <a:noAutofit/>
                     </a:bodyPr>
                     <a:p>
+                      <a:pPr>
+                        <a:lnSpc>
+                          <a:spcPct val="100000"/>
+                        </a:lnSpc>
+                        <a:buNone/>
+                      </a:pPr>
                       <a:r>
                         <a:rPr b="0" lang="en-US" sz="1800" spc="-1" strike="noStrike">
                           <a:latin typeface="Arial"/>
@@ -21152,10 +19979,16 @@
                 </a:tc>
                 <a:tc>
                   <a:txBody>
-                    <a:bodyPr lIns="90000" rIns="90000" tIns="46800" bIns="46800" anchor="t">
+                    <a:bodyPr lIns="90000" rIns="90000" anchor="t">
                       <a:noAutofit/>
                     </a:bodyPr>
                     <a:p>
+                      <a:pPr>
+                        <a:lnSpc>
+                          <a:spcPct val="100000"/>
+                        </a:lnSpc>
+                        <a:buNone/>
+                      </a:pPr>
                       <a:r>
                         <a:rPr b="0" lang="en-US" sz="1800" spc="-1" strike="noStrike">
                           <a:latin typeface="Arial"/>
@@ -21195,10 +20028,16 @@
                 </a:tc>
                 <a:tc>
                   <a:txBody>
-                    <a:bodyPr lIns="90000" rIns="90000" tIns="46800" bIns="46800" anchor="t">
+                    <a:bodyPr lIns="90000" rIns="90000" anchor="t">
                       <a:noAutofit/>
                     </a:bodyPr>
                     <a:p>
+                      <a:pPr>
+                        <a:lnSpc>
+                          <a:spcPct val="100000"/>
+                        </a:lnSpc>
+                        <a:buNone/>
+                      </a:pPr>
                       <a:r>
                         <a:rPr b="0" lang="en-US" sz="1800" spc="-1" strike="noStrike">
                           <a:latin typeface="Arial"/>
@@ -21238,10 +20077,16 @@
                 </a:tc>
                 <a:tc>
                   <a:txBody>
-                    <a:bodyPr lIns="90000" rIns="90000" tIns="46800" bIns="46800" anchor="t">
+                    <a:bodyPr lIns="90000" rIns="90000" anchor="t">
                       <a:noAutofit/>
                     </a:bodyPr>
                     <a:p>
+                      <a:pPr>
+                        <a:lnSpc>
+                          <a:spcPct val="100000"/>
+                        </a:lnSpc>
+                        <a:buNone/>
+                      </a:pPr>
                       <a:r>
                         <a:rPr b="0" lang="en-US" sz="1800" spc="-1" strike="noStrike">
                           <a:latin typeface="Arial"/>
@@ -21281,10 +20126,16 @@
                 </a:tc>
                 <a:tc>
                   <a:txBody>
-                    <a:bodyPr lIns="90000" rIns="90000" tIns="46800" bIns="46800" anchor="t">
+                    <a:bodyPr lIns="90000" rIns="90000" anchor="t">
                       <a:noAutofit/>
                     </a:bodyPr>
                     <a:p>
+                      <a:pPr>
+                        <a:lnSpc>
+                          <a:spcPct val="100000"/>
+                        </a:lnSpc>
+                        <a:buNone/>
+                      </a:pPr>
                       <a:r>
                         <a:rPr b="0" lang="en-US" sz="1800" spc="-1" strike="noStrike">
                           <a:latin typeface="Arial"/>
@@ -21359,7 +20210,7 @@
       </p:grpSpPr>
       <p:sp>
         <p:nvSpPr>
-          <p:cNvPr id="341" name="PlaceHolder 1"/>
+          <p:cNvPr id="301" name="PlaceHolder 1"/>
           <p:cNvSpPr>
             <a:spLocks noGrp="1"/>
           </p:cNvSpPr>
@@ -21370,7 +20221,7 @@
         <p:spPr>
           <a:xfrm>
             <a:off x="500400" y="330840"/>
-            <a:ext cx="8519760" cy="1095120"/>
+            <a:ext cx="8519400" cy="1094760"/>
           </a:xfrm>
           <a:prstGeom prst="rect">
             <a:avLst/>
@@ -21412,13 +20263,13 @@
       </p:sp>
       <p:graphicFrame>
         <p:nvGraphicFramePr>
-          <p:cNvPr id="342" name=""/>
+          <p:cNvPr id="302" name=""/>
           <p:cNvGraphicFramePr/>
           <p:nvPr/>
         </p:nvGraphicFramePr>
         <p:xfrm>
           <a:off x="781560" y="1165680"/>
-          <a:ext cx="7905240" cy="3634920"/>
+          <a:ext cx="7904880" cy="3634560"/>
         </p:xfrm>
         <a:graphic>
           <a:graphicData uri="http://schemas.openxmlformats.org/drawingml/2006/table">
@@ -21434,10 +20285,16 @@
               <a:tr h="409680">
                 <a:tc>
                   <a:txBody>
-                    <a:bodyPr lIns="90000" rIns="90000" tIns="46800" bIns="46800" anchor="t">
+                    <a:bodyPr lIns="90000" rIns="90000" anchor="t">
                       <a:noAutofit/>
                     </a:bodyPr>
                     <a:p>
+                      <a:pPr>
+                        <a:lnSpc>
+                          <a:spcPct val="100000"/>
+                        </a:lnSpc>
+                        <a:buNone/>
+                      </a:pPr>
                       <a:r>
                         <a:rPr b="0" lang="en-US" sz="1800" spc="-1" strike="noStrike">
                           <a:latin typeface="Arial"/>
@@ -21477,10 +20334,16 @@
                 </a:tc>
                 <a:tc>
                   <a:txBody>
-                    <a:bodyPr lIns="90000" rIns="90000" tIns="46800" bIns="46800" anchor="t">
+                    <a:bodyPr lIns="90000" rIns="90000" anchor="t">
                       <a:noAutofit/>
                     </a:bodyPr>
                     <a:p>
+                      <a:pPr>
+                        <a:lnSpc>
+                          <a:spcPct val="100000"/>
+                        </a:lnSpc>
+                        <a:buNone/>
+                      </a:pPr>
                       <a:r>
                         <a:rPr b="0" lang="en-US" sz="1800" spc="-1" strike="noStrike">
                           <a:latin typeface="Arial"/>
@@ -21520,10 +20383,16 @@
                 </a:tc>
                 <a:tc>
                   <a:txBody>
-                    <a:bodyPr lIns="90000" rIns="90000" tIns="46800" bIns="46800" anchor="t">
+                    <a:bodyPr lIns="90000" rIns="90000" anchor="t">
                       <a:noAutofit/>
                     </a:bodyPr>
                     <a:p>
+                      <a:pPr>
+                        <a:lnSpc>
+                          <a:spcPct val="100000"/>
+                        </a:lnSpc>
+                        <a:buNone/>
+                      </a:pPr>
                       <a:r>
                         <a:rPr b="0" lang="en-US" sz="1800" spc="-1" strike="noStrike">
                           <a:latin typeface="Arial"/>
@@ -21563,10 +20432,16 @@
                 </a:tc>
                 <a:tc>
                   <a:txBody>
-                    <a:bodyPr lIns="90000" rIns="90000" tIns="46800" bIns="46800" anchor="t">
+                    <a:bodyPr lIns="90000" rIns="90000" anchor="t">
                       <a:noAutofit/>
                     </a:bodyPr>
                     <a:p>
+                      <a:pPr>
+                        <a:lnSpc>
+                          <a:spcPct val="100000"/>
+                        </a:lnSpc>
+                        <a:buNone/>
+                      </a:pPr>
                       <a:r>
                         <a:rPr b="0" lang="en-US" sz="1800" spc="-1" strike="noStrike">
                           <a:latin typeface="Arial"/>
@@ -21606,10 +20481,16 @@
                 </a:tc>
                 <a:tc>
                   <a:txBody>
-                    <a:bodyPr lIns="90000" rIns="90000" tIns="46800" bIns="46800" anchor="t">
+                    <a:bodyPr lIns="90000" rIns="90000" anchor="t">
                       <a:noAutofit/>
                     </a:bodyPr>
                     <a:p>
+                      <a:pPr>
+                        <a:lnSpc>
+                          <a:spcPct val="100000"/>
+                        </a:lnSpc>
+                        <a:buNone/>
+                      </a:pPr>
                       <a:r>
                         <a:rPr b="0" lang="en-US" sz="1800" spc="-1" strike="noStrike">
                           <a:latin typeface="Arial"/>
@@ -21651,10 +20532,16 @@
               <a:tr h="409680">
                 <a:tc>
                   <a:txBody>
-                    <a:bodyPr lIns="90000" rIns="90000" tIns="46800" bIns="46800" anchor="t">
+                    <a:bodyPr lIns="90000" rIns="90000" anchor="t">
                       <a:noAutofit/>
                     </a:bodyPr>
                     <a:p>
+                      <a:pPr>
+                        <a:lnSpc>
+                          <a:spcPct val="100000"/>
+                        </a:lnSpc>
+                        <a:buNone/>
+                      </a:pPr>
                       <a:r>
                         <a:rPr b="0" lang="en-US" sz="1800" spc="-1" strike="noStrike">
                           <a:latin typeface="Arial"/>
@@ -21694,10 +20581,16 @@
                 </a:tc>
                 <a:tc>
                   <a:txBody>
-                    <a:bodyPr lIns="90000" rIns="90000" tIns="46800" bIns="46800" anchor="t">
+                    <a:bodyPr lIns="90000" rIns="90000" anchor="t">
                       <a:noAutofit/>
                     </a:bodyPr>
                     <a:p>
+                      <a:pPr>
+                        <a:lnSpc>
+                          <a:spcPct val="100000"/>
+                        </a:lnSpc>
+                        <a:buNone/>
+                      </a:pPr>
                       <a:r>
                         <a:rPr b="0" lang="en-US" sz="1800" spc="-1" strike="noStrike">
                           <a:latin typeface="Arial"/>
@@ -21737,10 +20630,16 @@
                 </a:tc>
                 <a:tc>
                   <a:txBody>
-                    <a:bodyPr lIns="90000" rIns="90000" tIns="46800" bIns="46800" anchor="t">
+                    <a:bodyPr lIns="90000" rIns="90000" anchor="t">
                       <a:noAutofit/>
                     </a:bodyPr>
                     <a:p>
+                      <a:pPr>
+                        <a:lnSpc>
+                          <a:spcPct val="100000"/>
+                        </a:lnSpc>
+                        <a:buNone/>
+                      </a:pPr>
                       <a:r>
                         <a:rPr b="0" lang="en-US" sz="1800" spc="-1" strike="noStrike">
                           <a:latin typeface="Arial"/>
@@ -21780,10 +20679,16 @@
                 </a:tc>
                 <a:tc>
                   <a:txBody>
-                    <a:bodyPr lIns="90000" rIns="90000" tIns="46800" bIns="46800" anchor="t">
+                    <a:bodyPr lIns="90000" rIns="90000" anchor="t">
                       <a:noAutofit/>
                     </a:bodyPr>
                     <a:p>
+                      <a:pPr>
+                        <a:lnSpc>
+                          <a:spcPct val="100000"/>
+                        </a:lnSpc>
+                        <a:buNone/>
+                      </a:pPr>
                       <a:r>
                         <a:rPr b="0" lang="en-US" sz="1800" spc="-1" strike="noStrike">
                           <a:latin typeface="Arial"/>
@@ -21823,10 +20728,16 @@
                 </a:tc>
                 <a:tc>
                   <a:txBody>
-                    <a:bodyPr lIns="90000" rIns="90000" tIns="46800" bIns="46800" anchor="t">
+                    <a:bodyPr lIns="90000" rIns="90000" anchor="t">
                       <a:noAutofit/>
                     </a:bodyPr>
                     <a:p>
+                      <a:pPr>
+                        <a:lnSpc>
+                          <a:spcPct val="100000"/>
+                        </a:lnSpc>
+                        <a:buNone/>
+                      </a:pPr>
                       <a:r>
                         <a:rPr b="0" lang="en-US" sz="1800" spc="-1" strike="noStrike">
                           <a:latin typeface="Arial"/>
@@ -21868,10 +20779,16 @@
               <a:tr h="409680">
                 <a:tc>
                   <a:txBody>
-                    <a:bodyPr lIns="90000" rIns="90000" tIns="46800" bIns="46800" anchor="t">
+                    <a:bodyPr lIns="90000" rIns="90000" anchor="t">
                       <a:noAutofit/>
                     </a:bodyPr>
                     <a:p>
+                      <a:pPr>
+                        <a:lnSpc>
+                          <a:spcPct val="100000"/>
+                        </a:lnSpc>
+                        <a:buNone/>
+                      </a:pPr>
                       <a:r>
                         <a:rPr b="0" lang="en-US" sz="1800" spc="-1" strike="noStrike">
                           <a:latin typeface="Arial"/>
@@ -21911,10 +20828,16 @@
                 </a:tc>
                 <a:tc>
                   <a:txBody>
-                    <a:bodyPr lIns="90000" rIns="90000" tIns="46800" bIns="46800" anchor="t">
+                    <a:bodyPr lIns="90000" rIns="90000" anchor="t">
                       <a:noAutofit/>
                     </a:bodyPr>
                     <a:p>
+                      <a:pPr>
+                        <a:lnSpc>
+                          <a:spcPct val="100000"/>
+                        </a:lnSpc>
+                        <a:buNone/>
+                      </a:pPr>
                       <a:r>
                         <a:rPr b="0" lang="en-US" sz="1800" spc="-1" strike="noStrike">
                           <a:latin typeface="Arial"/>
@@ -21954,10 +20877,16 @@
                 </a:tc>
                 <a:tc>
                   <a:txBody>
-                    <a:bodyPr lIns="90000" rIns="90000" tIns="46800" bIns="46800" anchor="t">
+                    <a:bodyPr lIns="90000" rIns="90000" anchor="t">
                       <a:noAutofit/>
                     </a:bodyPr>
                     <a:p>
+                      <a:pPr>
+                        <a:lnSpc>
+                          <a:spcPct val="100000"/>
+                        </a:lnSpc>
+                        <a:buNone/>
+                      </a:pPr>
                       <a:r>
                         <a:rPr b="0" lang="en-US" sz="1800" spc="-1" strike="noStrike">
                           <a:latin typeface="Arial"/>
@@ -21997,10 +20926,16 @@
                 </a:tc>
                 <a:tc>
                   <a:txBody>
-                    <a:bodyPr lIns="90000" rIns="90000" tIns="46800" bIns="46800" anchor="t">
+                    <a:bodyPr lIns="90000" rIns="90000" anchor="t">
                       <a:noAutofit/>
                     </a:bodyPr>
                     <a:p>
+                      <a:pPr>
+                        <a:lnSpc>
+                          <a:spcPct val="100000"/>
+                        </a:lnSpc>
+                        <a:buNone/>
+                      </a:pPr>
                       <a:r>
                         <a:rPr b="0" lang="en-US" sz="1800" spc="-1" strike="noStrike">
                           <a:latin typeface="Arial"/>
@@ -22040,10 +20975,16 @@
                 </a:tc>
                 <a:tc>
                   <a:txBody>
-                    <a:bodyPr lIns="90000" rIns="90000" tIns="46800" bIns="46800" anchor="t">
+                    <a:bodyPr lIns="90000" rIns="90000" anchor="t">
                       <a:noAutofit/>
                     </a:bodyPr>
                     <a:p>
+                      <a:pPr>
+                        <a:lnSpc>
+                          <a:spcPct val="100000"/>
+                        </a:lnSpc>
+                        <a:buNone/>
+                      </a:pPr>
                       <a:r>
                         <a:rPr b="0" lang="en-US" sz="1800" spc="-1" strike="noStrike">
                           <a:latin typeface="Arial"/>
@@ -22085,10 +21026,16 @@
               <a:tr h="409680">
                 <a:tc>
                   <a:txBody>
-                    <a:bodyPr lIns="90000" rIns="90000" tIns="46800" bIns="46800" anchor="t">
+                    <a:bodyPr lIns="90000" rIns="90000" anchor="t">
                       <a:noAutofit/>
                     </a:bodyPr>
                     <a:p>
+                      <a:pPr>
+                        <a:lnSpc>
+                          <a:spcPct val="100000"/>
+                        </a:lnSpc>
+                        <a:buNone/>
+                      </a:pPr>
                       <a:r>
                         <a:rPr b="0" lang="en-US" sz="1800" spc="-1" strike="noStrike">
                           <a:latin typeface="Arial"/>
@@ -22128,10 +21075,16 @@
                 </a:tc>
                 <a:tc>
                   <a:txBody>
-                    <a:bodyPr lIns="90000" rIns="90000" tIns="46800" bIns="46800" anchor="t">
+                    <a:bodyPr lIns="90000" rIns="90000" anchor="t">
                       <a:noAutofit/>
                     </a:bodyPr>
                     <a:p>
+                      <a:pPr>
+                        <a:lnSpc>
+                          <a:spcPct val="100000"/>
+                        </a:lnSpc>
+                        <a:buNone/>
+                      </a:pPr>
                       <a:r>
                         <a:rPr b="0" lang="en-US" sz="1800" spc="-1" strike="noStrike">
                           <a:latin typeface="Arial"/>
@@ -22171,10 +21124,16 @@
                 </a:tc>
                 <a:tc>
                   <a:txBody>
-                    <a:bodyPr lIns="90000" rIns="90000" tIns="46800" bIns="46800" anchor="t">
+                    <a:bodyPr lIns="90000" rIns="90000" anchor="t">
                       <a:noAutofit/>
                     </a:bodyPr>
                     <a:p>
+                      <a:pPr>
+                        <a:lnSpc>
+                          <a:spcPct val="100000"/>
+                        </a:lnSpc>
+                        <a:buNone/>
+                      </a:pPr>
                       <a:r>
                         <a:rPr b="0" lang="en-US" sz="1800" spc="-1" strike="noStrike">
                           <a:latin typeface="Arial"/>
@@ -22214,10 +21173,16 @@
                 </a:tc>
                 <a:tc>
                   <a:txBody>
-                    <a:bodyPr lIns="90000" rIns="90000" tIns="46800" bIns="46800" anchor="t">
+                    <a:bodyPr lIns="90000" rIns="90000" anchor="t">
                       <a:noAutofit/>
                     </a:bodyPr>
                     <a:p>
+                      <a:pPr>
+                        <a:lnSpc>
+                          <a:spcPct val="100000"/>
+                        </a:lnSpc>
+                        <a:buNone/>
+                      </a:pPr>
                       <a:r>
                         <a:rPr b="0" lang="en-US" sz="1800" spc="-1" strike="noStrike">
                           <a:latin typeface="Arial"/>
@@ -22257,10 +21222,16 @@
                 </a:tc>
                 <a:tc>
                   <a:txBody>
-                    <a:bodyPr lIns="90000" rIns="90000" tIns="46800" bIns="46800" anchor="t">
+                    <a:bodyPr lIns="90000" rIns="90000" anchor="t">
                       <a:noAutofit/>
                     </a:bodyPr>
                     <a:p>
+                      <a:pPr>
+                        <a:lnSpc>
+                          <a:spcPct val="100000"/>
+                        </a:lnSpc>
+                        <a:buNone/>
+                      </a:pPr>
                       <a:r>
                         <a:rPr b="0" lang="en-US" sz="1800" spc="-1" strike="noStrike">
                           <a:latin typeface="Arial"/>
@@ -22302,10 +21273,16 @@
               <a:tr h="409680">
                 <a:tc>
                   <a:txBody>
-                    <a:bodyPr lIns="90000" rIns="90000" tIns="46800" bIns="46800" anchor="t">
+                    <a:bodyPr lIns="90000" rIns="90000" anchor="t">
                       <a:noAutofit/>
                     </a:bodyPr>
                     <a:p>
+                      <a:pPr>
+                        <a:lnSpc>
+                          <a:spcPct val="100000"/>
+                        </a:lnSpc>
+                        <a:buNone/>
+                      </a:pPr>
                       <a:r>
                         <a:rPr b="0" lang="en-US" sz="1800" spc="-1" strike="noStrike">
                           <a:latin typeface="Arial"/>
@@ -22345,10 +21322,16 @@
                 </a:tc>
                 <a:tc>
                   <a:txBody>
-                    <a:bodyPr lIns="90000" rIns="90000" tIns="46800" bIns="46800" anchor="t">
+                    <a:bodyPr lIns="90000" rIns="90000" anchor="t">
                       <a:noAutofit/>
                     </a:bodyPr>
                     <a:p>
+                      <a:pPr>
+                        <a:lnSpc>
+                          <a:spcPct val="100000"/>
+                        </a:lnSpc>
+                        <a:buNone/>
+                      </a:pPr>
                       <a:r>
                         <a:rPr b="0" lang="en-US" sz="1800" spc="-1" strike="noStrike">
                           <a:latin typeface="Arial"/>
@@ -22388,10 +21371,16 @@
                 </a:tc>
                 <a:tc>
                   <a:txBody>
-                    <a:bodyPr lIns="90000" rIns="90000" tIns="46800" bIns="46800" anchor="t">
+                    <a:bodyPr lIns="90000" rIns="90000" anchor="t">
                       <a:noAutofit/>
                     </a:bodyPr>
                     <a:p>
+                      <a:pPr>
+                        <a:lnSpc>
+                          <a:spcPct val="100000"/>
+                        </a:lnSpc>
+                        <a:buNone/>
+                      </a:pPr>
                       <a:r>
                         <a:rPr b="0" lang="en-US" sz="1800" spc="-1" strike="noStrike">
                           <a:latin typeface="Arial"/>
@@ -22431,10 +21420,16 @@
                 </a:tc>
                 <a:tc>
                   <a:txBody>
-                    <a:bodyPr lIns="90000" rIns="90000" tIns="46800" bIns="46800" anchor="t">
+                    <a:bodyPr lIns="90000" rIns="90000" anchor="t">
                       <a:noAutofit/>
                     </a:bodyPr>
                     <a:p>
+                      <a:pPr>
+                        <a:lnSpc>
+                          <a:spcPct val="100000"/>
+                        </a:lnSpc>
+                        <a:buNone/>
+                      </a:pPr>
                       <a:r>
                         <a:rPr b="0" lang="en-US" sz="1800" spc="-1" strike="noStrike">
                           <a:latin typeface="Arial"/>
@@ -22474,10 +21469,16 @@
                 </a:tc>
                 <a:tc>
                   <a:txBody>
-                    <a:bodyPr lIns="90000" rIns="90000" tIns="46800" bIns="46800" anchor="t">
+                    <a:bodyPr lIns="90000" rIns="90000" anchor="t">
                       <a:noAutofit/>
                     </a:bodyPr>
                     <a:p>
+                      <a:pPr>
+                        <a:lnSpc>
+                          <a:spcPct val="100000"/>
+                        </a:lnSpc>
+                        <a:buNone/>
+                      </a:pPr>
                       <a:r>
                         <a:rPr b="0" lang="en-US" sz="1800" spc="-1" strike="noStrike">
                           <a:latin typeface="Arial"/>
@@ -22519,10 +21520,16 @@
               <a:tr h="409680">
                 <a:tc>
                   <a:txBody>
-                    <a:bodyPr lIns="90000" rIns="90000" tIns="46800" bIns="46800" anchor="t">
+                    <a:bodyPr lIns="90000" rIns="90000" anchor="t">
                       <a:noAutofit/>
                     </a:bodyPr>
                     <a:p>
+                      <a:pPr>
+                        <a:lnSpc>
+                          <a:spcPct val="100000"/>
+                        </a:lnSpc>
+                        <a:buNone/>
+                      </a:pPr>
                       <a:r>
                         <a:rPr b="0" lang="en-US" sz="1800" spc="-1" strike="noStrike">
                           <a:latin typeface="Arial"/>
@@ -22562,10 +21569,16 @@
                 </a:tc>
                 <a:tc>
                   <a:txBody>
-                    <a:bodyPr lIns="90000" rIns="90000" tIns="46800" bIns="46800" anchor="t">
+                    <a:bodyPr lIns="90000" rIns="90000" anchor="t">
                       <a:noAutofit/>
                     </a:bodyPr>
                     <a:p>
+                      <a:pPr>
+                        <a:lnSpc>
+                          <a:spcPct val="100000"/>
+                        </a:lnSpc>
+                        <a:buNone/>
+                      </a:pPr>
                       <a:r>
                         <a:rPr b="0" lang="en-US" sz="1800" spc="-1" strike="noStrike">
                           <a:latin typeface="Arial"/>
@@ -22605,10 +21618,16 @@
                 </a:tc>
                 <a:tc>
                   <a:txBody>
-                    <a:bodyPr lIns="90000" rIns="90000" tIns="46800" bIns="46800" anchor="t">
+                    <a:bodyPr lIns="90000" rIns="90000" anchor="t">
                       <a:noAutofit/>
                     </a:bodyPr>
                     <a:p>
+                      <a:pPr>
+                        <a:lnSpc>
+                          <a:spcPct val="100000"/>
+                        </a:lnSpc>
+                        <a:buNone/>
+                      </a:pPr>
                       <a:r>
                         <a:rPr b="0" lang="en-US" sz="1800" spc="-1" strike="noStrike">
                           <a:latin typeface="Arial"/>
@@ -22648,10 +21667,16 @@
                 </a:tc>
                 <a:tc>
                   <a:txBody>
-                    <a:bodyPr lIns="90000" rIns="90000" tIns="46800" bIns="46800" anchor="t">
+                    <a:bodyPr lIns="90000" rIns="90000" anchor="t">
                       <a:noAutofit/>
                     </a:bodyPr>
                     <a:p>
+                      <a:pPr>
+                        <a:lnSpc>
+                          <a:spcPct val="100000"/>
+                        </a:lnSpc>
+                        <a:buNone/>
+                      </a:pPr>
                       <a:r>
                         <a:rPr b="0" lang="en-US" sz="1800" spc="-1" strike="noStrike">
                           <a:latin typeface="Arial"/>
@@ -22691,10 +21716,16 @@
                 </a:tc>
                 <a:tc>
                   <a:txBody>
-                    <a:bodyPr lIns="90000" rIns="90000" tIns="46800" bIns="46800" anchor="t">
+                    <a:bodyPr lIns="90000" rIns="90000" anchor="t">
                       <a:noAutofit/>
                     </a:bodyPr>
                     <a:p>
+                      <a:pPr>
+                        <a:lnSpc>
+                          <a:spcPct val="100000"/>
+                        </a:lnSpc>
+                        <a:buNone/>
+                      </a:pPr>
                       <a:r>
                         <a:rPr b="0" lang="en-US" sz="1800" spc="-1" strike="noStrike">
                           <a:latin typeface="Arial"/>
@@ -22736,10 +21767,16 @@
               <a:tr h="391680">
                 <a:tc>
                   <a:txBody>
-                    <a:bodyPr lIns="90000" rIns="90000" tIns="46800" bIns="46800" anchor="t">
+                    <a:bodyPr lIns="90000" rIns="90000" anchor="t">
                       <a:noAutofit/>
                     </a:bodyPr>
                     <a:p>
+                      <a:pPr>
+                        <a:lnSpc>
+                          <a:spcPct val="100000"/>
+                        </a:lnSpc>
+                        <a:buNone/>
+                      </a:pPr>
                       <a:r>
                         <a:rPr b="0" lang="en-US" sz="1600" spc="-1" strike="noStrike">
                           <a:latin typeface="Arial"/>
@@ -22779,10 +21816,16 @@
                 </a:tc>
                 <a:tc>
                   <a:txBody>
-                    <a:bodyPr lIns="90000" rIns="90000" tIns="46800" bIns="46800" anchor="t">
+                    <a:bodyPr lIns="90000" rIns="90000" anchor="t">
                       <a:noAutofit/>
                     </a:bodyPr>
                     <a:p>
+                      <a:pPr>
+                        <a:lnSpc>
+                          <a:spcPct val="100000"/>
+                        </a:lnSpc>
+                        <a:buNone/>
+                      </a:pPr>
                       <a:r>
                         <a:rPr b="0" lang="en-US" sz="1600" spc="-1" strike="noStrike">
                           <a:latin typeface="Arial"/>
@@ -22822,10 +21865,16 @@
                 </a:tc>
                 <a:tc>
                   <a:txBody>
-                    <a:bodyPr lIns="90000" rIns="90000" tIns="46800" bIns="46800" anchor="t">
+                    <a:bodyPr lIns="90000" rIns="90000" anchor="t">
                       <a:noAutofit/>
                     </a:bodyPr>
                     <a:p>
+                      <a:pPr>
+                        <a:lnSpc>
+                          <a:spcPct val="100000"/>
+                        </a:lnSpc>
+                        <a:buNone/>
+                      </a:pPr>
                       <a:r>
                         <a:rPr b="0" lang="en-US" sz="1600" spc="-1" strike="noStrike">
                           <a:latin typeface="Arial"/>
@@ -22865,10 +21914,16 @@
                 </a:tc>
                 <a:tc>
                   <a:txBody>
-                    <a:bodyPr lIns="90000" rIns="90000" tIns="46800" bIns="46800" anchor="t">
+                    <a:bodyPr lIns="90000" rIns="90000" anchor="t">
                       <a:noAutofit/>
                     </a:bodyPr>
                     <a:p>
+                      <a:pPr>
+                        <a:lnSpc>
+                          <a:spcPct val="100000"/>
+                        </a:lnSpc>
+                        <a:buNone/>
+                      </a:pPr>
                       <a:r>
                         <a:rPr b="0" lang="en-US" sz="1600" spc="-1" strike="noStrike">
                           <a:latin typeface="Arial"/>
@@ -22908,10 +21963,16 @@
                 </a:tc>
                 <a:tc>
                   <a:txBody>
-                    <a:bodyPr lIns="90000" rIns="90000" tIns="46800" bIns="46800" anchor="t">
+                    <a:bodyPr lIns="90000" rIns="90000" anchor="t">
                       <a:noAutofit/>
                     </a:bodyPr>
                     <a:p>
+                      <a:pPr>
+                        <a:lnSpc>
+                          <a:spcPct val="100000"/>
+                        </a:lnSpc>
+                        <a:buNone/>
+                      </a:pPr>
                       <a:r>
                         <a:rPr b="0" lang="en-US" sz="1600" spc="-1" strike="noStrike">
                           <a:latin typeface="Arial"/>
@@ -22953,10 +22014,16 @@
               <a:tr h="391680">
                 <a:tc>
                   <a:txBody>
-                    <a:bodyPr lIns="90000" rIns="90000" tIns="46800" bIns="46800" anchor="t">
+                    <a:bodyPr lIns="90000" rIns="90000" anchor="t">
                       <a:noAutofit/>
                     </a:bodyPr>
                     <a:p>
+                      <a:pPr>
+                        <a:lnSpc>
+                          <a:spcPct val="100000"/>
+                        </a:lnSpc>
+                        <a:buNone/>
+                      </a:pPr>
                       <a:r>
                         <a:rPr b="0" lang="en-US" sz="1600" spc="-1" strike="noStrike">
                           <a:latin typeface="Arial"/>
@@ -22996,10 +22063,16 @@
                 </a:tc>
                 <a:tc>
                   <a:txBody>
-                    <a:bodyPr lIns="90000" rIns="90000" tIns="46800" bIns="46800" anchor="t">
+                    <a:bodyPr lIns="90000" rIns="90000" anchor="t">
                       <a:noAutofit/>
                     </a:bodyPr>
                     <a:p>
+                      <a:pPr>
+                        <a:lnSpc>
+                          <a:spcPct val="100000"/>
+                        </a:lnSpc>
+                        <a:buNone/>
+                      </a:pPr>
                       <a:r>
                         <a:rPr b="0" lang="en-US" sz="1600" spc="-1" strike="noStrike">
                           <a:latin typeface="Arial"/>
@@ -23039,10 +22112,16 @@
                 </a:tc>
                 <a:tc>
                   <a:txBody>
-                    <a:bodyPr lIns="90000" rIns="90000" tIns="46800" bIns="46800" anchor="t">
+                    <a:bodyPr lIns="90000" rIns="90000" anchor="t">
                       <a:noAutofit/>
                     </a:bodyPr>
                     <a:p>
+                      <a:pPr>
+                        <a:lnSpc>
+                          <a:spcPct val="100000"/>
+                        </a:lnSpc>
+                        <a:buNone/>
+                      </a:pPr>
                       <a:r>
                         <a:rPr b="0" lang="en-US" sz="1600" spc="-1" strike="noStrike">
                           <a:latin typeface="Arial"/>
@@ -23082,10 +22161,16 @@
                 </a:tc>
                 <a:tc>
                   <a:txBody>
-                    <a:bodyPr lIns="90000" rIns="90000" tIns="46800" bIns="46800" anchor="t">
+                    <a:bodyPr lIns="90000" rIns="90000" anchor="t">
                       <a:noAutofit/>
                     </a:bodyPr>
                     <a:p>
+                      <a:pPr>
+                        <a:lnSpc>
+                          <a:spcPct val="100000"/>
+                        </a:lnSpc>
+                        <a:buNone/>
+                      </a:pPr>
                       <a:r>
                         <a:rPr b="0" lang="en-US" sz="1600" spc="-1" strike="noStrike">
                           <a:latin typeface="Arial"/>
@@ -23125,10 +22210,16 @@
                 </a:tc>
                 <a:tc>
                   <a:txBody>
-                    <a:bodyPr lIns="90000" rIns="90000" tIns="46800" bIns="46800" anchor="t">
+                    <a:bodyPr lIns="90000" rIns="90000" anchor="t">
                       <a:noAutofit/>
                     </a:bodyPr>
                     <a:p>
+                      <a:pPr>
+                        <a:lnSpc>
+                          <a:spcPct val="100000"/>
+                        </a:lnSpc>
+                        <a:buNone/>
+                      </a:pPr>
                       <a:r>
                         <a:rPr b="0" lang="en-US" sz="1600" spc="-1" strike="noStrike">
                           <a:latin typeface="Arial"/>
@@ -23170,10 +22261,16 @@
               <a:tr h="393480">
                 <a:tc>
                   <a:txBody>
-                    <a:bodyPr lIns="90000" rIns="90000" tIns="46800" bIns="46800" anchor="t">
+                    <a:bodyPr lIns="90000" rIns="90000" anchor="t">
                       <a:noAutofit/>
                     </a:bodyPr>
                     <a:p>
+                      <a:pPr>
+                        <a:lnSpc>
+                          <a:spcPct val="100000"/>
+                        </a:lnSpc>
+                        <a:buNone/>
+                      </a:pPr>
                       <a:r>
                         <a:rPr b="0" lang="en-US" sz="1600" spc="-1" strike="noStrike">
                           <a:latin typeface="Arial"/>
@@ -23213,10 +22310,16 @@
                 </a:tc>
                 <a:tc>
                   <a:txBody>
-                    <a:bodyPr lIns="90000" rIns="90000" tIns="46800" bIns="46800" anchor="t">
+                    <a:bodyPr lIns="90000" rIns="90000" anchor="t">
                       <a:noAutofit/>
                     </a:bodyPr>
                     <a:p>
+                      <a:pPr>
+                        <a:lnSpc>
+                          <a:spcPct val="100000"/>
+                        </a:lnSpc>
+                        <a:buNone/>
+                      </a:pPr>
                       <a:r>
                         <a:rPr b="0" lang="en-US" sz="1600" spc="-1" strike="noStrike">
                           <a:latin typeface="Arial"/>
@@ -23256,10 +22359,16 @@
                 </a:tc>
                 <a:tc>
                   <a:txBody>
-                    <a:bodyPr lIns="90000" rIns="90000" tIns="46800" bIns="46800" anchor="t">
+                    <a:bodyPr lIns="90000" rIns="90000" anchor="t">
                       <a:noAutofit/>
                     </a:bodyPr>
                     <a:p>
+                      <a:pPr>
+                        <a:lnSpc>
+                          <a:spcPct val="100000"/>
+                        </a:lnSpc>
+                        <a:buNone/>
+                      </a:pPr>
                       <a:r>
                         <a:rPr b="0" lang="en-US" sz="1600" spc="-1" strike="noStrike">
                           <a:latin typeface="Arial"/>
@@ -23299,10 +22408,16 @@
                 </a:tc>
                 <a:tc>
                   <a:txBody>
-                    <a:bodyPr lIns="90000" rIns="90000" tIns="46800" bIns="46800" anchor="t">
+                    <a:bodyPr lIns="90000" rIns="90000" anchor="t">
                       <a:noAutofit/>
                     </a:bodyPr>
                     <a:p>
+                      <a:pPr>
+                        <a:lnSpc>
+                          <a:spcPct val="100000"/>
+                        </a:lnSpc>
+                        <a:buNone/>
+                      </a:pPr>
                       <a:r>
                         <a:rPr b="0" lang="en-US" sz="1600" spc="-1" strike="noStrike">
                           <a:latin typeface="Arial"/>
@@ -23342,10 +22457,16 @@
                 </a:tc>
                 <a:tc>
                   <a:txBody>
-                    <a:bodyPr lIns="90000" rIns="90000" tIns="46800" bIns="46800" anchor="t">
+                    <a:bodyPr lIns="90000" rIns="90000" anchor="t">
                       <a:noAutofit/>
                     </a:bodyPr>
                     <a:p>
+                      <a:pPr>
+                        <a:lnSpc>
+                          <a:spcPct val="100000"/>
+                        </a:lnSpc>
+                        <a:buNone/>
+                      </a:pPr>
                       <a:r>
                         <a:rPr b="0" lang="en-US" sz="1600" spc="-1" strike="noStrike">
                           <a:latin typeface="Arial"/>
@@ -23420,7 +22541,7 @@
       </p:grpSpPr>
       <p:sp>
         <p:nvSpPr>
-          <p:cNvPr id="281" name="PlaceHolder 1"/>
+          <p:cNvPr id="241" name="PlaceHolder 1"/>
           <p:cNvSpPr>
             <a:spLocks noGrp="1"/>
           </p:cNvSpPr>
@@ -23431,7 +22552,7 @@
         <p:spPr>
           <a:xfrm>
             <a:off x="538560" y="348840"/>
-            <a:ext cx="8519760" cy="1041480"/>
+            <a:ext cx="8519400" cy="1041120"/>
           </a:xfrm>
           <a:prstGeom prst="rect">
             <a:avLst/>
@@ -23473,28 +22594,40 @@
       </p:sp>
       <p:sp>
         <p:nvSpPr>
-          <p:cNvPr id="282" name=""/>
-          <p:cNvSpPr txBox="1"/>
+          <p:cNvPr id="242" name=""/>
+          <p:cNvSpPr/>
           <p:nvPr/>
         </p:nvSpPr>
         <p:spPr>
           <a:xfrm>
             <a:off x="496080" y="1371600"/>
-            <a:ext cx="3763800" cy="1449720"/>
-          </a:xfrm>
-          <a:prstGeom prst="rect">
-            <a:avLst/>
-          </a:prstGeom>
-          <a:noFill/>
-          <a:ln w="0">
-            <a:noFill/>
-          </a:ln>
-        </p:spPr>
+            <a:ext cx="3763440" cy="1449360"/>
+          </a:xfrm>
+          <a:prstGeom prst="rect">
+            <a:avLst/>
+          </a:prstGeom>
+          <a:noFill/>
+          <a:ln w="0">
+            <a:noFill/>
+          </a:ln>
+        </p:spPr>
+        <p:style>
+          <a:lnRef idx="0"/>
+          <a:fillRef idx="0"/>
+          <a:effectRef idx="0"/>
+          <a:fontRef idx="minor"/>
+        </p:style>
         <p:txBody>
           <a:bodyPr lIns="90000" rIns="90000" tIns="45000" bIns="45000" anchor="t">
             <a:noAutofit/>
           </a:bodyPr>
           <a:p>
+            <a:pPr>
+              <a:lnSpc>
+                <a:spcPct val="100000"/>
+              </a:lnSpc>
+              <a:buNone/>
+            </a:pPr>
             <a:r>
               <a:rPr b="0" lang="en-US" sz="2400" spc="-1" strike="noStrike">
                 <a:latin typeface="Arial"/>
@@ -23506,6 +22639,12 @@
             </a:endParaRPr>
           </a:p>
           <a:p>
+            <a:pPr>
+              <a:lnSpc>
+                <a:spcPct val="100000"/>
+              </a:lnSpc>
+              <a:buNone/>
+            </a:pPr>
             <a:r>
               <a:rPr b="0" lang="en-US" sz="2400" spc="-1" strike="noStrike">
                 <a:latin typeface="Arial"/>
@@ -23517,6 +22656,12 @@
             </a:endParaRPr>
           </a:p>
           <a:p>
+            <a:pPr>
+              <a:lnSpc>
+                <a:spcPct val="100000"/>
+              </a:lnSpc>
+              <a:buNone/>
+            </a:pPr>
             <a:r>
               <a:rPr b="0" lang="en-US" sz="2400" spc="-1" strike="noStrike">
                 <a:latin typeface="Arial"/>
@@ -23528,6 +22673,12 @@
             </a:endParaRPr>
           </a:p>
           <a:p>
+            <a:pPr>
+              <a:lnSpc>
+                <a:spcPct val="100000"/>
+              </a:lnSpc>
+              <a:buNone/>
+            </a:pPr>
             <a:r>
               <a:rPr b="0" lang="en-US" sz="2400" spc="-1" strike="noStrike">
                 <a:latin typeface="Arial"/>
@@ -23572,7 +22723,7 @@
       </p:grpSpPr>
       <p:sp>
         <p:nvSpPr>
-          <p:cNvPr id="343" name="PlaceHolder 1"/>
+          <p:cNvPr id="303" name="PlaceHolder 1"/>
           <p:cNvSpPr>
             <a:spLocks noGrp="1"/>
           </p:cNvSpPr>
@@ -23583,7 +22734,7 @@
         <p:spPr>
           <a:xfrm>
             <a:off x="500400" y="330840"/>
-            <a:ext cx="8519760" cy="1095120"/>
+            <a:ext cx="8519400" cy="1094760"/>
           </a:xfrm>
           <a:prstGeom prst="rect">
             <a:avLst/>
@@ -23639,28 +22790,40 @@
       </p:sp>
       <p:sp>
         <p:nvSpPr>
-          <p:cNvPr id="344" name=""/>
-          <p:cNvSpPr txBox="1"/>
+          <p:cNvPr id="304" name=""/>
+          <p:cNvSpPr/>
           <p:nvPr/>
         </p:nvSpPr>
         <p:spPr>
           <a:xfrm>
             <a:off x="685800" y="1425960"/>
-            <a:ext cx="8001000" cy="2649960"/>
-          </a:xfrm>
-          <a:prstGeom prst="rect">
-            <a:avLst/>
-          </a:prstGeom>
-          <a:noFill/>
-          <a:ln w="0">
-            <a:noFill/>
-          </a:ln>
-        </p:spPr>
+            <a:ext cx="8000640" cy="2649600"/>
+          </a:xfrm>
+          <a:prstGeom prst="rect">
+            <a:avLst/>
+          </a:prstGeom>
+          <a:noFill/>
+          <a:ln w="0">
+            <a:noFill/>
+          </a:ln>
+        </p:spPr>
+        <p:style>
+          <a:lnRef idx="0"/>
+          <a:fillRef idx="0"/>
+          <a:effectRef idx="0"/>
+          <a:fontRef idx="minor"/>
+        </p:style>
         <p:txBody>
           <a:bodyPr lIns="90000" rIns="90000" tIns="45000" bIns="45000" anchor="t">
             <a:noAutofit/>
           </a:bodyPr>
           <a:p>
+            <a:pPr>
+              <a:lnSpc>
+                <a:spcPct val="100000"/>
+              </a:lnSpc>
+              <a:buNone/>
+            </a:pPr>
             <a:r>
               <a:rPr b="0" lang="en-US" sz="1800" spc="-1" strike="noStrike">
                 <a:latin typeface="Arial"/>
@@ -23672,11 +22835,23 @@
             </a:endParaRPr>
           </a:p>
           <a:p>
+            <a:pPr>
+              <a:lnSpc>
+                <a:spcPct val="100000"/>
+              </a:lnSpc>
+              <a:buNone/>
+            </a:pPr>
             <a:endParaRPr b="0" lang="en-US" sz="1800" spc="-1" strike="noStrike">
               <a:latin typeface="Arial"/>
             </a:endParaRPr>
           </a:p>
           <a:p>
+            <a:pPr>
+              <a:lnSpc>
+                <a:spcPct val="100000"/>
+              </a:lnSpc>
+              <a:buNone/>
+            </a:pPr>
             <a:r>
               <a:rPr b="0" lang="en-US" sz="1800" spc="-1" strike="noStrike">
                 <a:latin typeface="Arial"/>
@@ -23688,11 +22863,23 @@
             </a:endParaRPr>
           </a:p>
           <a:p>
+            <a:pPr>
+              <a:lnSpc>
+                <a:spcPct val="100000"/>
+              </a:lnSpc>
+              <a:buNone/>
+            </a:pPr>
             <a:endParaRPr b="0" lang="en-US" sz="1800" spc="-1" strike="noStrike">
               <a:latin typeface="Arial"/>
             </a:endParaRPr>
           </a:p>
           <a:p>
+            <a:pPr>
+              <a:lnSpc>
+                <a:spcPct val="100000"/>
+              </a:lnSpc>
+              <a:buNone/>
+            </a:pPr>
             <a:endParaRPr b="0" lang="en-US" sz="1800" spc="-1" strike="noStrike">
               <a:latin typeface="Arial"/>
             </a:endParaRPr>
@@ -23731,7 +22918,7 @@
       </p:grpSpPr>
       <p:pic>
         <p:nvPicPr>
-          <p:cNvPr id="345" name="Google Shape;460;p101" descr=""/>
+          <p:cNvPr id="305" name="Google Shape;460;p101" descr=""/>
           <p:cNvPicPr/>
           <p:nvPr/>
         </p:nvPicPr>
@@ -23743,7 +22930,7 @@
         <p:spPr>
           <a:xfrm>
             <a:off x="-75960" y="0"/>
-            <a:ext cx="9219240" cy="5142960"/>
+            <a:ext cx="9218880" cy="5142600"/>
           </a:xfrm>
           <a:prstGeom prst="rect">
             <a:avLst/>
@@ -23755,7 +22942,7 @@
       </p:pic>
       <p:sp>
         <p:nvSpPr>
-          <p:cNvPr id="346" name="PlaceHolder 1"/>
+          <p:cNvPr id="306" name="PlaceHolder 1"/>
           <p:cNvSpPr>
             <a:spLocks noGrp="1"/>
           </p:cNvSpPr>
@@ -23766,7 +22953,7 @@
         <p:spPr>
           <a:xfrm>
             <a:off x="628920" y="1932480"/>
-            <a:ext cx="7294320" cy="1955520"/>
+            <a:ext cx="7293960" cy="1955160"/>
           </a:xfrm>
           <a:prstGeom prst="rect">
             <a:avLst/>
@@ -23838,14 +23025,14 @@
       </p:grpSpPr>
       <p:sp>
         <p:nvSpPr>
-          <p:cNvPr id="283" name="Google Shape;411;p96"/>
+          <p:cNvPr id="243" name="Google Shape;411;p96"/>
           <p:cNvSpPr/>
           <p:nvPr/>
         </p:nvSpPr>
         <p:spPr>
           <a:xfrm>
             <a:off x="560520" y="324720"/>
-            <a:ext cx="8519760" cy="1305360"/>
+            <a:ext cx="8519400" cy="1305000"/>
           </a:xfrm>
           <a:prstGeom prst="rect">
             <a:avLst/>
@@ -23893,23 +23080,29 @@
       </p:sp>
       <p:sp>
         <p:nvSpPr>
-          <p:cNvPr id="284" name=""/>
-          <p:cNvSpPr txBox="1"/>
+          <p:cNvPr id="244" name=""/>
+          <p:cNvSpPr/>
           <p:nvPr/>
         </p:nvSpPr>
         <p:spPr>
           <a:xfrm>
             <a:off x="500040" y="1020600"/>
-            <a:ext cx="8186760" cy="1265400"/>
-          </a:xfrm>
-          <a:prstGeom prst="rect">
-            <a:avLst/>
-          </a:prstGeom>
-          <a:noFill/>
-          <a:ln w="0">
-            <a:noFill/>
-          </a:ln>
-        </p:spPr>
+            <a:ext cx="8186400" cy="1265040"/>
+          </a:xfrm>
+          <a:prstGeom prst="rect">
+            <a:avLst/>
+          </a:prstGeom>
+          <a:noFill/>
+          <a:ln w="0">
+            <a:noFill/>
+          </a:ln>
+        </p:spPr>
+        <p:style>
+          <a:lnRef idx="0"/>
+          <a:fillRef idx="0"/>
+          <a:effectRef idx="0"/>
+          <a:fontRef idx="minor"/>
+        </p:style>
         <p:txBody>
           <a:bodyPr lIns="90000" rIns="90000" tIns="45000" bIns="45000" anchor="t">
             <a:noAutofit/>
@@ -23952,28 +23145,40 @@
       </p:sp>
       <p:sp>
         <p:nvSpPr>
-          <p:cNvPr id="285" name=""/>
-          <p:cNvSpPr txBox="1"/>
+          <p:cNvPr id="245" name=""/>
+          <p:cNvSpPr/>
           <p:nvPr/>
         </p:nvSpPr>
         <p:spPr>
           <a:xfrm>
             <a:off x="457200" y="2514600"/>
-            <a:ext cx="7772400" cy="2286000"/>
-          </a:xfrm>
-          <a:prstGeom prst="rect">
-            <a:avLst/>
-          </a:prstGeom>
-          <a:noFill/>
-          <a:ln w="0">
-            <a:noFill/>
-          </a:ln>
-        </p:spPr>
+            <a:ext cx="7772040" cy="2285640"/>
+          </a:xfrm>
+          <a:prstGeom prst="rect">
+            <a:avLst/>
+          </a:prstGeom>
+          <a:noFill/>
+          <a:ln w="0">
+            <a:noFill/>
+          </a:ln>
+        </p:spPr>
+        <p:style>
+          <a:lnRef idx="0"/>
+          <a:fillRef idx="0"/>
+          <a:effectRef idx="0"/>
+          <a:fontRef idx="minor"/>
+        </p:style>
         <p:txBody>
           <a:bodyPr lIns="90000" rIns="90000" tIns="45000" bIns="45000" anchor="t">
             <a:noAutofit/>
           </a:bodyPr>
           <a:p>
+            <a:pPr>
+              <a:lnSpc>
+                <a:spcPct val="100000"/>
+              </a:lnSpc>
+              <a:buNone/>
+            </a:pPr>
             <a:r>
               <a:rPr b="0" lang="en-US" sz="1800" spc="-1" strike="noStrike">
                 <a:latin typeface="Arial"/>
@@ -23985,6 +23190,12 @@
             </a:endParaRPr>
           </a:p>
           <a:p>
+            <a:pPr>
+              <a:lnSpc>
+                <a:spcPct val="100000"/>
+              </a:lnSpc>
+              <a:buNone/>
+            </a:pPr>
             <a:r>
               <a:rPr b="0" lang="en-US" sz="1800" spc="-1" strike="noStrike">
                 <a:latin typeface="Arial"/>
@@ -23996,6 +23207,12 @@
             </a:endParaRPr>
           </a:p>
           <a:p>
+            <a:pPr>
+              <a:lnSpc>
+                <a:spcPct val="100000"/>
+              </a:lnSpc>
+              <a:buNone/>
+            </a:pPr>
             <a:r>
               <a:rPr b="0" lang="en-US" sz="1800" spc="-1" strike="noStrike">
                 <a:latin typeface="Arial"/>
@@ -24007,6 +23224,12 @@
             </a:endParaRPr>
           </a:p>
           <a:p>
+            <a:pPr>
+              <a:lnSpc>
+                <a:spcPct val="100000"/>
+              </a:lnSpc>
+              <a:buNone/>
+            </a:pPr>
             <a:r>
               <a:rPr b="0" lang="en-US" sz="1800" spc="-1" strike="noStrike">
                 <a:latin typeface="Arial"/>
@@ -24018,6 +23241,12 @@
             </a:endParaRPr>
           </a:p>
           <a:p>
+            <a:pPr>
+              <a:lnSpc>
+                <a:spcPct val="100000"/>
+              </a:lnSpc>
+              <a:buNone/>
+            </a:pPr>
             <a:r>
               <a:rPr b="0" lang="en-US" sz="1800" spc="-1" strike="noStrike">
                 <a:latin typeface="Arial"/>
@@ -24062,7 +23291,7 @@
       </p:grpSpPr>
       <p:sp>
         <p:nvSpPr>
-          <p:cNvPr id="286" name="PlaceHolder 1"/>
+          <p:cNvPr id="246" name="PlaceHolder 1"/>
           <p:cNvSpPr>
             <a:spLocks noGrp="1"/>
           </p:cNvSpPr>
@@ -24073,7 +23302,7 @@
         <p:spPr>
           <a:xfrm>
             <a:off x="500400" y="330840"/>
-            <a:ext cx="8519760" cy="1095120"/>
+            <a:ext cx="8519400" cy="1094760"/>
           </a:xfrm>
           <a:prstGeom prst="rect">
             <a:avLst/>
@@ -24129,28 +23358,40 @@
       </p:sp>
       <p:sp>
         <p:nvSpPr>
-          <p:cNvPr id="287" name=""/>
-          <p:cNvSpPr txBox="1"/>
+          <p:cNvPr id="247" name=""/>
+          <p:cNvSpPr/>
           <p:nvPr/>
         </p:nvSpPr>
         <p:spPr>
           <a:xfrm>
             <a:off x="685800" y="1371600"/>
-            <a:ext cx="7645320" cy="858240"/>
-          </a:xfrm>
-          <a:prstGeom prst="rect">
-            <a:avLst/>
-          </a:prstGeom>
-          <a:noFill/>
-          <a:ln w="0">
-            <a:noFill/>
-          </a:ln>
-        </p:spPr>
+            <a:ext cx="7644960" cy="857880"/>
+          </a:xfrm>
+          <a:prstGeom prst="rect">
+            <a:avLst/>
+          </a:prstGeom>
+          <a:noFill/>
+          <a:ln w="0">
+            <a:noFill/>
+          </a:ln>
+        </p:spPr>
+        <p:style>
+          <a:lnRef idx="0"/>
+          <a:fillRef idx="0"/>
+          <a:effectRef idx="0"/>
+          <a:fontRef idx="minor"/>
+        </p:style>
         <p:txBody>
           <a:bodyPr lIns="90000" rIns="90000" tIns="45000" bIns="45000" anchor="t">
             <a:noAutofit/>
           </a:bodyPr>
           <a:p>
+            <a:pPr>
+              <a:lnSpc>
+                <a:spcPct val="100000"/>
+              </a:lnSpc>
+              <a:buNone/>
+            </a:pPr>
             <a:r>
               <a:rPr b="0" lang="en-US" sz="1800" spc="-1" strike="noStrike">
                 <a:latin typeface="Arial"/>
@@ -24162,6 +23403,12 @@
             </a:endParaRPr>
           </a:p>
           <a:p>
+            <a:pPr>
+              <a:lnSpc>
+                <a:spcPct val="100000"/>
+              </a:lnSpc>
+              <a:buNone/>
+            </a:pPr>
             <a:r>
               <a:rPr b="0" lang="en-US" sz="1800" spc="-1" strike="noStrike">
                 <a:latin typeface="Arial"/>
@@ -24173,6 +23420,12 @@
             </a:endParaRPr>
           </a:p>
           <a:p>
+            <a:pPr>
+              <a:lnSpc>
+                <a:spcPct val="100000"/>
+              </a:lnSpc>
+              <a:buNone/>
+            </a:pPr>
             <a:r>
               <a:rPr b="0" lang="en-US" sz="1800" spc="-1" strike="noStrike">
                 <a:latin typeface="Arial"/>
@@ -24217,7 +23470,7 @@
       </p:grpSpPr>
       <p:sp>
         <p:nvSpPr>
-          <p:cNvPr id="288" name="PlaceHolder 1"/>
+          <p:cNvPr id="248" name="PlaceHolder 1"/>
           <p:cNvSpPr>
             <a:spLocks noGrp="1"/>
           </p:cNvSpPr>
@@ -24228,7 +23481,7 @@
         <p:spPr>
           <a:xfrm>
             <a:off x="500400" y="330840"/>
-            <a:ext cx="8519760" cy="1095120"/>
+            <a:ext cx="8519400" cy="1094760"/>
           </a:xfrm>
           <a:prstGeom prst="rect">
             <a:avLst/>
@@ -24270,7 +23523,7 @@
       </p:sp>
       <p:pic>
         <p:nvPicPr>
-          <p:cNvPr id="289" name="" descr=""/>
+          <p:cNvPr id="249" name="" descr=""/>
           <p:cNvPicPr/>
           <p:nvPr/>
         </p:nvPicPr>
@@ -24281,7 +23534,7 @@
         <p:spPr>
           <a:xfrm>
             <a:off x="2057400" y="331200"/>
-            <a:ext cx="5295600" cy="3326400"/>
+            <a:ext cx="5295240" cy="3326040"/>
           </a:xfrm>
           <a:prstGeom prst="rect">
             <a:avLst/>
@@ -24293,28 +23546,40 @@
       </p:pic>
       <p:sp>
         <p:nvSpPr>
-          <p:cNvPr id="290" name=""/>
-          <p:cNvSpPr txBox="1"/>
+          <p:cNvPr id="250" name=""/>
+          <p:cNvSpPr/>
           <p:nvPr/>
         </p:nvSpPr>
         <p:spPr>
           <a:xfrm>
             <a:off x="914400" y="3886200"/>
-            <a:ext cx="7543800" cy="858240"/>
-          </a:xfrm>
-          <a:prstGeom prst="rect">
-            <a:avLst/>
-          </a:prstGeom>
-          <a:noFill/>
-          <a:ln w="0">
-            <a:noFill/>
-          </a:ln>
-        </p:spPr>
+            <a:ext cx="7543440" cy="857880"/>
+          </a:xfrm>
+          <a:prstGeom prst="rect">
+            <a:avLst/>
+          </a:prstGeom>
+          <a:noFill/>
+          <a:ln w="0">
+            <a:noFill/>
+          </a:ln>
+        </p:spPr>
+        <p:style>
+          <a:lnRef idx="0"/>
+          <a:fillRef idx="0"/>
+          <a:effectRef idx="0"/>
+          <a:fontRef idx="minor"/>
+        </p:style>
         <p:txBody>
           <a:bodyPr lIns="90000" rIns="90000" tIns="45000" bIns="45000" anchor="t">
             <a:noAutofit/>
           </a:bodyPr>
           <a:p>
+            <a:pPr>
+              <a:lnSpc>
+                <a:spcPct val="100000"/>
+              </a:lnSpc>
+              <a:buNone/>
+            </a:pPr>
             <a:r>
               <a:rPr b="0" lang="en-US" sz="1800" spc="-1" strike="noStrike">
                 <a:latin typeface="Arial"/>
@@ -24359,7 +23624,7 @@
       </p:grpSpPr>
       <p:sp>
         <p:nvSpPr>
-          <p:cNvPr id="291" name="PlaceHolder 1"/>
+          <p:cNvPr id="251" name="PlaceHolder 1"/>
           <p:cNvSpPr>
             <a:spLocks noGrp="1"/>
           </p:cNvSpPr>
@@ -24370,7 +23635,7 @@
         <p:spPr>
           <a:xfrm>
             <a:off x="500400" y="330840"/>
-            <a:ext cx="8519760" cy="1095120"/>
+            <a:ext cx="8519400" cy="1094760"/>
           </a:xfrm>
           <a:prstGeom prst="rect">
             <a:avLst/>
@@ -24412,7 +23677,7 @@
       </p:sp>
       <p:pic>
         <p:nvPicPr>
-          <p:cNvPr id="292" name="" descr=""/>
+          <p:cNvPr id="252" name="" descr=""/>
           <p:cNvPicPr/>
           <p:nvPr/>
         </p:nvPicPr>
@@ -24423,7 +23688,7 @@
         <p:spPr>
           <a:xfrm>
             <a:off x="2514600" y="228600"/>
-            <a:ext cx="4050360" cy="3160080"/>
+            <a:ext cx="4050000" cy="3159720"/>
           </a:xfrm>
           <a:prstGeom prst="rect">
             <a:avLst/>
@@ -24435,28 +23700,40 @@
       </p:pic>
       <p:sp>
         <p:nvSpPr>
-          <p:cNvPr id="293" name=""/>
-          <p:cNvSpPr txBox="1"/>
+          <p:cNvPr id="253" name=""/>
+          <p:cNvSpPr/>
           <p:nvPr/>
         </p:nvSpPr>
         <p:spPr>
           <a:xfrm>
             <a:off x="685800" y="3430440"/>
-            <a:ext cx="7772400" cy="1626120"/>
-          </a:xfrm>
-          <a:prstGeom prst="rect">
-            <a:avLst/>
-          </a:prstGeom>
-          <a:noFill/>
-          <a:ln w="0">
-            <a:noFill/>
-          </a:ln>
-        </p:spPr>
+            <a:ext cx="7772040" cy="1625760"/>
+          </a:xfrm>
+          <a:prstGeom prst="rect">
+            <a:avLst/>
+          </a:prstGeom>
+          <a:noFill/>
+          <a:ln w="0">
+            <a:noFill/>
+          </a:ln>
+        </p:spPr>
+        <p:style>
+          <a:lnRef idx="0"/>
+          <a:fillRef idx="0"/>
+          <a:effectRef idx="0"/>
+          <a:fontRef idx="minor"/>
+        </p:style>
         <p:txBody>
           <a:bodyPr lIns="90000" rIns="90000" tIns="45000" bIns="45000" anchor="t">
             <a:noAutofit/>
           </a:bodyPr>
           <a:p>
+            <a:pPr>
+              <a:lnSpc>
+                <a:spcPct val="100000"/>
+              </a:lnSpc>
+              <a:buNone/>
+            </a:pPr>
             <a:r>
               <a:rPr b="0" lang="en-US" sz="1800" spc="-1" strike="noStrike">
                 <a:latin typeface="Arial"/>
@@ -24468,6 +23745,12 @@
             </a:endParaRPr>
           </a:p>
           <a:p>
+            <a:pPr>
+              <a:lnSpc>
+                <a:spcPct val="100000"/>
+              </a:lnSpc>
+              <a:buNone/>
+            </a:pPr>
             <a:r>
               <a:rPr b="0" lang="en-US" sz="1800" spc="-1" strike="noStrike">
                 <a:latin typeface="Arial"/>
@@ -24479,6 +23762,12 @@
             </a:endParaRPr>
           </a:p>
           <a:p>
+            <a:pPr>
+              <a:lnSpc>
+                <a:spcPct val="100000"/>
+              </a:lnSpc>
+              <a:buNone/>
+            </a:pPr>
             <a:r>
               <a:rPr b="0" lang="en-US" sz="1800" spc="-1" strike="noStrike">
                 <a:latin typeface="Arial"/>
@@ -24490,6 +23779,12 @@
             </a:endParaRPr>
           </a:p>
           <a:p>
+            <a:pPr>
+              <a:lnSpc>
+                <a:spcPct val="100000"/>
+              </a:lnSpc>
+              <a:buNone/>
+            </a:pPr>
             <a:endParaRPr b="0" lang="en-US" sz="1800" spc="-1" strike="noStrike">
               <a:latin typeface="Arial"/>
             </a:endParaRPr>
@@ -24528,7 +23823,7 @@
       </p:grpSpPr>
       <p:sp>
         <p:nvSpPr>
-          <p:cNvPr id="294" name="PlaceHolder 1"/>
+          <p:cNvPr id="254" name="PlaceHolder 1"/>
           <p:cNvSpPr>
             <a:spLocks noGrp="1"/>
           </p:cNvSpPr>
@@ -24539,7 +23834,7 @@
         <p:spPr>
           <a:xfrm>
             <a:off x="500400" y="330840"/>
-            <a:ext cx="8519760" cy="1095120"/>
+            <a:ext cx="8519400" cy="1094760"/>
           </a:xfrm>
           <a:prstGeom prst="rect">
             <a:avLst/>
@@ -24581,7 +23876,7 @@
       </p:sp>
       <p:pic>
         <p:nvPicPr>
-          <p:cNvPr id="295" name="" descr=""/>
+          <p:cNvPr id="255" name="" descr=""/>
           <p:cNvPicPr/>
           <p:nvPr/>
         </p:nvPicPr>
@@ -24592,7 +23887,7 @@
         <p:spPr>
           <a:xfrm>
             <a:off x="1371600" y="457200"/>
-            <a:ext cx="6400800" cy="2971800"/>
+            <a:ext cx="6400440" cy="2971440"/>
           </a:xfrm>
           <a:prstGeom prst="rect">
             <a:avLst/>
@@ -24604,28 +23899,40 @@
       </p:pic>
       <p:sp>
         <p:nvSpPr>
-          <p:cNvPr id="296" name=""/>
-          <p:cNvSpPr txBox="1"/>
+          <p:cNvPr id="256" name=""/>
+          <p:cNvSpPr/>
           <p:nvPr/>
         </p:nvSpPr>
         <p:spPr>
           <a:xfrm>
             <a:off x="685800" y="3659040"/>
-            <a:ext cx="7772400" cy="1370160"/>
-          </a:xfrm>
-          <a:prstGeom prst="rect">
-            <a:avLst/>
-          </a:prstGeom>
-          <a:noFill/>
-          <a:ln w="0">
-            <a:noFill/>
-          </a:ln>
-        </p:spPr>
+            <a:ext cx="7772040" cy="1369800"/>
+          </a:xfrm>
+          <a:prstGeom prst="rect">
+            <a:avLst/>
+          </a:prstGeom>
+          <a:noFill/>
+          <a:ln w="0">
+            <a:noFill/>
+          </a:ln>
+        </p:spPr>
+        <p:style>
+          <a:lnRef idx="0"/>
+          <a:fillRef idx="0"/>
+          <a:effectRef idx="0"/>
+          <a:fontRef idx="minor"/>
+        </p:style>
         <p:txBody>
           <a:bodyPr lIns="90000" rIns="90000" tIns="45000" bIns="45000" anchor="t">
             <a:noAutofit/>
           </a:bodyPr>
           <a:p>
+            <a:pPr>
+              <a:lnSpc>
+                <a:spcPct val="100000"/>
+              </a:lnSpc>
+              <a:buNone/>
+            </a:pPr>
             <a:r>
               <a:rPr b="0" lang="en-US" sz="1800" spc="-1" strike="noStrike">
                 <a:latin typeface="Arial"/>
@@ -24637,6 +23944,12 @@
             </a:endParaRPr>
           </a:p>
           <a:p>
+            <a:pPr>
+              <a:lnSpc>
+                <a:spcPct val="100000"/>
+              </a:lnSpc>
+              <a:buNone/>
+            </a:pPr>
             <a:r>
               <a:rPr b="0" lang="en-US" sz="1800" spc="-1" strike="noStrike">
                 <a:latin typeface="Arial"/>
@@ -24648,6 +23961,12 @@
             </a:endParaRPr>
           </a:p>
           <a:p>
+            <a:pPr>
+              <a:lnSpc>
+                <a:spcPct val="100000"/>
+              </a:lnSpc>
+              <a:buNone/>
+            </a:pPr>
             <a:endParaRPr b="0" lang="en-US" sz="1800" spc="-1" strike="noStrike">
               <a:latin typeface="Arial"/>
             </a:endParaRPr>
@@ -24686,7 +24005,7 @@
       </p:grpSpPr>
       <p:sp>
         <p:nvSpPr>
-          <p:cNvPr id="297" name="PlaceHolder 1"/>
+          <p:cNvPr id="257" name="PlaceHolder 1"/>
           <p:cNvSpPr>
             <a:spLocks noGrp="1"/>
           </p:cNvSpPr>
@@ -24697,7 +24016,7 @@
         <p:spPr>
           <a:xfrm>
             <a:off x="500400" y="330840"/>
-            <a:ext cx="8519760" cy="1095120"/>
+            <a:ext cx="8519400" cy="1094760"/>
           </a:xfrm>
           <a:prstGeom prst="rect">
             <a:avLst/>
@@ -24739,28 +24058,40 @@
       </p:sp>
       <p:sp>
         <p:nvSpPr>
-          <p:cNvPr id="298" name=""/>
-          <p:cNvSpPr txBox="1"/>
+          <p:cNvPr id="258" name=""/>
+          <p:cNvSpPr/>
           <p:nvPr/>
         </p:nvSpPr>
         <p:spPr>
           <a:xfrm>
             <a:off x="457200" y="3429000"/>
-            <a:ext cx="8229600" cy="1626120"/>
-          </a:xfrm>
-          <a:prstGeom prst="rect">
-            <a:avLst/>
-          </a:prstGeom>
-          <a:noFill/>
-          <a:ln w="0">
-            <a:noFill/>
-          </a:ln>
-        </p:spPr>
+            <a:ext cx="8229240" cy="1625760"/>
+          </a:xfrm>
+          <a:prstGeom prst="rect">
+            <a:avLst/>
+          </a:prstGeom>
+          <a:noFill/>
+          <a:ln w="0">
+            <a:noFill/>
+          </a:ln>
+        </p:spPr>
+        <p:style>
+          <a:lnRef idx="0"/>
+          <a:fillRef idx="0"/>
+          <a:effectRef idx="0"/>
+          <a:fontRef idx="minor"/>
+        </p:style>
         <p:txBody>
           <a:bodyPr lIns="90000" rIns="90000" tIns="45000" bIns="45000" anchor="t">
             <a:noAutofit/>
           </a:bodyPr>
           <a:p>
+            <a:pPr>
+              <a:lnSpc>
+                <a:spcPct val="100000"/>
+              </a:lnSpc>
+              <a:buNone/>
+            </a:pPr>
             <a:r>
               <a:rPr b="0" lang="en-US" sz="1800" spc="-1" strike="noStrike">
                 <a:latin typeface="Arial"/>
@@ -24772,6 +24103,12 @@
             </a:endParaRPr>
           </a:p>
           <a:p>
+            <a:pPr>
+              <a:lnSpc>
+                <a:spcPct val="100000"/>
+              </a:lnSpc>
+              <a:buNone/>
+            </a:pPr>
             <a:r>
               <a:rPr b="0" lang="en-US" sz="1800" spc="-1" strike="noStrike">
                 <a:latin typeface="Arial"/>
@@ -24783,6 +24120,12 @@
             </a:endParaRPr>
           </a:p>
           <a:p>
+            <a:pPr>
+              <a:lnSpc>
+                <a:spcPct val="100000"/>
+              </a:lnSpc>
+              <a:buNone/>
+            </a:pPr>
             <a:r>
               <a:rPr b="0" lang="en-US" sz="1800" spc="-1" strike="noStrike">
                 <a:latin typeface="Arial"/>
@@ -24794,6 +24137,12 @@
             </a:endParaRPr>
           </a:p>
           <a:p>
+            <a:pPr>
+              <a:lnSpc>
+                <a:spcPct val="100000"/>
+              </a:lnSpc>
+              <a:buNone/>
+            </a:pPr>
             <a:endParaRPr b="0" lang="en-US" sz="1800" spc="-1" strike="noStrike">
               <a:latin typeface="Arial"/>
             </a:endParaRPr>
@@ -24802,19 +24151,19 @@
       </p:sp>
       <p:pic>
         <p:nvPicPr>
-          <p:cNvPr id="299" name="" descr=""/>
+          <p:cNvPr id="259" name="" descr=""/>
           <p:cNvPicPr/>
           <p:nvPr/>
         </p:nvPicPr>
         <p:blipFill>
           <a:blip r:embed="rId1"/>
-          <a:srcRect l="0" t="0" r="-2290" b="59931"/>
+          <a:srcRect l="0" t="0" r="-2290" b="59923"/>
           <a:stretch/>
         </p:blipFill>
         <p:spPr>
           <a:xfrm>
             <a:off x="2057400" y="130320"/>
-            <a:ext cx="5029200" cy="3298680"/>
+            <a:ext cx="5028840" cy="3298320"/>
           </a:xfrm>
           <a:prstGeom prst="rect">
             <a:avLst/>
@@ -26191,230 +25540,4 @@
     </a:fmtScheme>
   </a:themeElements>
 </a:theme>
-</file>
-
-<file path=ppt/theme/theme7.xml><?xml version="1.0" encoding="utf-8"?>
-<a:theme xmlns:a="http://schemas.openxmlformats.org/drawingml/2006/main" name="Office Theme">
-  <a:themeElements>
-    <a:clrScheme name="Office">
-      <a:dk1>
-        <a:sysClr val="windowText" lastClr="000000"/>
-      </a:dk1>
-      <a:lt1>
-        <a:sysClr val="window" lastClr="FFFFFF"/>
-      </a:lt1>
-      <a:dk2>
-        <a:srgbClr val="595959"/>
-      </a:dk2>
-      <a:lt2>
-        <a:srgbClr val="eeeeee"/>
-      </a:lt2>
-      <a:accent1>
-        <a:srgbClr val="4285f4"/>
-      </a:accent1>
-      <a:accent2>
-        <a:srgbClr val="212121"/>
-      </a:accent2>
-      <a:accent3>
-        <a:srgbClr val="78909c"/>
-      </a:accent3>
-      <a:accent4>
-        <a:srgbClr val="ffab40"/>
-      </a:accent4>
-      <a:accent5>
-        <a:srgbClr val="0097a7"/>
-      </a:accent5>
-      <a:accent6>
-        <a:srgbClr val="eeff41"/>
-      </a:accent6>
-      <a:hlink>
-        <a:srgbClr val="0097a7"/>
-      </a:hlink>
-      <a:folHlink>
-        <a:srgbClr val="0097a7"/>
-      </a:folHlink>
-    </a:clrScheme>
-    <a:fontScheme name="Office">
-      <a:majorFont>
-        <a:latin typeface="Arial"/>
-        <a:ea typeface="DejaVu Sans"/>
-        <a:cs typeface="DejaVu Sans"/>
-      </a:majorFont>
-      <a:minorFont>
-        <a:latin typeface="Arial"/>
-        <a:ea typeface="DejaVu Sans"/>
-        <a:cs typeface="DejaVu Sans"/>
-      </a:minorFont>
-    </a:fontScheme>
-    <a:fmtScheme name="Office">
-      <a:fillStyleLst>
-        <a:solidFill>
-          <a:schemeClr val="phClr"/>
-        </a:solidFill>
-        <a:gradFill rotWithShape="1">
-          <a:gsLst>
-            <a:gs pos="0">
-              <a:schemeClr val="phClr">
-                <a:tint val="50000"/>
-                <a:satMod val="300000"/>
-              </a:schemeClr>
-            </a:gs>
-            <a:gs pos="35000">
-              <a:schemeClr val="phClr">
-                <a:tint val="37000"/>
-                <a:satMod val="300000"/>
-              </a:schemeClr>
-            </a:gs>
-            <a:gs pos="100000">
-              <a:schemeClr val="phClr">
-                <a:tint val="15000"/>
-                <a:satMod val="350000"/>
-              </a:schemeClr>
-            </a:gs>
-          </a:gsLst>
-          <a:lin ang="16200000" scaled="1"/>
-        </a:gradFill>
-        <a:gradFill rotWithShape="1">
-          <a:gsLst>
-            <a:gs pos="0">
-              <a:schemeClr val="phClr">
-                <a:shade val="51000"/>
-                <a:satMod val="130000"/>
-              </a:schemeClr>
-            </a:gs>
-            <a:gs pos="80000">
-              <a:schemeClr val="phClr">
-                <a:shade val="93000"/>
-                <a:satMod val="130000"/>
-              </a:schemeClr>
-            </a:gs>
-            <a:gs pos="100000">
-              <a:schemeClr val="phClr">
-                <a:shade val="94000"/>
-                <a:satMod val="135000"/>
-              </a:schemeClr>
-            </a:gs>
-          </a:gsLst>
-          <a:lin ang="16200000" scaled="0"/>
-        </a:gradFill>
-      </a:fillStyleLst>
-      <a:lnStyleLst>
-        <a:ln w="9525" cap="flat" cmpd="sng" algn="ctr">
-          <a:solidFill>
-            <a:schemeClr val="phClr">
-              <a:shade val="95000"/>
-              <a:satMod val="105000"/>
-            </a:schemeClr>
-          </a:solidFill>
-          <a:prstDash val="solid"/>
-          <a:miter/>
-        </a:ln>
-        <a:ln w="25400" cap="flat" cmpd="sng" algn="ctr">
-          <a:solidFill>
-            <a:schemeClr val="phClr"/>
-          </a:solidFill>
-          <a:prstDash val="solid"/>
-          <a:miter/>
-        </a:ln>
-        <a:ln w="38100" cap="flat" cmpd="sng" algn="ctr">
-          <a:solidFill>
-            <a:schemeClr val="phClr"/>
-          </a:solidFill>
-          <a:prstDash val="solid"/>
-          <a:miter/>
-        </a:ln>
-      </a:lnStyleLst>
-      <a:effectStyleLst>
-        <a:effectStyle>
-          <a:effectLst>
-            <a:outerShdw blurRad="40000" dist="20000" dir="5400000" rotWithShape="0">
-              <a:srgbClr val="000000">
-                <a:alpha val="38000"/>
-              </a:srgbClr>
-            </a:outerShdw>
-          </a:effectLst>
-        </a:effectStyle>
-        <a:effectStyle>
-          <a:effectLst>
-            <a:outerShdw blurRad="40000" dist="23000" dir="5400000" rotWithShape="0">
-              <a:srgbClr val="000000">
-                <a:alpha val="35000"/>
-              </a:srgbClr>
-            </a:outerShdw>
-          </a:effectLst>
-        </a:effectStyle>
-        <a:effectStyle>
-          <a:effectLst>
-            <a:outerShdw blurRad="40000" dist="23000" dir="5400000" rotWithShape="0">
-              <a:srgbClr val="000000">
-                <a:alpha val="35000"/>
-              </a:srgbClr>
-            </a:outerShdw>
-          </a:effectLst>
-          <a:scene3d>
-            <a:camera prst="orthographicFront">
-              <a:rot lat="0" lon="0" rev="0"/>
-            </a:camera>
-            <a:lightRig rig="threePt" dir="t">
-              <a:rot lat="0" lon="0" rev="1200000"/>
-            </a:lightRig>
-          </a:scene3d>
-          <a:sp3d>
-            <a:bevelT w="63500" h="25400"/>
-          </a:sp3d>
-        </a:effectStyle>
-      </a:effectStyleLst>
-      <a:bgFillStyleLst>
-        <a:solidFill>
-          <a:schemeClr val="phClr"/>
-        </a:solidFill>
-        <a:gradFill rotWithShape="1">
-          <a:gsLst>
-            <a:gs pos="0">
-              <a:schemeClr val="phClr">
-                <a:tint val="40000"/>
-                <a:satMod val="350000"/>
-              </a:schemeClr>
-            </a:gs>
-            <a:gs pos="40000">
-              <a:schemeClr val="phClr">
-                <a:tint val="45000"/>
-                <a:shade val="99000"/>
-                <a:satMod val="350000"/>
-              </a:schemeClr>
-            </a:gs>
-            <a:gs pos="100000">
-              <a:schemeClr val="phClr">
-                <a:shade val="20000"/>
-                <a:satMod val="255000"/>
-              </a:schemeClr>
-            </a:gs>
-          </a:gsLst>
-          <a:path path="circle">
-            <a:fillToRect l="50000" t="-80000" r="50000" b="180000"/>
-          </a:path>
-        </a:gradFill>
-        <a:gradFill rotWithShape="1">
-          <a:gsLst>
-            <a:gs pos="0">
-              <a:schemeClr val="phClr">
-                <a:tint val="80000"/>
-                <a:satMod val="300000"/>
-              </a:schemeClr>
-            </a:gs>
-            <a:gs pos="100000">
-              <a:schemeClr val="phClr">
-                <a:shade val="30000"/>
-                <a:satMod val="200000"/>
-              </a:schemeClr>
-            </a:gs>
-          </a:gsLst>
-          <a:path path="circle">
-            <a:fillToRect l="50000" t="50000" r="50000" b="50000"/>
-          </a:path>
-        </a:gradFill>
-      </a:bgFillStyleLst>
-    </a:fmtScheme>
-  </a:themeElements>
-</a:theme>
 </file>